--- a/MANUAL.pptx
+++ b/MANUAL.pptx
@@ -178,175 +178,6 @@
 <file path=ppt/changesInfos/changesInfo1.xml><?xml version="1.0" encoding="utf-8"?>
 <pc:chgInfo xmlns:a="http://schemas.openxmlformats.org/drawingml/2006/main" xmlns:r="http://schemas.openxmlformats.org/officeDocument/2006/relationships" xmlns:ac="http://schemas.microsoft.com/office/drawing/2013/main/command" xmlns:pc="http://schemas.microsoft.com/office/powerpoint/2013/main/command">
   <pc:docChgLst>
-    <pc:chgData name="ito sh" userId="b72e1b45a6eb2453" providerId="LiveId" clId="{3EF051DF-D5B8-4EE2-BBBA-DAEBDF5E0208}"/>
-    <pc:docChg chg="modSld">
-      <pc:chgData name="ito sh" userId="b72e1b45a6eb2453" providerId="LiveId" clId="{3EF051DF-D5B8-4EE2-BBBA-DAEBDF5E0208}" dt="2020-03-06T18:48:18.324" v="53" actId="368"/>
-      <pc:docMkLst>
-        <pc:docMk/>
-      </pc:docMkLst>
-      <pc:sldChg chg="modSp">
-        <pc:chgData name="ito sh" userId="b72e1b45a6eb2453" providerId="LiveId" clId="{3EF051DF-D5B8-4EE2-BBBA-DAEBDF5E0208}" dt="2020-01-11T02:31:16.163" v="0" actId="20577"/>
-        <pc:sldMkLst>
-          <pc:docMk/>
-          <pc:sldMk cId="2080287932" sldId="257"/>
-        </pc:sldMkLst>
-      </pc:sldChg>
-      <pc:sldChg chg="addSp modSp mod">
-        <pc:chgData name="ito sh" userId="b72e1b45a6eb2453" providerId="LiveId" clId="{3EF051DF-D5B8-4EE2-BBBA-DAEBDF5E0208}" dt="2020-03-06T18:48:18.324" v="53" actId="368"/>
-        <pc:sldMkLst>
-          <pc:docMk/>
-          <pc:sldMk cId="2676337646" sldId="299"/>
-        </pc:sldMkLst>
-      </pc:sldChg>
-      <pc:sldChg chg="modSp">
-        <pc:chgData name="ito sh" userId="b72e1b45a6eb2453" providerId="LiveId" clId="{3EF051DF-D5B8-4EE2-BBBA-DAEBDF5E0208}" dt="2020-01-24T17:31:57.803" v="38" actId="20577"/>
-        <pc:sldMkLst>
-          <pc:docMk/>
-          <pc:sldMk cId="625981191" sldId="326"/>
-        </pc:sldMkLst>
-      </pc:sldChg>
-    </pc:docChg>
-  </pc:docChgLst>
-  <pc:docChgLst>
-    <pc:chgData name="ito sh" userId="b72e1b45a6eb2453" providerId="LiveId" clId="{00E7A615-26D6-4DEC-9FB3-A7A042F428B0}"/>
-    <pc:docChg chg="undo redo custSel addSld delSld modSld">
-      <pc:chgData name="ito sh" userId="b72e1b45a6eb2453" providerId="LiveId" clId="{00E7A615-26D6-4DEC-9FB3-A7A042F428B0}" dt="2021-01-12T03:38:47.848" v="740" actId="207"/>
-      <pc:docMkLst>
-        <pc:docMk/>
-      </pc:docMkLst>
-      <pc:sldChg chg="addSp modSp mod setBg">
-        <pc:chgData name="ito sh" userId="b72e1b45a6eb2453" providerId="LiveId" clId="{00E7A615-26D6-4DEC-9FB3-A7A042F428B0}" dt="2021-01-03T17:04:43.761" v="387" actId="14100"/>
-        <pc:sldMkLst>
-          <pc:docMk/>
-          <pc:sldMk cId="3222679408" sldId="256"/>
-        </pc:sldMkLst>
-      </pc:sldChg>
-      <pc:sldChg chg="modSp mod setBg">
-        <pc:chgData name="ito sh" userId="b72e1b45a6eb2453" providerId="LiveId" clId="{00E7A615-26D6-4DEC-9FB3-A7A042F428B0}" dt="2021-01-04T00:46:39.355" v="696" actId="1076"/>
-        <pc:sldMkLst>
-          <pc:docMk/>
-          <pc:sldMk cId="2080287932" sldId="257"/>
-        </pc:sldMkLst>
-      </pc:sldChg>
-      <pc:sldChg chg="modSp mod setBg">
-        <pc:chgData name="ito sh" userId="b72e1b45a6eb2453" providerId="LiveId" clId="{00E7A615-26D6-4DEC-9FB3-A7A042F428B0}" dt="2021-01-04T15:01:46.365" v="698" actId="1076"/>
-        <pc:sldMkLst>
-          <pc:docMk/>
-          <pc:sldMk cId="1691482332" sldId="290"/>
-        </pc:sldMkLst>
-      </pc:sldChg>
-      <pc:sldChg chg="delSp modSp mod setBg">
-        <pc:chgData name="ito sh" userId="b72e1b45a6eb2453" providerId="LiveId" clId="{00E7A615-26D6-4DEC-9FB3-A7A042F428B0}" dt="2021-01-04T22:31:04.696" v="715" actId="478"/>
-        <pc:sldMkLst>
-          <pc:docMk/>
-          <pc:sldMk cId="1582896633" sldId="291"/>
-        </pc:sldMkLst>
-      </pc:sldChg>
-      <pc:sldChg chg="addSp delSp modSp mod setBg">
-        <pc:chgData name="ito sh" userId="b72e1b45a6eb2453" providerId="LiveId" clId="{00E7A615-26D6-4DEC-9FB3-A7A042F428B0}" dt="2021-01-03T17:23:36.116" v="516"/>
-        <pc:sldMkLst>
-          <pc:docMk/>
-          <pc:sldMk cId="1941651198" sldId="294"/>
-        </pc:sldMkLst>
-      </pc:sldChg>
-      <pc:sldChg chg="modSp mod setBg">
-        <pc:chgData name="ito sh" userId="b72e1b45a6eb2453" providerId="LiveId" clId="{00E7A615-26D6-4DEC-9FB3-A7A042F428B0}" dt="2021-01-03T17:02:50.453" v="373" actId="207"/>
-        <pc:sldMkLst>
-          <pc:docMk/>
-          <pc:sldMk cId="715667158" sldId="296"/>
-        </pc:sldMkLst>
-      </pc:sldChg>
-      <pc:sldChg chg="addSp delSp modSp mod setBg">
-        <pc:chgData name="ito sh" userId="b72e1b45a6eb2453" providerId="LiveId" clId="{00E7A615-26D6-4DEC-9FB3-A7A042F428B0}" dt="2021-01-04T22:17:38.506" v="709" actId="1582"/>
-        <pc:sldMkLst>
-          <pc:docMk/>
-          <pc:sldMk cId="2173051432" sldId="298"/>
-        </pc:sldMkLst>
-      </pc:sldChg>
-      <pc:sldChg chg="delSp modSp mod setBg">
-        <pc:chgData name="ito sh" userId="b72e1b45a6eb2453" providerId="LiveId" clId="{00E7A615-26D6-4DEC-9FB3-A7A042F428B0}" dt="2021-01-04T22:20:18.078" v="711" actId="478"/>
-        <pc:sldMkLst>
-          <pc:docMk/>
-          <pc:sldMk cId="2676337646" sldId="299"/>
-        </pc:sldMkLst>
-      </pc:sldChg>
-      <pc:sldChg chg="addSp delSp modSp mod setBg">
-        <pc:chgData name="ito sh" userId="b72e1b45a6eb2453" providerId="LiveId" clId="{00E7A615-26D6-4DEC-9FB3-A7A042F428B0}" dt="2021-01-03T17:23:48.174" v="518"/>
-        <pc:sldMkLst>
-          <pc:docMk/>
-          <pc:sldMk cId="3292416738" sldId="301"/>
-        </pc:sldMkLst>
-      </pc:sldChg>
-      <pc:sldChg chg="modSp mod setBg">
-        <pc:chgData name="ito sh" userId="b72e1b45a6eb2453" providerId="LiveId" clId="{00E7A615-26D6-4DEC-9FB3-A7A042F428B0}" dt="2021-01-03T17:22:38.375" v="509" actId="207"/>
-        <pc:sldMkLst>
-          <pc:docMk/>
-          <pc:sldMk cId="2020473484" sldId="302"/>
-        </pc:sldMkLst>
-      </pc:sldChg>
-      <pc:sldChg chg="delSp modSp mod setBg">
-        <pc:chgData name="ito sh" userId="b72e1b45a6eb2453" providerId="LiveId" clId="{00E7A615-26D6-4DEC-9FB3-A7A042F428B0}" dt="2021-01-04T22:31:06.542" v="716" actId="478"/>
-        <pc:sldMkLst>
-          <pc:docMk/>
-          <pc:sldMk cId="2043145239" sldId="315"/>
-        </pc:sldMkLst>
-      </pc:sldChg>
-      <pc:sldChg chg="addSp modSp mod setBg">
-        <pc:chgData name="ito sh" userId="b72e1b45a6eb2453" providerId="LiveId" clId="{00E7A615-26D6-4DEC-9FB3-A7A042F428B0}" dt="2021-01-12T03:38:47.848" v="740" actId="207"/>
-        <pc:sldMkLst>
-          <pc:docMk/>
-          <pc:sldMk cId="625981191" sldId="326"/>
-        </pc:sldMkLst>
-      </pc:sldChg>
-      <pc:sldChg chg="add del">
-        <pc:chgData name="ito sh" userId="b72e1b45a6eb2453" providerId="LiveId" clId="{00E7A615-26D6-4DEC-9FB3-A7A042F428B0}" dt="2020-12-24T14:52:12.063" v="51"/>
-        <pc:sldMkLst>
-          <pc:docMk/>
-          <pc:sldMk cId="3921450249" sldId="327"/>
-        </pc:sldMkLst>
-      </pc:sldChg>
-    </pc:docChg>
-  </pc:docChgLst>
-  <pc:docChgLst>
-    <pc:chgData name="ito sh" userId="b72e1b45a6eb2453" providerId="LiveId" clId="{BDFAC52C-1089-43AC-9A4E-58C0A13A07DC}"/>
-    <pc:docChg chg="undo redo custSel modSld">
-      <pc:chgData name="ito sh" userId="b72e1b45a6eb2453" providerId="LiveId" clId="{BDFAC52C-1089-43AC-9A4E-58C0A13A07DC}" dt="2019-06-22T20:14:45.007" v="455" actId="478"/>
-      <pc:docMkLst>
-        <pc:docMk/>
-      </pc:docMkLst>
-      <pc:sldChg chg="addSp delSp modSp">
-        <pc:chgData name="ito sh" userId="b72e1b45a6eb2453" providerId="LiveId" clId="{BDFAC52C-1089-43AC-9A4E-58C0A13A07DC}" dt="2019-06-22T20:14:45.007" v="455" actId="478"/>
-        <pc:sldMkLst>
-          <pc:docMk/>
-          <pc:sldMk cId="2676337646" sldId="299"/>
-        </pc:sldMkLst>
-      </pc:sldChg>
-      <pc:sldChg chg="addSp delSp modSp">
-        <pc:chgData name="ito sh" userId="b72e1b45a6eb2453" providerId="LiveId" clId="{BDFAC52C-1089-43AC-9A4E-58C0A13A07DC}" dt="2019-06-20T16:13:11.600" v="451" actId="207"/>
-        <pc:sldMkLst>
-          <pc:docMk/>
-          <pc:sldMk cId="625981191" sldId="326"/>
-        </pc:sldMkLst>
-      </pc:sldChg>
-    </pc:docChg>
-  </pc:docChgLst>
-  <pc:docChgLst>
-    <pc:chgData name="ito sh" userId="b72e1b45a6eb2453" providerId="LiveId" clId="{105FA30F-C1AB-4B2C-9DEE-03D8017723E0}"/>
-    <pc:docChg chg="custSel modSld">
-      <pc:chgData name="ito sh" userId="b72e1b45a6eb2453" providerId="LiveId" clId="{105FA30F-C1AB-4B2C-9DEE-03D8017723E0}" dt="2019-12-21T23:35:00.347" v="2" actId="207"/>
-      <pc:docMkLst>
-        <pc:docMk/>
-      </pc:docMkLst>
-      <pc:sldChg chg="modSp">
-        <pc:chgData name="ito sh" userId="b72e1b45a6eb2453" providerId="LiveId" clId="{105FA30F-C1AB-4B2C-9DEE-03D8017723E0}" dt="2019-12-21T23:35:00.347" v="2" actId="207"/>
-        <pc:sldMkLst>
-          <pc:docMk/>
-          <pc:sldMk cId="625981191" sldId="326"/>
-        </pc:sldMkLst>
-      </pc:sldChg>
-    </pc:docChg>
-  </pc:docChgLst>
-  <pc:docChgLst>
     <pc:chgData name="ito sh" userId="b72e1b45a6eb2453" providerId="LiveId" clId="{871E63B6-1655-4173-9A82-F7396D0876F0}"/>
     <pc:docChg chg="undo custSel delSld modSld modSection">
       <pc:chgData name="ito sh" userId="b72e1b45a6eb2453" providerId="LiveId" clId="{871E63B6-1655-4173-9A82-F7396D0876F0}" dt="2019-09-30T13:39:57.478" v="735" actId="207"/>
@@ -454,74 +285,14 @@
     </pc:docChg>
   </pc:docChgLst>
   <pc:docChgLst>
-    <pc:chgData name="sh ito" userId="b72e1b45a6eb2453" providerId="LiveId" clId="{871E63B6-1655-4173-9A82-F7396D0876F0}"/>
+    <pc:chgData name="ito sh" userId="b72e1b45a6eb2453" providerId="LiveId" clId="{105FA30F-C1AB-4B2C-9DEE-03D8017723E0}"/>
     <pc:docChg chg="custSel modSld">
-      <pc:chgData name="sh ito" userId="b72e1b45a6eb2453" providerId="LiveId" clId="{871E63B6-1655-4173-9A82-F7396D0876F0}" dt="2019-08-05T01:37:20.790" v="8" actId="478"/>
+      <pc:chgData name="ito sh" userId="b72e1b45a6eb2453" providerId="LiveId" clId="{105FA30F-C1AB-4B2C-9DEE-03D8017723E0}" dt="2019-12-21T23:35:00.347" v="2" actId="207"/>
       <pc:docMkLst>
         <pc:docMk/>
       </pc:docMkLst>
-      <pc:sldChg chg="delSp">
-        <pc:chgData name="sh ito" userId="b72e1b45a6eb2453" providerId="LiveId" clId="{871E63B6-1655-4173-9A82-F7396D0876F0}" dt="2019-08-05T01:37:20.790" v="8" actId="478"/>
-        <pc:sldMkLst>
-          <pc:docMk/>
-          <pc:sldMk cId="2080287932" sldId="257"/>
-        </pc:sldMkLst>
-      </pc:sldChg>
       <pc:sldChg chg="modSp">
-        <pc:chgData name="sh ito" userId="b72e1b45a6eb2453" providerId="LiveId" clId="{871E63B6-1655-4173-9A82-F7396D0876F0}" dt="2019-08-05T01:35:51.899" v="7" actId="1036"/>
-        <pc:sldMkLst>
-          <pc:docMk/>
-          <pc:sldMk cId="2173051432" sldId="298"/>
-        </pc:sldMkLst>
-      </pc:sldChg>
-    </pc:docChg>
-  </pc:docChgLst>
-  <pc:docChgLst>
-    <pc:chgData name="sh ito" userId="b72e1b45a6eb2453" providerId="LiveId" clId="{CDC11600-052D-4471-893E-3145DE225640}"/>
-    <pc:docChg chg="undo redo custSel modSld">
-      <pc:chgData name="sh ito" userId="b72e1b45a6eb2453" providerId="LiveId" clId="{CDC11600-052D-4471-893E-3145DE225640}" dt="2024-06-18T17:20:51.637" v="118" actId="20577"/>
-      <pc:docMkLst>
-        <pc:docMk/>
-      </pc:docMkLst>
-      <pc:sldChg chg="addSp delSp modSp mod">
-        <pc:chgData name="sh ito" userId="b72e1b45a6eb2453" providerId="LiveId" clId="{CDC11600-052D-4471-893E-3145DE225640}" dt="2024-06-18T17:12:54.064" v="85" actId="20577"/>
-        <pc:sldMkLst>
-          <pc:docMk/>
-          <pc:sldMk cId="3222679408" sldId="256"/>
-        </pc:sldMkLst>
-      </pc:sldChg>
-      <pc:sldChg chg="addSp delSp modSp mod">
-        <pc:chgData name="sh ito" userId="b72e1b45a6eb2453" providerId="LiveId" clId="{CDC11600-052D-4471-893E-3145DE225640}" dt="2024-06-18T17:12:51.138" v="78"/>
-        <pc:sldMkLst>
-          <pc:docMk/>
-          <pc:sldMk cId="1691482332" sldId="290"/>
-        </pc:sldMkLst>
-      </pc:sldChg>
-      <pc:sldChg chg="addSp modSp mod">
-        <pc:chgData name="sh ito" userId="b72e1b45a6eb2453" providerId="LiveId" clId="{CDC11600-052D-4471-893E-3145DE225640}" dt="2024-06-18T17:12:14.756" v="70"/>
-        <pc:sldMkLst>
-          <pc:docMk/>
-          <pc:sldMk cId="1582896633" sldId="291"/>
-        </pc:sldMkLst>
-      </pc:sldChg>
-    </pc:docChg>
-  </pc:docChgLst>
-  <pc:docChgLst>
-    <pc:chgData name="ito sh" userId="b72e1b45a6eb2453" providerId="LiveId" clId="{544270BD-0634-4704-BA43-0FC31907E366}"/>
-    <pc:docChg chg="undo custSel modSld">
-      <pc:chgData name="ito sh" userId="b72e1b45a6eb2453" providerId="LiveId" clId="{544270BD-0634-4704-BA43-0FC31907E366}" dt="2021-02-04T17:56:57.685" v="10" actId="115"/>
-      <pc:docMkLst>
-        <pc:docMk/>
-      </pc:docMkLst>
-      <pc:sldChg chg="modSp mod">
-        <pc:chgData name="ito sh" userId="b72e1b45a6eb2453" providerId="LiveId" clId="{544270BD-0634-4704-BA43-0FC31907E366}" dt="2021-02-04T17:56:57.685" v="10" actId="115"/>
-        <pc:sldMkLst>
-          <pc:docMk/>
-          <pc:sldMk cId="3222679408" sldId="256"/>
-        </pc:sldMkLst>
-      </pc:sldChg>
-      <pc:sldChg chg="modSp mod">
-        <pc:chgData name="ito sh" userId="b72e1b45a6eb2453" providerId="LiveId" clId="{544270BD-0634-4704-BA43-0FC31907E366}" dt="2021-02-04T17:51:11.046" v="0" actId="207"/>
+        <pc:chgData name="ito sh" userId="b72e1b45a6eb2453" providerId="LiveId" clId="{105FA30F-C1AB-4B2C-9DEE-03D8017723E0}" dt="2019-12-21T23:35:00.347" v="2" actId="207"/>
         <pc:sldMkLst>
           <pc:docMk/>
           <pc:sldMk cId="625981191" sldId="326"/>
@@ -626,91 +397,6 @@
     </pc:docChg>
   </pc:docChgLst>
   <pc:docChgLst>
-    <pc:chgData name="ito sh" userId="b72e1b45a6eb2453" providerId="LiveId" clId="{3CCF0F66-34EC-40D4-BD6A-6B718B058E88}"/>
-    <pc:docChg chg="modSld">
-      <pc:chgData name="ito sh" userId="b72e1b45a6eb2453" providerId="LiveId" clId="{3CCF0F66-34EC-40D4-BD6A-6B718B058E88}" dt="2021-03-14T15:03:12.331" v="35" actId="20577"/>
-      <pc:docMkLst>
-        <pc:docMk/>
-      </pc:docMkLst>
-    </pc:docChg>
-  </pc:docChgLst>
-  <pc:docChgLst>
-    <pc:chgData name="ito sh" userId="b72e1b45a6eb2453" providerId="LiveId" clId="{EAE16808-4D66-49B3-AEA4-7473DABA3633}"/>
-    <pc:docChg chg="undo custSel mod modSld">
-      <pc:chgData name="ito sh" userId="b72e1b45a6eb2453" providerId="LiveId" clId="{EAE16808-4D66-49B3-AEA4-7473DABA3633}" dt="2020-10-27T13:51:26.389" v="206" actId="207"/>
-      <pc:docMkLst>
-        <pc:docMk/>
-      </pc:docMkLst>
-      <pc:sldChg chg="addSp delSp modSp mod setBg setClrOvrMap">
-        <pc:chgData name="ito sh" userId="b72e1b45a6eb2453" providerId="LiveId" clId="{EAE16808-4D66-49B3-AEA4-7473DABA3633}" dt="2020-10-11T03:34:51.585" v="79" actId="1076"/>
-        <pc:sldMkLst>
-          <pc:docMk/>
-          <pc:sldMk cId="3222679408" sldId="256"/>
-        </pc:sldMkLst>
-      </pc:sldChg>
-      <pc:sldChg chg="modSp mod">
-        <pc:chgData name="ito sh" userId="b72e1b45a6eb2453" providerId="LiveId" clId="{EAE16808-4D66-49B3-AEA4-7473DABA3633}" dt="2020-10-27T13:51:26.389" v="206" actId="207"/>
-        <pc:sldMkLst>
-          <pc:docMk/>
-          <pc:sldMk cId="2173051432" sldId="298"/>
-        </pc:sldMkLst>
-      </pc:sldChg>
-      <pc:sldChg chg="addSp modSp mod">
-        <pc:chgData name="ito sh" userId="b72e1b45a6eb2453" providerId="LiveId" clId="{EAE16808-4D66-49B3-AEA4-7473DABA3633}" dt="2020-10-11T07:54:09.920" v="150" actId="1076"/>
-        <pc:sldMkLst>
-          <pc:docMk/>
-          <pc:sldMk cId="2676337646" sldId="299"/>
-        </pc:sldMkLst>
-      </pc:sldChg>
-      <pc:sldChg chg="addSp delSp modSp mod">
-        <pc:chgData name="ito sh" userId="b72e1b45a6eb2453" providerId="LiveId" clId="{EAE16808-4D66-49B3-AEA4-7473DABA3633}" dt="2020-10-11T07:36:00.902" v="140" actId="404"/>
-        <pc:sldMkLst>
-          <pc:docMk/>
-          <pc:sldMk cId="2020473484" sldId="302"/>
-        </pc:sldMkLst>
-      </pc:sldChg>
-      <pc:sldChg chg="modSp mod">
-        <pc:chgData name="ito sh" userId="b72e1b45a6eb2453" providerId="LiveId" clId="{EAE16808-4D66-49B3-AEA4-7473DABA3633}" dt="2020-10-11T03:23:08.597" v="19"/>
-        <pc:sldMkLst>
-          <pc:docMk/>
-          <pc:sldMk cId="2043145239" sldId="315"/>
-        </pc:sldMkLst>
-      </pc:sldChg>
-    </pc:docChg>
-  </pc:docChgLst>
-  <pc:docChgLst>
-    <pc:chgData name="sh ito" userId="b72e1b45a6eb2453" providerId="LiveId" clId="{183D64A9-D968-445B-ADEE-EA59FFC52972}"/>
-    <pc:docChg chg="modSld">
-      <pc:chgData name="sh ito" userId="b72e1b45a6eb2453" providerId="LiveId" clId="{183D64A9-D968-445B-ADEE-EA59FFC52972}" dt="2024-01-08T05:50:07.028" v="37" actId="403"/>
-      <pc:docMkLst>
-        <pc:docMk/>
-      </pc:docMkLst>
-      <pc:sldChg chg="modSp mod">
-        <pc:chgData name="sh ito" userId="b72e1b45a6eb2453" providerId="LiveId" clId="{183D64A9-D968-445B-ADEE-EA59FFC52972}" dt="2024-01-08T05:50:07.028" v="37" actId="403"/>
-        <pc:sldMkLst>
-          <pc:docMk/>
-          <pc:sldMk cId="2173051432" sldId="298"/>
-        </pc:sldMkLst>
-      </pc:sldChg>
-    </pc:docChg>
-  </pc:docChgLst>
-  <pc:docChgLst>
-    <pc:chgData name="ito sh" userId="b72e1b45a6eb2453" providerId="LiveId" clId="{E722F60C-9892-4D1E-A74A-F85C6004BDD3}"/>
-    <pc:docChg chg="custSel modSld">
-      <pc:chgData name="ito sh" userId="b72e1b45a6eb2453" providerId="LiveId" clId="{E722F60C-9892-4D1E-A74A-F85C6004BDD3}" dt="2020-08-27T12:50:29.041" v="19" actId="207"/>
-      <pc:docMkLst>
-        <pc:docMk/>
-      </pc:docMkLst>
-      <pc:sldChg chg="modSp mod">
-        <pc:chgData name="ito sh" userId="b72e1b45a6eb2453" providerId="LiveId" clId="{E722F60C-9892-4D1E-A74A-F85C6004BDD3}" dt="2020-08-27T12:50:29.041" v="19" actId="207"/>
-        <pc:sldMkLst>
-          <pc:docMk/>
-          <pc:sldMk cId="625981191" sldId="326"/>
-        </pc:sldMkLst>
-      </pc:sldChg>
-    </pc:docChg>
-  </pc:docChgLst>
-  <pc:docChgLst>
     <pc:chgData name="ito sh" userId="b72e1b45a6eb2453" providerId="LiveId" clId="{71BFC6A2-53B5-4E6B-8BE2-264DBB8E2D32}"/>
     <pc:docChg chg="undo custSel modSld">
       <pc:chgData name="ito sh" userId="b72e1b45a6eb2453" providerId="LiveId" clId="{71BFC6A2-53B5-4E6B-8BE2-264DBB8E2D32}" dt="2023-03-26T07:46:35.272" v="241" actId="207"/>
@@ -740,6 +426,22 @@
       </pc:sldChg>
       <pc:sldChg chg="addSp delSp modSp mod">
         <pc:chgData name="ito sh" userId="b72e1b45a6eb2453" providerId="LiveId" clId="{71BFC6A2-53B5-4E6B-8BE2-264DBB8E2D32}" dt="2023-03-26T07:46:35.272" v="241" actId="207"/>
+        <pc:sldMkLst>
+          <pc:docMk/>
+          <pc:sldMk cId="625981191" sldId="326"/>
+        </pc:sldMkLst>
+      </pc:sldChg>
+    </pc:docChg>
+  </pc:docChgLst>
+  <pc:docChgLst>
+    <pc:chgData name="ito sh" userId="b72e1b45a6eb2453" providerId="LiveId" clId="{E722F60C-9892-4D1E-A74A-F85C6004BDD3}"/>
+    <pc:docChg chg="custSel modSld">
+      <pc:chgData name="ito sh" userId="b72e1b45a6eb2453" providerId="LiveId" clId="{E722F60C-9892-4D1E-A74A-F85C6004BDD3}" dt="2020-08-27T12:50:29.041" v="19" actId="207"/>
+      <pc:docMkLst>
+        <pc:docMk/>
+      </pc:docMkLst>
+      <pc:sldChg chg="modSp mod">
+        <pc:chgData name="ito sh" userId="b72e1b45a6eb2453" providerId="LiveId" clId="{E722F60C-9892-4D1E-A74A-F85C6004BDD3}" dt="2020-08-27T12:50:29.041" v="19" actId="207"/>
         <pc:sldMkLst>
           <pc:docMk/>
           <pc:sldMk cId="625981191" sldId="326"/>
@@ -862,6 +564,295 @@
     </pc:docChg>
   </pc:docChgLst>
   <pc:docChgLst>
+    <pc:chgData name="ito sh" userId="b72e1b45a6eb2453" providerId="LiveId" clId="{3EF051DF-D5B8-4EE2-BBBA-DAEBDF5E0208}"/>
+    <pc:docChg chg="modSld">
+      <pc:chgData name="ito sh" userId="b72e1b45a6eb2453" providerId="LiveId" clId="{3EF051DF-D5B8-4EE2-BBBA-DAEBDF5E0208}" dt="2020-03-06T18:48:18.324" v="53" actId="368"/>
+      <pc:docMkLst>
+        <pc:docMk/>
+      </pc:docMkLst>
+      <pc:sldChg chg="modSp">
+        <pc:chgData name="ito sh" userId="b72e1b45a6eb2453" providerId="LiveId" clId="{3EF051DF-D5B8-4EE2-BBBA-DAEBDF5E0208}" dt="2020-01-11T02:31:16.163" v="0" actId="20577"/>
+        <pc:sldMkLst>
+          <pc:docMk/>
+          <pc:sldMk cId="2080287932" sldId="257"/>
+        </pc:sldMkLst>
+      </pc:sldChg>
+      <pc:sldChg chg="addSp modSp mod">
+        <pc:chgData name="ito sh" userId="b72e1b45a6eb2453" providerId="LiveId" clId="{3EF051DF-D5B8-4EE2-BBBA-DAEBDF5E0208}" dt="2020-03-06T18:48:18.324" v="53" actId="368"/>
+        <pc:sldMkLst>
+          <pc:docMk/>
+          <pc:sldMk cId="2676337646" sldId="299"/>
+        </pc:sldMkLst>
+      </pc:sldChg>
+      <pc:sldChg chg="modSp">
+        <pc:chgData name="ito sh" userId="b72e1b45a6eb2453" providerId="LiveId" clId="{3EF051DF-D5B8-4EE2-BBBA-DAEBDF5E0208}" dt="2020-01-24T17:31:57.803" v="38" actId="20577"/>
+        <pc:sldMkLst>
+          <pc:docMk/>
+          <pc:sldMk cId="625981191" sldId="326"/>
+        </pc:sldMkLst>
+      </pc:sldChg>
+    </pc:docChg>
+  </pc:docChgLst>
+  <pc:docChgLst>
+    <pc:chgData name="ito sh" userId="b72e1b45a6eb2453" providerId="LiveId" clId="{544270BD-0634-4704-BA43-0FC31907E366}"/>
+    <pc:docChg chg="undo custSel modSld">
+      <pc:chgData name="ito sh" userId="b72e1b45a6eb2453" providerId="LiveId" clId="{544270BD-0634-4704-BA43-0FC31907E366}" dt="2021-02-04T17:56:57.685" v="10" actId="115"/>
+      <pc:docMkLst>
+        <pc:docMk/>
+      </pc:docMkLst>
+      <pc:sldChg chg="modSp mod">
+        <pc:chgData name="ito sh" userId="b72e1b45a6eb2453" providerId="LiveId" clId="{544270BD-0634-4704-BA43-0FC31907E366}" dt="2021-02-04T17:56:57.685" v="10" actId="115"/>
+        <pc:sldMkLst>
+          <pc:docMk/>
+          <pc:sldMk cId="3222679408" sldId="256"/>
+        </pc:sldMkLst>
+      </pc:sldChg>
+      <pc:sldChg chg="modSp mod">
+        <pc:chgData name="ito sh" userId="b72e1b45a6eb2453" providerId="LiveId" clId="{544270BD-0634-4704-BA43-0FC31907E366}" dt="2021-02-04T17:51:11.046" v="0" actId="207"/>
+        <pc:sldMkLst>
+          <pc:docMk/>
+          <pc:sldMk cId="625981191" sldId="326"/>
+        </pc:sldMkLst>
+      </pc:sldChg>
+    </pc:docChg>
+  </pc:docChgLst>
+  <pc:docChgLst>
+    <pc:chgData name="ito sh" userId="b72e1b45a6eb2453" providerId="LiveId" clId="{BDFAC52C-1089-43AC-9A4E-58C0A13A07DC}"/>
+    <pc:docChg chg="undo redo custSel modSld">
+      <pc:chgData name="ito sh" userId="b72e1b45a6eb2453" providerId="LiveId" clId="{BDFAC52C-1089-43AC-9A4E-58C0A13A07DC}" dt="2019-06-22T20:14:45.007" v="455" actId="478"/>
+      <pc:docMkLst>
+        <pc:docMk/>
+      </pc:docMkLst>
+      <pc:sldChg chg="addSp delSp modSp">
+        <pc:chgData name="ito sh" userId="b72e1b45a6eb2453" providerId="LiveId" clId="{BDFAC52C-1089-43AC-9A4E-58C0A13A07DC}" dt="2019-06-22T20:14:45.007" v="455" actId="478"/>
+        <pc:sldMkLst>
+          <pc:docMk/>
+          <pc:sldMk cId="2676337646" sldId="299"/>
+        </pc:sldMkLst>
+      </pc:sldChg>
+      <pc:sldChg chg="addSp delSp modSp">
+        <pc:chgData name="ito sh" userId="b72e1b45a6eb2453" providerId="LiveId" clId="{BDFAC52C-1089-43AC-9A4E-58C0A13A07DC}" dt="2019-06-20T16:13:11.600" v="451" actId="207"/>
+        <pc:sldMkLst>
+          <pc:docMk/>
+          <pc:sldMk cId="625981191" sldId="326"/>
+        </pc:sldMkLst>
+      </pc:sldChg>
+    </pc:docChg>
+  </pc:docChgLst>
+  <pc:docChgLst>
+    <pc:chgData name="ito sh" userId="b72e1b45a6eb2453" providerId="LiveId" clId="{00E7A615-26D6-4DEC-9FB3-A7A042F428B0}"/>
+    <pc:docChg chg="undo redo custSel addSld delSld modSld">
+      <pc:chgData name="ito sh" userId="b72e1b45a6eb2453" providerId="LiveId" clId="{00E7A615-26D6-4DEC-9FB3-A7A042F428B0}" dt="2021-01-12T03:38:47.848" v="740" actId="207"/>
+      <pc:docMkLst>
+        <pc:docMk/>
+      </pc:docMkLst>
+      <pc:sldChg chg="addSp modSp mod setBg">
+        <pc:chgData name="ito sh" userId="b72e1b45a6eb2453" providerId="LiveId" clId="{00E7A615-26D6-4DEC-9FB3-A7A042F428B0}" dt="2021-01-03T17:04:43.761" v="387" actId="14100"/>
+        <pc:sldMkLst>
+          <pc:docMk/>
+          <pc:sldMk cId="3222679408" sldId="256"/>
+        </pc:sldMkLst>
+      </pc:sldChg>
+      <pc:sldChg chg="modSp mod setBg">
+        <pc:chgData name="ito sh" userId="b72e1b45a6eb2453" providerId="LiveId" clId="{00E7A615-26D6-4DEC-9FB3-A7A042F428B0}" dt="2021-01-04T00:46:39.355" v="696" actId="1076"/>
+        <pc:sldMkLst>
+          <pc:docMk/>
+          <pc:sldMk cId="2080287932" sldId="257"/>
+        </pc:sldMkLst>
+      </pc:sldChg>
+      <pc:sldChg chg="modSp mod setBg">
+        <pc:chgData name="ito sh" userId="b72e1b45a6eb2453" providerId="LiveId" clId="{00E7A615-26D6-4DEC-9FB3-A7A042F428B0}" dt="2021-01-04T15:01:46.365" v="698" actId="1076"/>
+        <pc:sldMkLst>
+          <pc:docMk/>
+          <pc:sldMk cId="1691482332" sldId="290"/>
+        </pc:sldMkLst>
+      </pc:sldChg>
+      <pc:sldChg chg="delSp modSp mod setBg">
+        <pc:chgData name="ito sh" userId="b72e1b45a6eb2453" providerId="LiveId" clId="{00E7A615-26D6-4DEC-9FB3-A7A042F428B0}" dt="2021-01-04T22:31:04.696" v="715" actId="478"/>
+        <pc:sldMkLst>
+          <pc:docMk/>
+          <pc:sldMk cId="1582896633" sldId="291"/>
+        </pc:sldMkLst>
+      </pc:sldChg>
+      <pc:sldChg chg="addSp delSp modSp mod setBg">
+        <pc:chgData name="ito sh" userId="b72e1b45a6eb2453" providerId="LiveId" clId="{00E7A615-26D6-4DEC-9FB3-A7A042F428B0}" dt="2021-01-03T17:23:36.116" v="516"/>
+        <pc:sldMkLst>
+          <pc:docMk/>
+          <pc:sldMk cId="1941651198" sldId="294"/>
+        </pc:sldMkLst>
+      </pc:sldChg>
+      <pc:sldChg chg="modSp mod setBg">
+        <pc:chgData name="ito sh" userId="b72e1b45a6eb2453" providerId="LiveId" clId="{00E7A615-26D6-4DEC-9FB3-A7A042F428B0}" dt="2021-01-03T17:02:50.453" v="373" actId="207"/>
+        <pc:sldMkLst>
+          <pc:docMk/>
+          <pc:sldMk cId="715667158" sldId="296"/>
+        </pc:sldMkLst>
+      </pc:sldChg>
+      <pc:sldChg chg="addSp delSp modSp mod setBg">
+        <pc:chgData name="ito sh" userId="b72e1b45a6eb2453" providerId="LiveId" clId="{00E7A615-26D6-4DEC-9FB3-A7A042F428B0}" dt="2021-01-04T22:17:38.506" v="709" actId="1582"/>
+        <pc:sldMkLst>
+          <pc:docMk/>
+          <pc:sldMk cId="2173051432" sldId="298"/>
+        </pc:sldMkLst>
+      </pc:sldChg>
+      <pc:sldChg chg="delSp modSp mod setBg">
+        <pc:chgData name="ito sh" userId="b72e1b45a6eb2453" providerId="LiveId" clId="{00E7A615-26D6-4DEC-9FB3-A7A042F428B0}" dt="2021-01-04T22:20:18.078" v="711" actId="478"/>
+        <pc:sldMkLst>
+          <pc:docMk/>
+          <pc:sldMk cId="2676337646" sldId="299"/>
+        </pc:sldMkLst>
+      </pc:sldChg>
+      <pc:sldChg chg="addSp delSp modSp mod setBg">
+        <pc:chgData name="ito sh" userId="b72e1b45a6eb2453" providerId="LiveId" clId="{00E7A615-26D6-4DEC-9FB3-A7A042F428B0}" dt="2021-01-03T17:23:48.174" v="518"/>
+        <pc:sldMkLst>
+          <pc:docMk/>
+          <pc:sldMk cId="3292416738" sldId="301"/>
+        </pc:sldMkLst>
+      </pc:sldChg>
+      <pc:sldChg chg="modSp mod setBg">
+        <pc:chgData name="ito sh" userId="b72e1b45a6eb2453" providerId="LiveId" clId="{00E7A615-26D6-4DEC-9FB3-A7A042F428B0}" dt="2021-01-03T17:22:38.375" v="509" actId="207"/>
+        <pc:sldMkLst>
+          <pc:docMk/>
+          <pc:sldMk cId="2020473484" sldId="302"/>
+        </pc:sldMkLst>
+      </pc:sldChg>
+      <pc:sldChg chg="delSp modSp mod setBg">
+        <pc:chgData name="ito sh" userId="b72e1b45a6eb2453" providerId="LiveId" clId="{00E7A615-26D6-4DEC-9FB3-A7A042F428B0}" dt="2021-01-04T22:31:06.542" v="716" actId="478"/>
+        <pc:sldMkLst>
+          <pc:docMk/>
+          <pc:sldMk cId="2043145239" sldId="315"/>
+        </pc:sldMkLst>
+      </pc:sldChg>
+      <pc:sldChg chg="addSp modSp mod setBg">
+        <pc:chgData name="ito sh" userId="b72e1b45a6eb2453" providerId="LiveId" clId="{00E7A615-26D6-4DEC-9FB3-A7A042F428B0}" dt="2021-01-12T03:38:47.848" v="740" actId="207"/>
+        <pc:sldMkLst>
+          <pc:docMk/>
+          <pc:sldMk cId="625981191" sldId="326"/>
+        </pc:sldMkLst>
+      </pc:sldChg>
+      <pc:sldChg chg="add del">
+        <pc:chgData name="ito sh" userId="b72e1b45a6eb2453" providerId="LiveId" clId="{00E7A615-26D6-4DEC-9FB3-A7A042F428B0}" dt="2020-12-24T14:52:12.063" v="51"/>
+        <pc:sldMkLst>
+          <pc:docMk/>
+          <pc:sldMk cId="3921450249" sldId="327"/>
+        </pc:sldMkLst>
+      </pc:sldChg>
+    </pc:docChg>
+  </pc:docChgLst>
+  <pc:docChgLst>
+    <pc:chgData name="ito sh" userId="b72e1b45a6eb2453" providerId="LiveId" clId="{EAE16808-4D66-49B3-AEA4-7473DABA3633}"/>
+    <pc:docChg chg="undo custSel mod modSld">
+      <pc:chgData name="ito sh" userId="b72e1b45a6eb2453" providerId="LiveId" clId="{EAE16808-4D66-49B3-AEA4-7473DABA3633}" dt="2020-10-27T13:51:26.389" v="206" actId="207"/>
+      <pc:docMkLst>
+        <pc:docMk/>
+      </pc:docMkLst>
+      <pc:sldChg chg="addSp delSp modSp mod setBg setClrOvrMap">
+        <pc:chgData name="ito sh" userId="b72e1b45a6eb2453" providerId="LiveId" clId="{EAE16808-4D66-49B3-AEA4-7473DABA3633}" dt="2020-10-11T03:34:51.585" v="79" actId="1076"/>
+        <pc:sldMkLst>
+          <pc:docMk/>
+          <pc:sldMk cId="3222679408" sldId="256"/>
+        </pc:sldMkLst>
+      </pc:sldChg>
+      <pc:sldChg chg="modSp mod">
+        <pc:chgData name="ito sh" userId="b72e1b45a6eb2453" providerId="LiveId" clId="{EAE16808-4D66-49B3-AEA4-7473DABA3633}" dt="2020-10-27T13:51:26.389" v="206" actId="207"/>
+        <pc:sldMkLst>
+          <pc:docMk/>
+          <pc:sldMk cId="2173051432" sldId="298"/>
+        </pc:sldMkLst>
+      </pc:sldChg>
+      <pc:sldChg chg="addSp modSp mod">
+        <pc:chgData name="ito sh" userId="b72e1b45a6eb2453" providerId="LiveId" clId="{EAE16808-4D66-49B3-AEA4-7473DABA3633}" dt="2020-10-11T07:54:09.920" v="150" actId="1076"/>
+        <pc:sldMkLst>
+          <pc:docMk/>
+          <pc:sldMk cId="2676337646" sldId="299"/>
+        </pc:sldMkLst>
+      </pc:sldChg>
+      <pc:sldChg chg="addSp delSp modSp mod">
+        <pc:chgData name="ito sh" userId="b72e1b45a6eb2453" providerId="LiveId" clId="{EAE16808-4D66-49B3-AEA4-7473DABA3633}" dt="2020-10-11T07:36:00.902" v="140" actId="404"/>
+        <pc:sldMkLst>
+          <pc:docMk/>
+          <pc:sldMk cId="2020473484" sldId="302"/>
+        </pc:sldMkLst>
+      </pc:sldChg>
+      <pc:sldChg chg="modSp mod">
+        <pc:chgData name="ito sh" userId="b72e1b45a6eb2453" providerId="LiveId" clId="{EAE16808-4D66-49B3-AEA4-7473DABA3633}" dt="2020-10-11T03:23:08.597" v="19"/>
+        <pc:sldMkLst>
+          <pc:docMk/>
+          <pc:sldMk cId="2043145239" sldId="315"/>
+        </pc:sldMkLst>
+      </pc:sldChg>
+    </pc:docChg>
+  </pc:docChgLst>
+  <pc:docChgLst>
+    <pc:chgData name="sh ito" userId="b72e1b45a6eb2453" providerId="LiveId" clId="{871E63B6-1655-4173-9A82-F7396D0876F0}"/>
+    <pc:docChg chg="custSel modSld">
+      <pc:chgData name="sh ito" userId="b72e1b45a6eb2453" providerId="LiveId" clId="{871E63B6-1655-4173-9A82-F7396D0876F0}" dt="2019-08-05T01:37:20.790" v="8" actId="478"/>
+      <pc:docMkLst>
+        <pc:docMk/>
+      </pc:docMkLst>
+      <pc:sldChg chg="delSp">
+        <pc:chgData name="sh ito" userId="b72e1b45a6eb2453" providerId="LiveId" clId="{871E63B6-1655-4173-9A82-F7396D0876F0}" dt="2019-08-05T01:37:20.790" v="8" actId="478"/>
+        <pc:sldMkLst>
+          <pc:docMk/>
+          <pc:sldMk cId="2080287932" sldId="257"/>
+        </pc:sldMkLst>
+      </pc:sldChg>
+      <pc:sldChg chg="modSp">
+        <pc:chgData name="sh ito" userId="b72e1b45a6eb2453" providerId="LiveId" clId="{871E63B6-1655-4173-9A82-F7396D0876F0}" dt="2019-08-05T01:35:51.899" v="7" actId="1036"/>
+        <pc:sldMkLst>
+          <pc:docMk/>
+          <pc:sldMk cId="2173051432" sldId="298"/>
+        </pc:sldMkLst>
+      </pc:sldChg>
+    </pc:docChg>
+  </pc:docChgLst>
+  <pc:docChgLst>
+    <pc:chgData name="sh ito" userId="b72e1b45a6eb2453" providerId="LiveId" clId="{CDC11600-052D-4471-893E-3145DE225640}"/>
+    <pc:docChg chg="undo redo custSel modSld">
+      <pc:chgData name="sh ito" userId="b72e1b45a6eb2453" providerId="LiveId" clId="{CDC11600-052D-4471-893E-3145DE225640}" dt="2024-06-18T17:20:51.637" v="118" actId="20577"/>
+      <pc:docMkLst>
+        <pc:docMk/>
+      </pc:docMkLst>
+      <pc:sldChg chg="addSp delSp modSp mod">
+        <pc:chgData name="sh ito" userId="b72e1b45a6eb2453" providerId="LiveId" clId="{CDC11600-052D-4471-893E-3145DE225640}" dt="2024-06-18T17:12:54.064" v="85" actId="20577"/>
+        <pc:sldMkLst>
+          <pc:docMk/>
+          <pc:sldMk cId="3222679408" sldId="256"/>
+        </pc:sldMkLst>
+      </pc:sldChg>
+      <pc:sldChg chg="addSp delSp modSp mod">
+        <pc:chgData name="sh ito" userId="b72e1b45a6eb2453" providerId="LiveId" clId="{CDC11600-052D-4471-893E-3145DE225640}" dt="2024-06-18T17:12:51.138" v="78"/>
+        <pc:sldMkLst>
+          <pc:docMk/>
+          <pc:sldMk cId="1691482332" sldId="290"/>
+        </pc:sldMkLst>
+      </pc:sldChg>
+      <pc:sldChg chg="addSp modSp mod">
+        <pc:chgData name="sh ito" userId="b72e1b45a6eb2453" providerId="LiveId" clId="{CDC11600-052D-4471-893E-3145DE225640}" dt="2024-06-18T17:12:14.756" v="70"/>
+        <pc:sldMkLst>
+          <pc:docMk/>
+          <pc:sldMk cId="1582896633" sldId="291"/>
+        </pc:sldMkLst>
+      </pc:sldChg>
+    </pc:docChg>
+  </pc:docChgLst>
+  <pc:docChgLst>
+    <pc:chgData name="sh ito" userId="b72e1b45a6eb2453" providerId="LiveId" clId="{183D64A9-D968-445B-ADEE-EA59FFC52972}"/>
+    <pc:docChg chg="modSld">
+      <pc:chgData name="sh ito" userId="b72e1b45a6eb2453" providerId="LiveId" clId="{183D64A9-D968-445B-ADEE-EA59FFC52972}" dt="2024-01-08T05:50:07.028" v="37" actId="403"/>
+      <pc:docMkLst>
+        <pc:docMk/>
+      </pc:docMkLst>
+      <pc:sldChg chg="modSp mod">
+        <pc:chgData name="sh ito" userId="b72e1b45a6eb2453" providerId="LiveId" clId="{183D64A9-D968-445B-ADEE-EA59FFC52972}" dt="2024-01-08T05:50:07.028" v="37" actId="403"/>
+        <pc:sldMkLst>
+          <pc:docMk/>
+          <pc:sldMk cId="2173051432" sldId="298"/>
+        </pc:sldMkLst>
+      </pc:sldChg>
+    </pc:docChg>
+  </pc:docChgLst>
+  <pc:docChgLst>
     <pc:chgData name="ito sh" userId="b72e1b45a6eb2453" providerId="LiveId" clId="{A16B41C1-D290-44F0-96E1-68F16E0BE515}"/>
     <pc:docChg chg="undo redo custSel delSld modSld sldOrd addSection modSection">
       <pc:chgData name="ito sh" userId="b72e1b45a6eb2453" providerId="LiveId" clId="{A16B41C1-D290-44F0-96E1-68F16E0BE515}" dt="2021-05-31T17:26:32.264" v="933" actId="207"/>
@@ -954,6 +945,15 @@
           <pc:sldMk cId="2080287932" sldId="257"/>
         </pc:sldMkLst>
       </pc:sldChg>
+    </pc:docChg>
+  </pc:docChgLst>
+  <pc:docChgLst>
+    <pc:chgData name="ito sh" userId="b72e1b45a6eb2453" providerId="LiveId" clId="{3CCF0F66-34EC-40D4-BD6A-6B718B058E88}"/>
+    <pc:docChg chg="modSld">
+      <pc:chgData name="ito sh" userId="b72e1b45a6eb2453" providerId="LiveId" clId="{3CCF0F66-34EC-40D4-BD6A-6B718B058E88}" dt="2021-03-14T15:03:12.331" v="35" actId="20577"/>
+      <pc:docMkLst>
+        <pc:docMk/>
+      </pc:docMkLst>
     </pc:docChg>
   </pc:docChgLst>
 </pc:chgInfo>
@@ -17316,7 +17316,9 @@
           <a:prstGeom prst="roundRect">
             <a:avLst/>
           </a:prstGeom>
-          <a:noFill/>
+          <a:solidFill>
+            <a:srgbClr val="7030A0"/>
+          </a:solidFill>
           <a:ln w="12700">
             <a:solidFill>
               <a:schemeClr val="bg1"/>
@@ -18940,7 +18942,9 @@
           <a:prstGeom prst="roundRect">
             <a:avLst/>
           </a:prstGeom>
-          <a:noFill/>
+          <a:solidFill>
+            <a:srgbClr val="7030A0"/>
+          </a:solidFill>
           <a:ln w="12700">
             <a:solidFill>
               <a:schemeClr val="bg1"/>
@@ -19081,6 +19085,67 @@
               </a:rPr>
               <a:t>Default</a:t>
             </a:r>
+            <a:br>
+              <a:rPr lang="en-US" altLang="ja-JP" sz="4000">
+                <a:solidFill>
+                  <a:schemeClr val="bg1"/>
+                </a:solidFill>
+                <a:latin typeface="+mn-ea"/>
+                <a:ea typeface="+mn-ea"/>
+                <a:cs typeface="Courier New" panose="02070309020205020404" pitchFamily="49" charset="0"/>
+              </a:rPr>
+            </a:br>
+            <a:r>
+              <a:rPr lang="en-US" altLang="ja-JP" sz="2000">
+                <a:solidFill>
+                  <a:schemeClr val="bg1"/>
+                </a:solidFill>
+                <a:latin typeface="+mn-ea"/>
+                <a:ea typeface="+mn-ea"/>
+                <a:cs typeface="Courier New" panose="02070309020205020404" pitchFamily="49" charset="0"/>
+              </a:rPr>
+              <a:t>※AHK</a:t>
+            </a:r>
+            <a:r>
+              <a:rPr lang="ja-JP" altLang="en-US" sz="2000">
+                <a:solidFill>
+                  <a:schemeClr val="bg1"/>
+                </a:solidFill>
+                <a:latin typeface="+mn-ea"/>
+                <a:ea typeface="+mn-ea"/>
+                <a:cs typeface="Courier New" panose="02070309020205020404" pitchFamily="49" charset="0"/>
+              </a:rPr>
+              <a:t>による</a:t>
+            </a:r>
+            <a:r>
+              <a:rPr lang="ja-JP" altLang="en-US" sz="2000">
+                <a:solidFill>
+                  <a:schemeClr val="bg1"/>
+                </a:solidFill>
+                <a:latin typeface="+mn-ea"/>
+                <a:cs typeface="Courier New" panose="02070309020205020404" pitchFamily="49" charset="0"/>
+              </a:rPr>
+              <a:t>変</a:t>
+            </a:r>
+            <a:r>
+              <a:rPr lang="ja-JP" altLang="en-US" sz="2000">
+                <a:solidFill>
+                  <a:schemeClr val="bg1"/>
+                </a:solidFill>
+                <a:latin typeface="+mn-ea"/>
+                <a:ea typeface="+mn-ea"/>
+                <a:cs typeface="Courier New" panose="02070309020205020404" pitchFamily="49" charset="0"/>
+              </a:rPr>
+              <a:t>更点は紫のみ</a:t>
+            </a:r>
+            <a:endParaRPr lang="en-US" altLang="ja-JP" sz="4000">
+              <a:solidFill>
+                <a:schemeClr val="bg1"/>
+              </a:solidFill>
+              <a:latin typeface="+mn-ea"/>
+              <a:ea typeface="+mn-ea"/>
+              <a:cs typeface="Courier New" panose="02070309020205020404" pitchFamily="49" charset="0"/>
+            </a:endParaRPr>
           </a:p>
         </p:txBody>
       </p:sp>

--- a/MANUAL.pptx
+++ b/MANUAL.pptx
@@ -434,22 +434,6 @@
     </pc:docChg>
   </pc:docChgLst>
   <pc:docChgLst>
-    <pc:chgData name="ito sh" userId="b72e1b45a6eb2453" providerId="LiveId" clId="{E722F60C-9892-4D1E-A74A-F85C6004BDD3}"/>
-    <pc:docChg chg="custSel modSld">
-      <pc:chgData name="ito sh" userId="b72e1b45a6eb2453" providerId="LiveId" clId="{E722F60C-9892-4D1E-A74A-F85C6004BDD3}" dt="2020-08-27T12:50:29.041" v="19" actId="207"/>
-      <pc:docMkLst>
-        <pc:docMk/>
-      </pc:docMkLst>
-      <pc:sldChg chg="modSp mod">
-        <pc:chgData name="ito sh" userId="b72e1b45a6eb2453" providerId="LiveId" clId="{E722F60C-9892-4D1E-A74A-F85C6004BDD3}" dt="2020-08-27T12:50:29.041" v="19" actId="207"/>
-        <pc:sldMkLst>
-          <pc:docMk/>
-          <pc:sldMk cId="625981191" sldId="326"/>
-        </pc:sldMkLst>
-      </pc:sldChg>
-    </pc:docChg>
-  </pc:docChgLst>
-  <pc:docChgLst>
     <pc:chgData name="ito sh" userId="b72e1b45a6eb2453" providerId="LiveId" clId="{75AA17FA-A6ED-4888-9B58-8A66532478ED}"/>
     <pc:docChg chg="undo redo custSel delSld modSld modSection">
       <pc:chgData name="ito sh" userId="b72e1b45a6eb2453" providerId="LiveId" clId="{75AA17FA-A6ED-4888-9B58-8A66532478ED}" dt="2020-05-01T04:12:57.372" v="2218" actId="207"/>
@@ -556,6 +540,22 @@
       </pc:sldChg>
       <pc:sldChg chg="addSp delSp modSp mod">
         <pc:chgData name="ito sh" userId="b72e1b45a6eb2453" providerId="LiveId" clId="{75AA17FA-A6ED-4888-9B58-8A66532478ED}" dt="2020-05-01T03:02:13.748" v="1636" actId="1035"/>
+        <pc:sldMkLst>
+          <pc:docMk/>
+          <pc:sldMk cId="625981191" sldId="326"/>
+        </pc:sldMkLst>
+      </pc:sldChg>
+    </pc:docChg>
+  </pc:docChgLst>
+  <pc:docChgLst>
+    <pc:chgData name="ito sh" userId="b72e1b45a6eb2453" providerId="LiveId" clId="{E722F60C-9892-4D1E-A74A-F85C6004BDD3}"/>
+    <pc:docChg chg="custSel modSld">
+      <pc:chgData name="ito sh" userId="b72e1b45a6eb2453" providerId="LiveId" clId="{E722F60C-9892-4D1E-A74A-F85C6004BDD3}" dt="2020-08-27T12:50:29.041" v="19" actId="207"/>
+      <pc:docMkLst>
+        <pc:docMk/>
+      </pc:docMkLst>
+      <pc:sldChg chg="modSp mod">
+        <pc:chgData name="ito sh" userId="b72e1b45a6eb2453" providerId="LiveId" clId="{E722F60C-9892-4D1E-A74A-F85C6004BDD3}" dt="2020-08-27T12:50:29.041" v="19" actId="207"/>
         <pc:sldMkLst>
           <pc:docMk/>
           <pc:sldMk cId="625981191" sldId="326"/>
@@ -1041,7 +1041,7 @@
           <a:p>
             <a:fld id="{98B15ECE-60C4-45D4-8ABC-DDA7D4F33EF9}" type="datetimeFigureOut">
               <a:rPr kumimoji="1" lang="ja-JP" altLang="en-US" smtClean="0"/>
-              <a:t>2025/7/21</a:t>
+              <a:t>2025/7/24</a:t>
             </a:fld>
             <a:endParaRPr kumimoji="1" lang="ja-JP" altLang="en-US"/>
           </a:p>
@@ -2094,7 +2094,7 @@
           <a:p>
             <a:fld id="{8FB4C7EE-3C5D-4F47-A8DE-21B759CA57C5}" type="datetimeFigureOut">
               <a:rPr kumimoji="1" lang="ja-JP" altLang="en-US" smtClean="0"/>
-              <a:t>2025/7/21</a:t>
+              <a:t>2025/7/24</a:t>
             </a:fld>
             <a:endParaRPr kumimoji="1" lang="ja-JP" altLang="en-US"/>
           </a:p>
@@ -2296,7 +2296,7 @@
           <a:p>
             <a:fld id="{8FB4C7EE-3C5D-4F47-A8DE-21B759CA57C5}" type="datetimeFigureOut">
               <a:rPr kumimoji="1" lang="ja-JP" altLang="en-US" smtClean="0"/>
-              <a:t>2025/7/21</a:t>
+              <a:t>2025/7/24</a:t>
             </a:fld>
             <a:endParaRPr kumimoji="1" lang="ja-JP" altLang="en-US"/>
           </a:p>
@@ -2508,7 +2508,7 @@
           <a:p>
             <a:fld id="{8FB4C7EE-3C5D-4F47-A8DE-21B759CA57C5}" type="datetimeFigureOut">
               <a:rPr kumimoji="1" lang="ja-JP" altLang="en-US" smtClean="0"/>
-              <a:t>2025/7/21</a:t>
+              <a:t>2025/7/24</a:t>
             </a:fld>
             <a:endParaRPr kumimoji="1" lang="ja-JP" altLang="en-US"/>
           </a:p>
@@ -2710,7 +2710,7 @@
           <a:p>
             <a:fld id="{8FB4C7EE-3C5D-4F47-A8DE-21B759CA57C5}" type="datetimeFigureOut">
               <a:rPr kumimoji="1" lang="ja-JP" altLang="en-US" smtClean="0"/>
-              <a:t>2025/7/21</a:t>
+              <a:t>2025/7/24</a:t>
             </a:fld>
             <a:endParaRPr kumimoji="1" lang="ja-JP" altLang="en-US"/>
           </a:p>
@@ -2954,7 +2954,7 @@
           <a:p>
             <a:fld id="{8FB4C7EE-3C5D-4F47-A8DE-21B759CA57C5}" type="datetimeFigureOut">
               <a:rPr kumimoji="1" lang="ja-JP" altLang="en-US" smtClean="0"/>
-              <a:t>2025/7/21</a:t>
+              <a:t>2025/7/24</a:t>
             </a:fld>
             <a:endParaRPr kumimoji="1" lang="ja-JP" altLang="en-US"/>
           </a:p>
@@ -3250,7 +3250,7 @@
           <a:p>
             <a:fld id="{8FB4C7EE-3C5D-4F47-A8DE-21B759CA57C5}" type="datetimeFigureOut">
               <a:rPr kumimoji="1" lang="ja-JP" altLang="en-US" smtClean="0"/>
-              <a:t>2025/7/21</a:t>
+              <a:t>2025/7/24</a:t>
             </a:fld>
             <a:endParaRPr kumimoji="1" lang="ja-JP" altLang="en-US"/>
           </a:p>
@@ -3681,7 +3681,7 @@
           <a:p>
             <a:fld id="{8FB4C7EE-3C5D-4F47-A8DE-21B759CA57C5}" type="datetimeFigureOut">
               <a:rPr kumimoji="1" lang="ja-JP" altLang="en-US" smtClean="0"/>
-              <a:t>2025/7/21</a:t>
+              <a:t>2025/7/24</a:t>
             </a:fld>
             <a:endParaRPr kumimoji="1" lang="ja-JP" altLang="en-US"/>
           </a:p>
@@ -3799,7 +3799,7 @@
           <a:p>
             <a:fld id="{8FB4C7EE-3C5D-4F47-A8DE-21B759CA57C5}" type="datetimeFigureOut">
               <a:rPr kumimoji="1" lang="ja-JP" altLang="en-US" smtClean="0"/>
-              <a:t>2025/7/21</a:t>
+              <a:t>2025/7/24</a:t>
             </a:fld>
             <a:endParaRPr kumimoji="1" lang="ja-JP" altLang="en-US"/>
           </a:p>
@@ -3894,7 +3894,7 @@
           <a:p>
             <a:fld id="{8FB4C7EE-3C5D-4F47-A8DE-21B759CA57C5}" type="datetimeFigureOut">
               <a:rPr kumimoji="1" lang="ja-JP" altLang="en-US" smtClean="0"/>
-              <a:t>2025/7/21</a:t>
+              <a:t>2025/7/24</a:t>
             </a:fld>
             <a:endParaRPr kumimoji="1" lang="ja-JP" altLang="en-US"/>
           </a:p>
@@ -4203,7 +4203,7 @@
           <a:p>
             <a:fld id="{8FB4C7EE-3C5D-4F47-A8DE-21B759CA57C5}" type="datetimeFigureOut">
               <a:rPr kumimoji="1" lang="ja-JP" altLang="en-US" smtClean="0"/>
-              <a:t>2025/7/21</a:t>
+              <a:t>2025/7/24</a:t>
             </a:fld>
             <a:endParaRPr kumimoji="1" lang="ja-JP" altLang="en-US"/>
           </a:p>
@@ -4460,7 +4460,7 @@
           <a:p>
             <a:fld id="{8FB4C7EE-3C5D-4F47-A8DE-21B759CA57C5}" type="datetimeFigureOut">
               <a:rPr kumimoji="1" lang="ja-JP" altLang="en-US" smtClean="0"/>
-              <a:t>2025/7/21</a:t>
+              <a:t>2025/7/24</a:t>
             </a:fld>
             <a:endParaRPr kumimoji="1" lang="ja-JP" altLang="en-US"/>
           </a:p>
@@ -4705,7 +4705,7 @@
           <a:p>
             <a:fld id="{8FB4C7EE-3C5D-4F47-A8DE-21B759CA57C5}" type="datetimeFigureOut">
               <a:rPr kumimoji="1" lang="ja-JP" altLang="en-US" smtClean="0"/>
-              <a:t>2025/7/21</a:t>
+              <a:t>2025/7/24</a:t>
             </a:fld>
             <a:endParaRPr kumimoji="1" lang="ja-JP" altLang="en-US"/>
           </a:p>
@@ -5689,7 +5689,7 @@
           <p:nvPr>
             <p:extLst>
               <p:ext uri="{D42A27DB-BD31-4B8C-83A1-F6EECF244321}">
-                <p14:modId xmlns:p14="http://schemas.microsoft.com/office/powerpoint/2010/main" val="161689320"/>
+                <p14:modId xmlns:p14="http://schemas.microsoft.com/office/powerpoint/2010/main" val="1235002995"/>
               </p:ext>
             </p:extLst>
           </p:nvPr>
@@ -9849,7 +9849,7 @@
                           <a:ea typeface="游ゴシック Medium" panose="020B0500000000000000" pitchFamily="50" charset="-128"/>
                           <a:cs typeface="Courier New" panose="02070309020205020404" pitchFamily="49" charset="0"/>
                         </a:rPr>
-                        <a:t>Exit</a:t>
+                        <a:t>Suspend</a:t>
                       </a:r>
                     </a:p>
                     <a:p>
@@ -10119,7 +10119,7 @@
                         <a:defRPr/>
                       </a:pPr>
                       <a:r>
-                        <a:rPr lang="ja-JP" altLang="en-US" sz="1100" b="0" i="0" u="none" strike="noStrike" dirty="0">
+                        <a:rPr lang="ja-JP" altLang="en-US" sz="1100" b="0" i="0" u="none" strike="noStrike">
                           <a:solidFill>
                             <a:schemeClr val="bg1"/>
                           </a:solidFill>
@@ -10130,6 +10130,15 @@
                         </a:rPr>
                         <a:t>●</a:t>
                       </a:r>
+                      <a:endParaRPr lang="ja-JP" altLang="en-US" sz="1100" b="0" i="0" u="none" strike="noStrike" dirty="0">
+                        <a:solidFill>
+                          <a:schemeClr val="bg1"/>
+                        </a:solidFill>
+                        <a:effectLst/>
+                        <a:latin typeface="Consolas" panose="020B0609020204030204" pitchFamily="49" charset="0"/>
+                        <a:ea typeface="游ゴシック Medium" panose="020B0500000000000000" pitchFamily="50" charset="-128"/>
+                        <a:cs typeface="Courier New" panose="02070309020205020404" pitchFamily="49" charset="0"/>
+                      </a:endParaRPr>
                     </a:p>
                   </a:txBody>
                   <a:tcPr marL="9525" marR="9525" marT="9525" marB="0" anchor="ctr">

--- a/MANUAL.pptx
+++ b/MANUAL.pptx
@@ -1041,7 +1041,7 @@
           <a:p>
             <a:fld id="{98B15ECE-60C4-45D4-8ABC-DDA7D4F33EF9}" type="datetimeFigureOut">
               <a:rPr kumimoji="1" lang="ja-JP" altLang="en-US" smtClean="0"/>
-              <a:t>2025/7/24</a:t>
+              <a:t>2025/7/26</a:t>
             </a:fld>
             <a:endParaRPr kumimoji="1" lang="ja-JP" altLang="en-US"/>
           </a:p>
@@ -2094,7 +2094,7 @@
           <a:p>
             <a:fld id="{8FB4C7EE-3C5D-4F47-A8DE-21B759CA57C5}" type="datetimeFigureOut">
               <a:rPr kumimoji="1" lang="ja-JP" altLang="en-US" smtClean="0"/>
-              <a:t>2025/7/24</a:t>
+              <a:t>2025/7/26</a:t>
             </a:fld>
             <a:endParaRPr kumimoji="1" lang="ja-JP" altLang="en-US"/>
           </a:p>
@@ -2296,7 +2296,7 @@
           <a:p>
             <a:fld id="{8FB4C7EE-3C5D-4F47-A8DE-21B759CA57C5}" type="datetimeFigureOut">
               <a:rPr kumimoji="1" lang="ja-JP" altLang="en-US" smtClean="0"/>
-              <a:t>2025/7/24</a:t>
+              <a:t>2025/7/26</a:t>
             </a:fld>
             <a:endParaRPr kumimoji="1" lang="ja-JP" altLang="en-US"/>
           </a:p>
@@ -2508,7 +2508,7 @@
           <a:p>
             <a:fld id="{8FB4C7EE-3C5D-4F47-A8DE-21B759CA57C5}" type="datetimeFigureOut">
               <a:rPr kumimoji="1" lang="ja-JP" altLang="en-US" smtClean="0"/>
-              <a:t>2025/7/24</a:t>
+              <a:t>2025/7/26</a:t>
             </a:fld>
             <a:endParaRPr kumimoji="1" lang="ja-JP" altLang="en-US"/>
           </a:p>
@@ -2710,7 +2710,7 @@
           <a:p>
             <a:fld id="{8FB4C7EE-3C5D-4F47-A8DE-21B759CA57C5}" type="datetimeFigureOut">
               <a:rPr kumimoji="1" lang="ja-JP" altLang="en-US" smtClean="0"/>
-              <a:t>2025/7/24</a:t>
+              <a:t>2025/7/26</a:t>
             </a:fld>
             <a:endParaRPr kumimoji="1" lang="ja-JP" altLang="en-US"/>
           </a:p>
@@ -2954,7 +2954,7 @@
           <a:p>
             <a:fld id="{8FB4C7EE-3C5D-4F47-A8DE-21B759CA57C5}" type="datetimeFigureOut">
               <a:rPr kumimoji="1" lang="ja-JP" altLang="en-US" smtClean="0"/>
-              <a:t>2025/7/24</a:t>
+              <a:t>2025/7/26</a:t>
             </a:fld>
             <a:endParaRPr kumimoji="1" lang="ja-JP" altLang="en-US"/>
           </a:p>
@@ -3250,7 +3250,7 @@
           <a:p>
             <a:fld id="{8FB4C7EE-3C5D-4F47-A8DE-21B759CA57C5}" type="datetimeFigureOut">
               <a:rPr kumimoji="1" lang="ja-JP" altLang="en-US" smtClean="0"/>
-              <a:t>2025/7/24</a:t>
+              <a:t>2025/7/26</a:t>
             </a:fld>
             <a:endParaRPr kumimoji="1" lang="ja-JP" altLang="en-US"/>
           </a:p>
@@ -3681,7 +3681,7 @@
           <a:p>
             <a:fld id="{8FB4C7EE-3C5D-4F47-A8DE-21B759CA57C5}" type="datetimeFigureOut">
               <a:rPr kumimoji="1" lang="ja-JP" altLang="en-US" smtClean="0"/>
-              <a:t>2025/7/24</a:t>
+              <a:t>2025/7/26</a:t>
             </a:fld>
             <a:endParaRPr kumimoji="1" lang="ja-JP" altLang="en-US"/>
           </a:p>
@@ -3799,7 +3799,7 @@
           <a:p>
             <a:fld id="{8FB4C7EE-3C5D-4F47-A8DE-21B759CA57C5}" type="datetimeFigureOut">
               <a:rPr kumimoji="1" lang="ja-JP" altLang="en-US" smtClean="0"/>
-              <a:t>2025/7/24</a:t>
+              <a:t>2025/7/26</a:t>
             </a:fld>
             <a:endParaRPr kumimoji="1" lang="ja-JP" altLang="en-US"/>
           </a:p>
@@ -3894,7 +3894,7 @@
           <a:p>
             <a:fld id="{8FB4C7EE-3C5D-4F47-A8DE-21B759CA57C5}" type="datetimeFigureOut">
               <a:rPr kumimoji="1" lang="ja-JP" altLang="en-US" smtClean="0"/>
-              <a:t>2025/7/24</a:t>
+              <a:t>2025/7/26</a:t>
             </a:fld>
             <a:endParaRPr kumimoji="1" lang="ja-JP" altLang="en-US"/>
           </a:p>
@@ -4203,7 +4203,7 @@
           <a:p>
             <a:fld id="{8FB4C7EE-3C5D-4F47-A8DE-21B759CA57C5}" type="datetimeFigureOut">
               <a:rPr kumimoji="1" lang="ja-JP" altLang="en-US" smtClean="0"/>
-              <a:t>2025/7/24</a:t>
+              <a:t>2025/7/26</a:t>
             </a:fld>
             <a:endParaRPr kumimoji="1" lang="ja-JP" altLang="en-US"/>
           </a:p>
@@ -4460,7 +4460,7 @@
           <a:p>
             <a:fld id="{8FB4C7EE-3C5D-4F47-A8DE-21B759CA57C5}" type="datetimeFigureOut">
               <a:rPr kumimoji="1" lang="ja-JP" altLang="en-US" smtClean="0"/>
-              <a:t>2025/7/24</a:t>
+              <a:t>2025/7/26</a:t>
             </a:fld>
             <a:endParaRPr kumimoji="1" lang="ja-JP" altLang="en-US"/>
           </a:p>
@@ -4705,7 +4705,7 @@
           <a:p>
             <a:fld id="{8FB4C7EE-3C5D-4F47-A8DE-21B759CA57C5}" type="datetimeFigureOut">
               <a:rPr kumimoji="1" lang="ja-JP" altLang="en-US" smtClean="0"/>
-              <a:t>2025/7/24</a:t>
+              <a:t>2025/7/26</a:t>
             </a:fld>
             <a:endParaRPr kumimoji="1" lang="ja-JP" altLang="en-US"/>
           </a:p>
@@ -12807,10 +12807,10 @@
         </p:nvGrpSpPr>
         <p:grpSpPr>
           <a:xfrm>
-            <a:off x="5311641" y="404664"/>
-            <a:ext cx="3300152" cy="998964"/>
-            <a:chOff x="1104586" y="2299526"/>
-            <a:chExt cx="11233543" cy="3400425"/>
+            <a:off x="5534064" y="404664"/>
+            <a:ext cx="2839557" cy="998964"/>
+            <a:chOff x="1861702" y="2299526"/>
+            <a:chExt cx="9665702" cy="3400425"/>
           </a:xfrm>
         </p:grpSpPr>
         <p:pic>
@@ -12874,8 +12874,8 @@
           </p:nvSpPr>
           <p:spPr>
             <a:xfrm>
-              <a:off x="4718106" y="2975908"/>
-              <a:ext cx="7620023" cy="1990546"/>
+              <a:off x="3907382" y="3005209"/>
+              <a:ext cx="7620022" cy="1990546"/>
             </a:xfrm>
             <a:prstGeom prst="rect">
               <a:avLst/>
@@ -12940,238 +12940,6 @@
             </a:p>
           </p:txBody>
         </p:sp>
-        <p:sp>
-          <p:nvSpPr>
-            <p:cNvPr id="10" name="矢印: 下 9">
-              <a:extLst>
-                <a:ext uri="{FF2B5EF4-FFF2-40B4-BE49-F238E27FC236}">
-                  <a16:creationId xmlns:a16="http://schemas.microsoft.com/office/drawing/2014/main" id="{38249D11-76E1-4C03-94CE-B8FF19F3E1E5}"/>
-                </a:ext>
-              </a:extLst>
-            </p:cNvPr>
-            <p:cNvSpPr/>
-            <p:nvPr/>
-          </p:nvSpPr>
-          <p:spPr>
-            <a:xfrm rot="17100000">
-              <a:off x="1221976" y="3301946"/>
-              <a:ext cx="296562" cy="531342"/>
-            </a:xfrm>
-            <a:prstGeom prst="downArrow">
-              <a:avLst/>
-            </a:prstGeom>
-            <a:solidFill>
-              <a:schemeClr val="bg1"/>
-            </a:solidFill>
-            <a:ln>
-              <a:solidFill>
-                <a:schemeClr val="bg1"/>
-              </a:solidFill>
-            </a:ln>
-          </p:spPr>
-          <p:style>
-            <a:lnRef idx="2">
-              <a:schemeClr val="accent1">
-                <a:shade val="50000"/>
-              </a:schemeClr>
-            </a:lnRef>
-            <a:fillRef idx="1">
-              <a:schemeClr val="accent1"/>
-            </a:fillRef>
-            <a:effectRef idx="0">
-              <a:schemeClr val="accent1"/>
-            </a:effectRef>
-            <a:fontRef idx="minor">
-              <a:schemeClr val="lt1"/>
-            </a:fontRef>
-          </p:style>
-          <p:txBody>
-            <a:bodyPr rtlCol="0" anchor="ctr"/>
-            <a:lstStyle/>
-            <a:p>
-              <a:pPr algn="ctr"/>
-              <a:endParaRPr lang="ja-JP" altLang="en-US">
-                <a:solidFill>
-                  <a:srgbClr val="C00000"/>
-                </a:solidFill>
-              </a:endParaRPr>
-            </a:p>
-          </p:txBody>
-        </p:sp>
-        <p:sp>
-          <p:nvSpPr>
-            <p:cNvPr id="11" name="矢印: 下 10">
-              <a:extLst>
-                <a:ext uri="{FF2B5EF4-FFF2-40B4-BE49-F238E27FC236}">
-                  <a16:creationId xmlns:a16="http://schemas.microsoft.com/office/drawing/2014/main" id="{5655CDBA-09C9-40DA-93A1-EEB72DD5B740}"/>
-                </a:ext>
-              </a:extLst>
-            </p:cNvPr>
-            <p:cNvSpPr/>
-            <p:nvPr/>
-          </p:nvSpPr>
-          <p:spPr>
-            <a:xfrm rot="15300000">
-              <a:off x="1221978" y="3837809"/>
-              <a:ext cx="296562" cy="531343"/>
-            </a:xfrm>
-            <a:prstGeom prst="downArrow">
-              <a:avLst/>
-            </a:prstGeom>
-            <a:solidFill>
-              <a:schemeClr val="bg1"/>
-            </a:solidFill>
-            <a:ln>
-              <a:solidFill>
-                <a:schemeClr val="bg1"/>
-              </a:solidFill>
-            </a:ln>
-          </p:spPr>
-          <p:style>
-            <a:lnRef idx="2">
-              <a:schemeClr val="accent1">
-                <a:shade val="50000"/>
-              </a:schemeClr>
-            </a:lnRef>
-            <a:fillRef idx="1">
-              <a:schemeClr val="accent1"/>
-            </a:fillRef>
-            <a:effectRef idx="0">
-              <a:schemeClr val="accent1"/>
-            </a:effectRef>
-            <a:fontRef idx="minor">
-              <a:schemeClr val="lt1"/>
-            </a:fontRef>
-          </p:style>
-          <p:txBody>
-            <a:bodyPr rtlCol="0" anchor="ctr"/>
-            <a:lstStyle/>
-            <a:p>
-              <a:pPr algn="ctr"/>
-              <a:endParaRPr lang="ja-JP" altLang="en-US">
-                <a:solidFill>
-                  <a:srgbClr val="C00000"/>
-                </a:solidFill>
-              </a:endParaRPr>
-            </a:p>
-          </p:txBody>
-        </p:sp>
-        <p:sp>
-          <p:nvSpPr>
-            <p:cNvPr id="12" name="矢印: 下 11">
-              <a:extLst>
-                <a:ext uri="{FF2B5EF4-FFF2-40B4-BE49-F238E27FC236}">
-                  <a16:creationId xmlns:a16="http://schemas.microsoft.com/office/drawing/2014/main" id="{0576917C-C5B4-42C0-849E-0D3E9AEC5305}"/>
-                </a:ext>
-              </a:extLst>
-            </p:cNvPr>
-            <p:cNvSpPr/>
-            <p:nvPr/>
-          </p:nvSpPr>
-          <p:spPr>
-            <a:xfrm rot="4500000">
-              <a:off x="3918203" y="3301946"/>
-              <a:ext cx="296562" cy="531343"/>
-            </a:xfrm>
-            <a:prstGeom prst="downArrow">
-              <a:avLst/>
-            </a:prstGeom>
-            <a:solidFill>
-              <a:schemeClr val="bg1"/>
-            </a:solidFill>
-            <a:ln>
-              <a:solidFill>
-                <a:schemeClr val="bg1"/>
-              </a:solidFill>
-            </a:ln>
-          </p:spPr>
-          <p:style>
-            <a:lnRef idx="2">
-              <a:schemeClr val="accent1">
-                <a:shade val="50000"/>
-              </a:schemeClr>
-            </a:lnRef>
-            <a:fillRef idx="1">
-              <a:schemeClr val="accent1"/>
-            </a:fillRef>
-            <a:effectRef idx="0">
-              <a:schemeClr val="accent1"/>
-            </a:effectRef>
-            <a:fontRef idx="minor">
-              <a:schemeClr val="lt1"/>
-            </a:fontRef>
-          </p:style>
-          <p:txBody>
-            <a:bodyPr rtlCol="0" anchor="ctr"/>
-            <a:lstStyle/>
-            <a:p>
-              <a:pPr algn="ctr"/>
-              <a:endParaRPr lang="ja-JP" altLang="en-US">
-                <a:solidFill>
-                  <a:srgbClr val="C00000"/>
-                </a:solidFill>
-              </a:endParaRPr>
-            </a:p>
-          </p:txBody>
-        </p:sp>
-        <p:sp>
-          <p:nvSpPr>
-            <p:cNvPr id="13" name="矢印: 下 12">
-              <a:extLst>
-                <a:ext uri="{FF2B5EF4-FFF2-40B4-BE49-F238E27FC236}">
-                  <a16:creationId xmlns:a16="http://schemas.microsoft.com/office/drawing/2014/main" id="{ADBF5021-60C3-4424-97B4-14DE7A25CDBA}"/>
-                </a:ext>
-              </a:extLst>
-            </p:cNvPr>
-            <p:cNvSpPr/>
-            <p:nvPr/>
-          </p:nvSpPr>
-          <p:spPr>
-            <a:xfrm rot="6300000">
-              <a:off x="3918203" y="3837809"/>
-              <a:ext cx="296562" cy="531343"/>
-            </a:xfrm>
-            <a:prstGeom prst="downArrow">
-              <a:avLst/>
-            </a:prstGeom>
-            <a:solidFill>
-              <a:schemeClr val="bg1"/>
-            </a:solidFill>
-            <a:ln>
-              <a:solidFill>
-                <a:schemeClr val="bg1"/>
-              </a:solidFill>
-            </a:ln>
-          </p:spPr>
-          <p:style>
-            <a:lnRef idx="2">
-              <a:schemeClr val="accent1">
-                <a:shade val="50000"/>
-              </a:schemeClr>
-            </a:lnRef>
-            <a:fillRef idx="1">
-              <a:schemeClr val="accent1"/>
-            </a:fillRef>
-            <a:effectRef idx="0">
-              <a:schemeClr val="accent1"/>
-            </a:effectRef>
-            <a:fontRef idx="minor">
-              <a:schemeClr val="lt1"/>
-            </a:fontRef>
-          </p:style>
-          <p:txBody>
-            <a:bodyPr rtlCol="0" anchor="ctr"/>
-            <a:lstStyle/>
-            <a:p>
-              <a:pPr algn="ctr"/>
-              <a:endParaRPr lang="ja-JP" altLang="en-US">
-                <a:solidFill>
-                  <a:srgbClr val="C00000"/>
-                </a:solidFill>
-              </a:endParaRPr>
-            </a:p>
-          </p:txBody>
-        </p:sp>
       </p:grpSp>
     </p:spTree>
     <p:extLst>
@@ -13691,45 +13459,6 @@
               <a:ea typeface="+mn-ea"/>
               <a:cs typeface="Courier New" panose="02070309020205020404" pitchFamily="49" charset="0"/>
             </a:endParaRPr>
-          </a:p>
-          <a:p>
-            <a:pPr marL="285750" indent="-285750">
-              <a:buFont typeface="Arial" panose="020B0604020202020204" pitchFamily="34" charset="0"/>
-              <a:buChar char="•"/>
-            </a:pPr>
-            <a:r>
-              <a:rPr lang="ja-JP" altLang="en-US" sz="1800">
-                <a:solidFill>
-                  <a:schemeClr val="bg1"/>
-                </a:solidFill>
-                <a:latin typeface="+mn-ea"/>
-                <a:ea typeface="+mn-ea"/>
-                <a:cs typeface="Courier New" panose="02070309020205020404" pitchFamily="49" charset="0"/>
-              </a:rPr>
-              <a:t>ゲーム時は</a:t>
-            </a:r>
-            <a:r>
-              <a:rPr lang="en-US" altLang="ja-JP" sz="1800">
-                <a:solidFill>
-                  <a:schemeClr val="bg1"/>
-                </a:solidFill>
-                <a:latin typeface="+mn-ea"/>
-                <a:ea typeface="+mn-ea"/>
-                <a:cs typeface="Courier New" panose="02070309020205020404" pitchFamily="49" charset="0"/>
-              </a:rPr>
-              <a:t>AHK</a:t>
-            </a:r>
-            <a:r>
-              <a:rPr lang="ja-JP" altLang="en-US" sz="1800">
-                <a:solidFill>
-                  <a:schemeClr val="bg1"/>
-                </a:solidFill>
-                <a:latin typeface="+mn-ea"/>
-                <a:ea typeface="+mn-ea"/>
-                <a:cs typeface="Courier New" panose="02070309020205020404" pitchFamily="49" charset="0"/>
-              </a:rPr>
-              <a:t>を切る</a:t>
-            </a:r>
           </a:p>
         </p:txBody>
       </p:sp>
@@ -14256,18 +13985,6 @@
                 <a:latin typeface="Consolas" panose="020B0609020204030204" pitchFamily="49" charset="0"/>
               </a:rPr>
               <a:t>Windows</a:t>
-            </a:r>
-            <a:r>
-              <a:rPr lang="ja-JP" altLang="en-US" sz="1200">
-                <a:latin typeface="Consolas" panose="020B0609020204030204" pitchFamily="49" charset="0"/>
-              </a:rPr>
-              <a:t> </a:t>
-            </a:r>
-            <a:r>
-              <a:rPr lang="en-US" altLang="ja-JP" sz="1200">
-                <a:latin typeface="Consolas" panose="020B0609020204030204" pitchFamily="49" charset="0"/>
-              </a:rPr>
-              <a:t>OS</a:t>
             </a:r>
             <a:endParaRPr lang="ja-JP" altLang="en-US" sz="1200">
               <a:latin typeface="Consolas" panose="020B0609020204030204" pitchFamily="49" charset="0"/>
@@ -15306,10 +15023,10 @@
           <a:p>
             <a:pPr algn="ctr"/>
             <a:r>
-              <a:rPr lang="en-US" altLang="ja-JP" sz="1200" dirty="0">
+              <a:rPr lang="en-US" altLang="ja-JP" sz="1200">
                 <a:latin typeface="Consolas" panose="020B0609020204030204" pitchFamily="49" charset="0"/>
               </a:rPr>
-              <a:t>GPro</a:t>
+              <a:t>Gpro WL2</a:t>
             </a:r>
             <a:endParaRPr lang="ja-JP" altLang="en-US" sz="1200" dirty="0">
               <a:latin typeface="Consolas" panose="020B0609020204030204" pitchFamily="49" charset="0"/>
@@ -19124,7 +18841,7 @@
                 <a:ea typeface="+mn-ea"/>
                 <a:cs typeface="Courier New" panose="02070309020205020404" pitchFamily="49" charset="0"/>
               </a:rPr>
-              <a:t>による</a:t>
+              <a:t>によるベース</a:t>
             </a:r>
             <a:r>
               <a:rPr lang="ja-JP" altLang="en-US" sz="2000">
@@ -19145,7 +18862,7 @@
                 <a:ea typeface="+mn-ea"/>
                 <a:cs typeface="Courier New" panose="02070309020205020404" pitchFamily="49" charset="0"/>
               </a:rPr>
-              <a:t>更点は紫のみ</a:t>
+              <a:t>更は紫</a:t>
             </a:r>
             <a:endParaRPr lang="en-US" altLang="ja-JP" sz="4000">
               <a:solidFill>
@@ -21313,7 +21030,7 @@
                 </a:solidFill>
                 <a:latin typeface="Consolas" panose="020B0609020204030204" pitchFamily="49" charset="0"/>
               </a:rPr>
-              <a:t>E</a:t>
+              <a:t>T</a:t>
             </a:r>
           </a:p>
           <a:p>
@@ -21383,7 +21100,7 @@
                 </a:solidFill>
                 <a:latin typeface="Consolas" panose="020B0609020204030204" pitchFamily="49" charset="0"/>
               </a:rPr>
-              <a:t>E</a:t>
+              <a:t>T</a:t>
             </a:r>
           </a:p>
           <a:p>
@@ -22516,19 +22233,7 @@
                 </a:solidFill>
                 <a:latin typeface="Consolas" panose="020B0609020204030204" pitchFamily="49" charset="0"/>
               </a:rPr>
-              <a:t>Pg</a:t>
-            </a:r>
-          </a:p>
-          <a:p>
-            <a:pPr algn="ctr"/>
-            <a:r>
-              <a:rPr lang="en-US" altLang="ja-JP" sz="900">
-                <a:solidFill>
-                  <a:schemeClr val="bg1"/>
-                </a:solidFill>
-                <a:latin typeface="Consolas" panose="020B0609020204030204" pitchFamily="49" charset="0"/>
-              </a:rPr>
-              <a:t>Up</a:t>
+              <a:t>PgUp</a:t>
             </a:r>
           </a:p>
         </p:txBody>
@@ -22586,19 +22291,7 @@
                 </a:solidFill>
                 <a:latin typeface="Consolas" panose="020B0609020204030204" pitchFamily="49" charset="0"/>
               </a:rPr>
-              <a:t>Pg</a:t>
-            </a:r>
-          </a:p>
-          <a:p>
-            <a:pPr algn="ctr"/>
-            <a:r>
-              <a:rPr lang="en-US" altLang="ja-JP" sz="900">
-                <a:solidFill>
-                  <a:schemeClr val="bg1"/>
-                </a:solidFill>
-                <a:latin typeface="Consolas" panose="020B0609020204030204" pitchFamily="49" charset="0"/>
-              </a:rPr>
-              <a:t>Dn</a:t>
+              <a:t>PgDn</a:t>
             </a:r>
             <a:endParaRPr lang="ja-JP" altLang="en-US" sz="900">
               <a:solidFill>
@@ -28096,7 +27789,7 @@
                 </a:solidFill>
                 <a:latin typeface="Consolas" panose="020B0609020204030204" pitchFamily="49" charset="0"/>
               </a:rPr>
-              <a:t>←</a:t>
+              <a:t>S@</a:t>
             </a:r>
             <a:endParaRPr lang="ja-JP" altLang="en-US" sz="1400" b="1">
               <a:solidFill>
@@ -28200,20 +27893,14 @@
           <a:p>
             <a:pPr algn="ctr"/>
             <a:r>
-              <a:rPr lang="ja-JP" altLang="en-US" sz="1400" b="1" u="sng">
+              <a:rPr lang="en-US" altLang="ja-JP" sz="1100">
                 <a:solidFill>
                   <a:schemeClr val="bg1"/>
                 </a:solidFill>
                 <a:latin typeface="Consolas" panose="020B0609020204030204" pitchFamily="49" charset="0"/>
               </a:rPr>
-              <a:t>→</a:t>
-            </a:r>
-            <a:endParaRPr lang="en-US" altLang="ja-JP" sz="1400" b="1" u="sng">
-              <a:solidFill>
-                <a:schemeClr val="bg1"/>
-              </a:solidFill>
-              <a:latin typeface="Consolas" panose="020B0609020204030204" pitchFamily="49" charset="0"/>
-            </a:endParaRPr>
+              <a:t>Ft@</a:t>
+            </a:r>
           </a:p>
         </p:txBody>
       </p:sp>
@@ -28477,15 +28164,12 @@
           <a:lstStyle/>
           <a:p>
             <a:pPr algn="ctr"/>
-            <a:r>
-              <a:rPr lang="ja-JP" altLang="en-US" sz="1400" b="1">
-                <a:solidFill>
-                  <a:schemeClr val="bg1"/>
-                </a:solidFill>
-                <a:latin typeface="Consolas" panose="020B0609020204030204" pitchFamily="49" charset="0"/>
-              </a:rPr>
-              <a:t>６</a:t>
-            </a:r>
+            <a:endParaRPr lang="ja-JP" altLang="en-US" sz="1400" b="1">
+              <a:solidFill>
+                <a:schemeClr val="bg1"/>
+              </a:solidFill>
+              <a:latin typeface="Consolas" panose="020B0609020204030204" pitchFamily="49" charset="0"/>
+            </a:endParaRPr>
           </a:p>
         </p:txBody>
       </p:sp>
@@ -28877,13 +28561,16 @@
           <a:lstStyle/>
           <a:p>
             <a:pPr algn="ctr"/>
-            <a:endParaRPr lang="ja-JP" altLang="en-US" sz="1400" b="1">
-              <a:solidFill>
-                <a:schemeClr val="bg1"/>
-              </a:solidFill>
-              <a:latin typeface="Consolas" panose="020B0609020204030204" pitchFamily="49" charset="0"/>
-              <a:ea typeface="游ゴシック Light" panose="020B0300000000000000" pitchFamily="50" charset="-128"/>
-            </a:endParaRPr>
+            <a:r>
+              <a:rPr lang="ja-JP" altLang="en-US" sz="1400" b="1">
+                <a:solidFill>
+                  <a:schemeClr val="bg1"/>
+                </a:solidFill>
+                <a:latin typeface="Consolas" panose="020B0609020204030204" pitchFamily="49" charset="0"/>
+                <a:ea typeface="游ゴシック Light" panose="020B0300000000000000" pitchFamily="50" charset="-128"/>
+              </a:rPr>
+              <a:t>中</a:t>
+            </a:r>
           </a:p>
         </p:txBody>
       </p:sp>
@@ -28927,13 +28614,16 @@
           <a:lstStyle/>
           <a:p>
             <a:pPr algn="ctr"/>
-            <a:endParaRPr lang="ja-JP" altLang="en-US" sz="1400" b="1">
-              <a:solidFill>
-                <a:schemeClr val="bg1"/>
-              </a:solidFill>
-              <a:latin typeface="Consolas" panose="020B0609020204030204" pitchFamily="49" charset="0"/>
-              <a:ea typeface="游ゴシック Light" panose="020B0300000000000000" pitchFamily="50" charset="-128"/>
-            </a:endParaRPr>
+            <a:r>
+              <a:rPr lang="ja-JP" altLang="en-US" sz="1400" b="1">
+                <a:solidFill>
+                  <a:schemeClr val="bg1"/>
+                </a:solidFill>
+                <a:latin typeface="Consolas" panose="020B0609020204030204" pitchFamily="49" charset="0"/>
+                <a:ea typeface="游ゴシック Light" panose="020B0300000000000000" pitchFamily="50" charset="-128"/>
+              </a:rPr>
+              <a:t>●</a:t>
+            </a:r>
           </a:p>
         </p:txBody>
       </p:sp>
@@ -30093,7 +29783,7 @@
         </p:nvSpPr>
         <p:spPr>
           <a:xfrm>
-            <a:off x="628650" y="365128"/>
+            <a:off x="700271" y="355610"/>
             <a:ext cx="8335838" cy="1325563"/>
           </a:xfrm>
         </p:spPr>
@@ -32759,6 +32449,7 @@
           <a:prstGeom prst="roundRect">
             <a:avLst/>
           </a:prstGeom>
+          <a:noFill/>
           <a:ln w="12700">
             <a:solidFill>
               <a:schemeClr val="bg1"/>
@@ -33459,6 +33150,235 @@
           </a:p>
         </p:txBody>
       </p:sp>
+      <p:pic>
+        <p:nvPicPr>
+          <p:cNvPr id="6" name="Picture 2">
+            <a:extLst>
+              <a:ext uri="{FF2B5EF4-FFF2-40B4-BE49-F238E27FC236}">
+                <a16:creationId xmlns:a16="http://schemas.microsoft.com/office/drawing/2014/main" id="{BAAE6A2C-7A64-2071-9524-574D864E189B}"/>
+              </a:ext>
+            </a:extLst>
+          </p:cNvPr>
+          <p:cNvPicPr>
+            <a:picLocks noChangeAspect="1" noChangeArrowheads="1"/>
+          </p:cNvPicPr>
+          <p:nvPr/>
+        </p:nvPicPr>
+        <p:blipFill>
+          <a:blip r:embed="rId12" cstate="print">
+            <a:extLst>
+              <a:ext uri="{28A0092B-C50C-407E-A947-70E740481C1C}">
+                <a14:useLocalDpi xmlns:a14="http://schemas.microsoft.com/office/drawing/2010/main" val="0"/>
+              </a:ext>
+            </a:extLst>
+          </a:blip>
+          <a:srcRect/>
+          <a:stretch>
+            <a:fillRect/>
+          </a:stretch>
+        </p:blipFill>
+        <p:spPr bwMode="auto">
+          <a:xfrm>
+            <a:off x="2133087" y="4462063"/>
+            <a:ext cx="361174" cy="361174"/>
+          </a:xfrm>
+          <a:prstGeom prst="rect">
+            <a:avLst/>
+          </a:prstGeom>
+          <a:noFill/>
+          <a:extLst>
+            <a:ext uri="{909E8E84-426E-40DD-AFC4-6F175D3DCCD1}">
+              <a14:hiddenFill xmlns:a14="http://schemas.microsoft.com/office/drawing/2010/main">
+                <a:solidFill>
+                  <a:srgbClr val="FFFFFF"/>
+                </a:solidFill>
+              </a14:hiddenFill>
+            </a:ext>
+          </a:extLst>
+        </p:spPr>
+      </p:pic>
+      <p:pic>
+        <p:nvPicPr>
+          <p:cNvPr id="33" name="図 32">
+            <a:extLst>
+              <a:ext uri="{FF2B5EF4-FFF2-40B4-BE49-F238E27FC236}">
+                <a16:creationId xmlns:a16="http://schemas.microsoft.com/office/drawing/2014/main" id="{3AACA42A-98E3-1582-B992-8D39442DBE2F}"/>
+              </a:ext>
+            </a:extLst>
+          </p:cNvPr>
+          <p:cNvPicPr>
+            <a:picLocks noChangeAspect="1"/>
+          </p:cNvPicPr>
+          <p:nvPr/>
+        </p:nvPicPr>
+        <p:blipFill>
+          <a:blip r:embed="rId13"/>
+          <a:stretch>
+            <a:fillRect/>
+          </a:stretch>
+        </p:blipFill>
+        <p:spPr>
+          <a:xfrm>
+            <a:off x="3666576" y="3931928"/>
+            <a:ext cx="271609" cy="252746"/>
+          </a:xfrm>
+          <a:prstGeom prst="rect">
+            <a:avLst/>
+          </a:prstGeom>
+        </p:spPr>
+      </p:pic>
+      <p:pic>
+        <p:nvPicPr>
+          <p:cNvPr id="35" name="図 34">
+            <a:extLst>
+              <a:ext uri="{FF2B5EF4-FFF2-40B4-BE49-F238E27FC236}">
+                <a16:creationId xmlns:a16="http://schemas.microsoft.com/office/drawing/2014/main" id="{6C742E37-4E42-F52C-6B42-306E5789C00F}"/>
+              </a:ext>
+            </a:extLst>
+          </p:cNvPr>
+          <p:cNvPicPr>
+            <a:picLocks noChangeAspect="1"/>
+          </p:cNvPicPr>
+          <p:nvPr/>
+        </p:nvPicPr>
+        <p:blipFill>
+          <a:blip r:embed="rId14"/>
+          <a:stretch>
+            <a:fillRect/>
+          </a:stretch>
+        </p:blipFill>
+        <p:spPr>
+          <a:xfrm>
+            <a:off x="3527222" y="4072572"/>
+            <a:ext cx="259354" cy="259354"/>
+          </a:xfrm>
+          <a:prstGeom prst="rect">
+            <a:avLst/>
+          </a:prstGeom>
+        </p:spPr>
+      </p:pic>
+      <p:pic>
+        <p:nvPicPr>
+          <p:cNvPr id="43" name="図 42">
+            <a:extLst>
+              <a:ext uri="{FF2B5EF4-FFF2-40B4-BE49-F238E27FC236}">
+                <a16:creationId xmlns:a16="http://schemas.microsoft.com/office/drawing/2014/main" id="{39829053-6BA7-9722-D12B-A8FF4DBB0FB2}"/>
+              </a:ext>
+            </a:extLst>
+          </p:cNvPr>
+          <p:cNvPicPr>
+            <a:picLocks noChangeAspect="1"/>
+          </p:cNvPicPr>
+          <p:nvPr/>
+        </p:nvPicPr>
+        <p:blipFill>
+          <a:blip r:embed="rId15"/>
+          <a:stretch>
+            <a:fillRect/>
+          </a:stretch>
+        </p:blipFill>
+        <p:spPr>
+          <a:xfrm>
+            <a:off x="2911481" y="4997756"/>
+            <a:ext cx="364375" cy="364375"/>
+          </a:xfrm>
+          <a:prstGeom prst="rect">
+            <a:avLst/>
+          </a:prstGeom>
+        </p:spPr>
+      </p:pic>
+      <p:pic>
+        <p:nvPicPr>
+          <p:cNvPr id="47" name="Picture 12" descr="カードの移動ですいすい情報共有・チーム作業ができる「Trello」 - ケータイ Watch">
+            <a:extLst>
+              <a:ext uri="{FF2B5EF4-FFF2-40B4-BE49-F238E27FC236}">
+                <a16:creationId xmlns:a16="http://schemas.microsoft.com/office/drawing/2014/main" id="{613BCA74-E3FB-0C03-3C46-88CD98D0CE0B}"/>
+              </a:ext>
+            </a:extLst>
+          </p:cNvPr>
+          <p:cNvPicPr>
+            <a:picLocks noChangeAspect="1" noChangeArrowheads="1"/>
+          </p:cNvPicPr>
+          <p:nvPr/>
+        </p:nvPicPr>
+        <p:blipFill rotWithShape="1">
+          <a:blip r:embed="rId16" cstate="print">
+            <a:extLst>
+              <a:ext uri="{28A0092B-C50C-407E-A947-70E740481C1C}">
+                <a14:useLocalDpi xmlns:a14="http://schemas.microsoft.com/office/drawing/2010/main" val="0"/>
+              </a:ext>
+            </a:extLst>
+          </a:blip>
+          <a:srcRect l="8035" t="8734" r="8035" b="8734"/>
+          <a:stretch/>
+        </p:blipFill>
+        <p:spPr bwMode="auto">
+          <a:xfrm>
+            <a:off x="3017905" y="3953914"/>
+            <a:ext cx="364947" cy="353640"/>
+          </a:xfrm>
+          <a:prstGeom prst="rect">
+            <a:avLst/>
+          </a:prstGeom>
+          <a:noFill/>
+          <a:extLst>
+            <a:ext uri="{909E8E84-426E-40DD-AFC4-6F175D3DCCD1}">
+              <a14:hiddenFill xmlns:a14="http://schemas.microsoft.com/office/drawing/2010/main">
+                <a:solidFill>
+                  <a:srgbClr val="FFFFFF"/>
+                </a:solidFill>
+              </a14:hiddenFill>
+            </a:ext>
+          </a:extLst>
+        </p:spPr>
+      </p:pic>
+      <p:pic>
+        <p:nvPicPr>
+          <p:cNvPr id="48" name="Picture 2" descr="Create Remote Desktop Shortcut for PC in Windows 10">
+            <a:extLst>
+              <a:ext uri="{FF2B5EF4-FFF2-40B4-BE49-F238E27FC236}">
+                <a16:creationId xmlns:a16="http://schemas.microsoft.com/office/drawing/2014/main" id="{FC82B508-82C2-5697-3B6A-1E47B831A4C7}"/>
+              </a:ext>
+            </a:extLst>
+          </p:cNvPr>
+          <p:cNvPicPr>
+            <a:picLocks noChangeAspect="1" noChangeArrowheads="1"/>
+          </p:cNvPicPr>
+          <p:nvPr/>
+        </p:nvPicPr>
+        <p:blipFill>
+          <a:blip r:embed="rId17" cstate="print">
+            <a:extLst>
+              <a:ext uri="{28A0092B-C50C-407E-A947-70E740481C1C}">
+                <a14:useLocalDpi xmlns:a14="http://schemas.microsoft.com/office/drawing/2010/main" val="0"/>
+              </a:ext>
+            </a:extLst>
+          </a:blip>
+          <a:srcRect/>
+          <a:stretch>
+            <a:fillRect/>
+          </a:stretch>
+        </p:blipFill>
+        <p:spPr bwMode="auto">
+          <a:xfrm>
+            <a:off x="2396012" y="5000143"/>
+            <a:ext cx="359603" cy="359603"/>
+          </a:xfrm>
+          <a:prstGeom prst="rect">
+            <a:avLst/>
+          </a:prstGeom>
+          <a:noFill/>
+          <a:extLst>
+            <a:ext uri="{909E8E84-426E-40DD-AFC4-6F175D3DCCD1}">
+              <a14:hiddenFill xmlns:a14="http://schemas.microsoft.com/office/drawing/2010/main">
+                <a:solidFill>
+                  <a:srgbClr val="FFFFFF"/>
+                </a:solidFill>
+              </a14:hiddenFill>
+            </a:ext>
+          </a:extLst>
+        </p:spPr>
+      </p:pic>
     </p:spTree>
     <p:extLst>
       <p:ext uri="{BB962C8B-B14F-4D97-AF65-F5344CB8AC3E}">

--- a/MANUAL.pptx
+++ b/MANUAL.pptx
@@ -1041,7 +1041,7 @@
           <a:p>
             <a:fld id="{98B15ECE-60C4-45D4-8ABC-DDA7D4F33EF9}" type="datetimeFigureOut">
               <a:rPr kumimoji="1" lang="ja-JP" altLang="en-US" smtClean="0"/>
-              <a:t>2025/7/26</a:t>
+              <a:t>2025/7/28</a:t>
             </a:fld>
             <a:endParaRPr kumimoji="1" lang="ja-JP" altLang="en-US"/>
           </a:p>
@@ -2094,7 +2094,7 @@
           <a:p>
             <a:fld id="{8FB4C7EE-3C5D-4F47-A8DE-21B759CA57C5}" type="datetimeFigureOut">
               <a:rPr kumimoji="1" lang="ja-JP" altLang="en-US" smtClean="0"/>
-              <a:t>2025/7/26</a:t>
+              <a:t>2025/7/28</a:t>
             </a:fld>
             <a:endParaRPr kumimoji="1" lang="ja-JP" altLang="en-US"/>
           </a:p>
@@ -2296,7 +2296,7 @@
           <a:p>
             <a:fld id="{8FB4C7EE-3C5D-4F47-A8DE-21B759CA57C5}" type="datetimeFigureOut">
               <a:rPr kumimoji="1" lang="ja-JP" altLang="en-US" smtClean="0"/>
-              <a:t>2025/7/26</a:t>
+              <a:t>2025/7/28</a:t>
             </a:fld>
             <a:endParaRPr kumimoji="1" lang="ja-JP" altLang="en-US"/>
           </a:p>
@@ -2508,7 +2508,7 @@
           <a:p>
             <a:fld id="{8FB4C7EE-3C5D-4F47-A8DE-21B759CA57C5}" type="datetimeFigureOut">
               <a:rPr kumimoji="1" lang="ja-JP" altLang="en-US" smtClean="0"/>
-              <a:t>2025/7/26</a:t>
+              <a:t>2025/7/28</a:t>
             </a:fld>
             <a:endParaRPr kumimoji="1" lang="ja-JP" altLang="en-US"/>
           </a:p>
@@ -2710,7 +2710,7 @@
           <a:p>
             <a:fld id="{8FB4C7EE-3C5D-4F47-A8DE-21B759CA57C5}" type="datetimeFigureOut">
               <a:rPr kumimoji="1" lang="ja-JP" altLang="en-US" smtClean="0"/>
-              <a:t>2025/7/26</a:t>
+              <a:t>2025/7/28</a:t>
             </a:fld>
             <a:endParaRPr kumimoji="1" lang="ja-JP" altLang="en-US"/>
           </a:p>
@@ -2954,7 +2954,7 @@
           <a:p>
             <a:fld id="{8FB4C7EE-3C5D-4F47-A8DE-21B759CA57C5}" type="datetimeFigureOut">
               <a:rPr kumimoji="1" lang="ja-JP" altLang="en-US" smtClean="0"/>
-              <a:t>2025/7/26</a:t>
+              <a:t>2025/7/28</a:t>
             </a:fld>
             <a:endParaRPr kumimoji="1" lang="ja-JP" altLang="en-US"/>
           </a:p>
@@ -3250,7 +3250,7 @@
           <a:p>
             <a:fld id="{8FB4C7EE-3C5D-4F47-A8DE-21B759CA57C5}" type="datetimeFigureOut">
               <a:rPr kumimoji="1" lang="ja-JP" altLang="en-US" smtClean="0"/>
-              <a:t>2025/7/26</a:t>
+              <a:t>2025/7/28</a:t>
             </a:fld>
             <a:endParaRPr kumimoji="1" lang="ja-JP" altLang="en-US"/>
           </a:p>
@@ -3681,7 +3681,7 @@
           <a:p>
             <a:fld id="{8FB4C7EE-3C5D-4F47-A8DE-21B759CA57C5}" type="datetimeFigureOut">
               <a:rPr kumimoji="1" lang="ja-JP" altLang="en-US" smtClean="0"/>
-              <a:t>2025/7/26</a:t>
+              <a:t>2025/7/28</a:t>
             </a:fld>
             <a:endParaRPr kumimoji="1" lang="ja-JP" altLang="en-US"/>
           </a:p>
@@ -3799,7 +3799,7 @@
           <a:p>
             <a:fld id="{8FB4C7EE-3C5D-4F47-A8DE-21B759CA57C5}" type="datetimeFigureOut">
               <a:rPr kumimoji="1" lang="ja-JP" altLang="en-US" smtClean="0"/>
-              <a:t>2025/7/26</a:t>
+              <a:t>2025/7/28</a:t>
             </a:fld>
             <a:endParaRPr kumimoji="1" lang="ja-JP" altLang="en-US"/>
           </a:p>
@@ -3894,7 +3894,7 @@
           <a:p>
             <a:fld id="{8FB4C7EE-3C5D-4F47-A8DE-21B759CA57C5}" type="datetimeFigureOut">
               <a:rPr kumimoji="1" lang="ja-JP" altLang="en-US" smtClean="0"/>
-              <a:t>2025/7/26</a:t>
+              <a:t>2025/7/28</a:t>
             </a:fld>
             <a:endParaRPr kumimoji="1" lang="ja-JP" altLang="en-US"/>
           </a:p>
@@ -4203,7 +4203,7 @@
           <a:p>
             <a:fld id="{8FB4C7EE-3C5D-4F47-A8DE-21B759CA57C5}" type="datetimeFigureOut">
               <a:rPr kumimoji="1" lang="ja-JP" altLang="en-US" smtClean="0"/>
-              <a:t>2025/7/26</a:t>
+              <a:t>2025/7/28</a:t>
             </a:fld>
             <a:endParaRPr kumimoji="1" lang="ja-JP" altLang="en-US"/>
           </a:p>
@@ -4460,7 +4460,7 @@
           <a:p>
             <a:fld id="{8FB4C7EE-3C5D-4F47-A8DE-21B759CA57C5}" type="datetimeFigureOut">
               <a:rPr kumimoji="1" lang="ja-JP" altLang="en-US" smtClean="0"/>
-              <a:t>2025/7/26</a:t>
+              <a:t>2025/7/28</a:t>
             </a:fld>
             <a:endParaRPr kumimoji="1" lang="ja-JP" altLang="en-US"/>
           </a:p>
@@ -4705,7 +4705,7 @@
           <a:p>
             <a:fld id="{8FB4C7EE-3C5D-4F47-A8DE-21B759CA57C5}" type="datetimeFigureOut">
               <a:rPr kumimoji="1" lang="ja-JP" altLang="en-US" smtClean="0"/>
-              <a:t>2025/7/26</a:t>
+              <a:t>2025/7/28</a:t>
             </a:fld>
             <a:endParaRPr kumimoji="1" lang="ja-JP" altLang="en-US"/>
           </a:p>
@@ -23505,27 +23505,6 @@
           <a:lstStyle/>
           <a:p>
             <a:pPr algn="ctr"/>
-            <a:r>
-              <a:rPr lang="en-US" altLang="ja-JP" sz="1100">
-                <a:solidFill>
-                  <a:schemeClr val="bg1"/>
-                </a:solidFill>
-                <a:latin typeface="Consolas" panose="020B0609020204030204" pitchFamily="49" charset="0"/>
-              </a:rPr>
-              <a:t>4k←</a:t>
-            </a:r>
-          </a:p>
-          <a:p>
-            <a:pPr algn="ctr"/>
-            <a:r>
-              <a:rPr lang="en-US" altLang="ja-JP" sz="1100">
-                <a:solidFill>
-                  <a:schemeClr val="bg1"/>
-                </a:solidFill>
-                <a:latin typeface="Consolas" panose="020B0609020204030204" pitchFamily="49" charset="0"/>
-              </a:rPr>
-              <a:t>only</a:t>
-            </a:r>
             <a:endParaRPr lang="ja-JP" altLang="en-US" sz="1100">
               <a:solidFill>
                 <a:schemeClr val="bg1"/>
@@ -23575,15 +23554,6 @@
           <a:lstStyle/>
           <a:p>
             <a:pPr algn="ctr"/>
-            <a:r>
-              <a:rPr lang="en-US" altLang="ja-JP" sz="1100">
-                <a:solidFill>
-                  <a:schemeClr val="bg1"/>
-                </a:solidFill>
-                <a:latin typeface="Consolas" panose="020B0609020204030204" pitchFamily="49" charset="0"/>
-              </a:rPr>
-              <a:t>4k+2K</a:t>
-            </a:r>
             <a:endParaRPr lang="ja-JP" altLang="en-US" sz="1100">
               <a:solidFill>
                 <a:schemeClr val="bg1"/>
@@ -23633,27 +23603,6 @@
           <a:lstStyle/>
           <a:p>
             <a:pPr algn="ctr"/>
-            <a:r>
-              <a:rPr lang="en-US" altLang="ja-JP" sz="1100" dirty="0">
-                <a:solidFill>
-                  <a:schemeClr val="bg1"/>
-                </a:solidFill>
-                <a:latin typeface="Consolas" panose="020B0609020204030204" pitchFamily="49" charset="0"/>
-              </a:rPr>
-              <a:t>→2k</a:t>
-            </a:r>
-          </a:p>
-          <a:p>
-            <a:pPr algn="ctr"/>
-            <a:r>
-              <a:rPr lang="en-US" altLang="ja-JP" sz="1100" dirty="0">
-                <a:solidFill>
-                  <a:schemeClr val="bg1"/>
-                </a:solidFill>
-                <a:latin typeface="Consolas" panose="020B0609020204030204" pitchFamily="49" charset="0"/>
-              </a:rPr>
-              <a:t>only</a:t>
-            </a:r>
             <a:endParaRPr lang="ja-JP" altLang="en-US" sz="1100" dirty="0">
               <a:solidFill>
                 <a:schemeClr val="bg1"/>

--- a/MANUAL.pptx
+++ b/MANUAL.pptx
@@ -175,785 +175,108 @@
 </p:presentation>
 </file>
 
+<file path=ppt/revisionInfo.xml><?xml version="1.0" encoding="utf-8"?>
+<p1510:revInfo xmlns:a="http://schemas.openxmlformats.org/drawingml/2006/main" xmlns:r="http://schemas.openxmlformats.org/officeDocument/2006/relationships" xmlns:p1510="http://schemas.microsoft.com/office/powerpoint/2015/10/main">
+  <p1510:revLst>
+    <p1510:client id="{55260DB5-1BB5-4617-BF86-41D6DA6C5776}" v="4" dt="2025-11-03T15:33:31.603"/>
+  </p1510:revLst>
+</p1510:revInfo>
+</file>
+
 <file path=ppt/changesInfos/changesInfo1.xml><?xml version="1.0" encoding="utf-8"?>
 <pc:chgInfo xmlns:a="http://schemas.openxmlformats.org/drawingml/2006/main" xmlns:r="http://schemas.openxmlformats.org/officeDocument/2006/relationships" xmlns:ac="http://schemas.microsoft.com/office/drawing/2013/main/command" xmlns:pc="http://schemas.microsoft.com/office/powerpoint/2013/main/command">
   <pc:docChgLst>
-    <pc:chgData name="ito sh" userId="b72e1b45a6eb2453" providerId="LiveId" clId="{871E63B6-1655-4173-9A82-F7396D0876F0}"/>
-    <pc:docChg chg="undo custSel delSld modSld modSection">
-      <pc:chgData name="ito sh" userId="b72e1b45a6eb2453" providerId="LiveId" clId="{871E63B6-1655-4173-9A82-F7396D0876F0}" dt="2019-09-30T13:39:57.478" v="735" actId="207"/>
+    <pc:chgData name="sh ito" userId="b72e1b45a6eb2453" providerId="LiveId" clId="{4A52BE65-D49D-45EA-8A08-CAF35556917D}"/>
+    <pc:docChg chg="undo custSel modSld">
+      <pc:chgData name="sh ito" userId="b72e1b45a6eb2453" providerId="LiveId" clId="{4A52BE65-D49D-45EA-8A08-CAF35556917D}" dt="2025-11-03T15:59:02.309" v="84" actId="20577"/>
       <pc:docMkLst>
         <pc:docMk/>
       </pc:docMkLst>
-      <pc:sldChg chg="modSp">
-        <pc:chgData name="ito sh" userId="b72e1b45a6eb2453" providerId="LiveId" clId="{871E63B6-1655-4173-9A82-F7396D0876F0}" dt="2019-09-07T18:06:07.417" v="568" actId="20577"/>
+      <pc:sldChg chg="delSp modSp mod">
+        <pc:chgData name="sh ito" userId="b72e1b45a6eb2453" providerId="LiveId" clId="{4A52BE65-D49D-45EA-8A08-CAF35556917D}" dt="2025-11-03T15:33:31.603" v="4" actId="1076"/>
         <pc:sldMkLst>
           <pc:docMk/>
           <pc:sldMk cId="3222679408" sldId="256"/>
         </pc:sldMkLst>
+        <pc:spChg chg="mod">
+          <ac:chgData name="sh ito" userId="b72e1b45a6eb2453" providerId="LiveId" clId="{4A52BE65-D49D-45EA-8A08-CAF35556917D}" dt="2025-11-03T15:33:20.740" v="2" actId="20577"/>
+          <ac:spMkLst>
+            <pc:docMk/>
+            <pc:sldMk cId="3222679408" sldId="256"/>
+            <ac:spMk id="3" creationId="{00000000-0000-0000-0000-000000000000}"/>
+          </ac:spMkLst>
+        </pc:spChg>
+        <pc:picChg chg="mod">
+          <ac:chgData name="sh ito" userId="b72e1b45a6eb2453" providerId="LiveId" clId="{4A52BE65-D49D-45EA-8A08-CAF35556917D}" dt="2025-11-03T15:33:29.739" v="3" actId="1076"/>
+          <ac:picMkLst>
+            <pc:docMk/>
+            <pc:sldMk cId="3222679408" sldId="256"/>
+            <ac:picMk id="4" creationId="{1E0021CC-B416-407B-BF67-8E08CB13C180}"/>
+          </ac:picMkLst>
+        </pc:picChg>
+        <pc:picChg chg="mod">
+          <ac:chgData name="sh ito" userId="b72e1b45a6eb2453" providerId="LiveId" clId="{4A52BE65-D49D-45EA-8A08-CAF35556917D}" dt="2025-11-03T15:33:31.603" v="4" actId="1076"/>
+          <ac:picMkLst>
+            <pc:docMk/>
+            <pc:sldMk cId="3222679408" sldId="256"/>
+            <ac:picMk id="6" creationId="{0711A49F-2FEB-429A-BEC2-DF37D171F4C2}"/>
+          </ac:picMkLst>
+        </pc:picChg>
+        <pc:picChg chg="del">
+          <ac:chgData name="sh ito" userId="b72e1b45a6eb2453" providerId="LiveId" clId="{4A52BE65-D49D-45EA-8A08-CAF35556917D}" dt="2025-11-03T15:33:11.563" v="0" actId="478"/>
+          <ac:picMkLst>
+            <pc:docMk/>
+            <pc:sldMk cId="3222679408" sldId="256"/>
+            <ac:picMk id="1026" creationId="{C590DD7D-E8C4-1A8D-2A1D-62AA87C4DDAE}"/>
+          </ac:picMkLst>
+        </pc:picChg>
       </pc:sldChg>
-      <pc:sldChg chg="addSp delSp modSp">
-        <pc:chgData name="ito sh" userId="b72e1b45a6eb2453" providerId="LiveId" clId="{871E63B6-1655-4173-9A82-F7396D0876F0}" dt="2019-08-19T14:25:34.871" v="235"/>
-        <pc:sldMkLst>
-          <pc:docMk/>
-          <pc:sldMk cId="1691482332" sldId="290"/>
-        </pc:sldMkLst>
-      </pc:sldChg>
-      <pc:sldChg chg="addSp delSp modSp">
-        <pc:chgData name="ito sh" userId="b72e1b45a6eb2453" providerId="LiveId" clId="{871E63B6-1655-4173-9A82-F7396D0876F0}" dt="2019-09-07T18:14:57.036" v="578" actId="165"/>
-        <pc:sldMkLst>
-          <pc:docMk/>
-          <pc:sldMk cId="1582896633" sldId="291"/>
-        </pc:sldMkLst>
-      </pc:sldChg>
-      <pc:sldChg chg="modSp">
-        <pc:chgData name="ito sh" userId="b72e1b45a6eb2453" providerId="LiveId" clId="{871E63B6-1655-4173-9A82-F7396D0876F0}" dt="2019-08-26T14:12:05.212" v="500" actId="207"/>
-        <pc:sldMkLst>
-          <pc:docMk/>
-          <pc:sldMk cId="1941651198" sldId="294"/>
-        </pc:sldMkLst>
-      </pc:sldChg>
-      <pc:sldChg chg="addSp delSp modSp">
-        <pc:chgData name="ito sh" userId="b72e1b45a6eb2453" providerId="LiveId" clId="{871E63B6-1655-4173-9A82-F7396D0876F0}" dt="2019-09-08T13:55:16.333" v="594" actId="207"/>
-        <pc:sldMkLst>
-          <pc:docMk/>
-          <pc:sldMk cId="715667158" sldId="296"/>
-        </pc:sldMkLst>
-      </pc:sldChg>
-      <pc:sldChg chg="modSp">
-        <pc:chgData name="ito sh" userId="b72e1b45a6eb2453" providerId="LiveId" clId="{871E63B6-1655-4173-9A82-F7396D0876F0}" dt="2019-08-26T13:32:36.914" v="480" actId="115"/>
+      <pc:sldChg chg="modSp mod">
+        <pc:chgData name="sh ito" userId="b72e1b45a6eb2453" providerId="LiveId" clId="{4A52BE65-D49D-45EA-8A08-CAF35556917D}" dt="2025-11-03T15:59:02.309" v="84" actId="20577"/>
         <pc:sldMkLst>
           <pc:docMk/>
           <pc:sldMk cId="2173051432" sldId="298"/>
         </pc:sldMkLst>
+        <pc:spChg chg="mod">
+          <ac:chgData name="sh ito" userId="b72e1b45a6eb2453" providerId="LiveId" clId="{4A52BE65-D49D-45EA-8A08-CAF35556917D}" dt="2025-11-03T15:59:00.239" v="82" actId="20577"/>
+          <ac:spMkLst>
+            <pc:docMk/>
+            <pc:sldMk cId="2173051432" sldId="298"/>
+            <ac:spMk id="6" creationId="{00000000-0000-0000-0000-000000000000}"/>
+          </ac:spMkLst>
+        </pc:spChg>
+        <pc:spChg chg="mod">
+          <ac:chgData name="sh ito" userId="b72e1b45a6eb2453" providerId="LiveId" clId="{4A52BE65-D49D-45EA-8A08-CAF35556917D}" dt="2025-11-03T15:59:01.374" v="83" actId="20577"/>
+          <ac:spMkLst>
+            <pc:docMk/>
+            <pc:sldMk cId="2173051432" sldId="298"/>
+            <ac:spMk id="7" creationId="{00000000-0000-0000-0000-000000000000}"/>
+          </ac:spMkLst>
+        </pc:spChg>
+        <pc:spChg chg="mod">
+          <ac:chgData name="sh ito" userId="b72e1b45a6eb2453" providerId="LiveId" clId="{4A52BE65-D49D-45EA-8A08-CAF35556917D}" dt="2025-11-03T15:59:02.309" v="84" actId="20577"/>
+          <ac:spMkLst>
+            <pc:docMk/>
+            <pc:sldMk cId="2173051432" sldId="298"/>
+            <ac:spMk id="8" creationId="{00000000-0000-0000-0000-000000000000}"/>
+          </ac:spMkLst>
+        </pc:spChg>
       </pc:sldChg>
-      <pc:sldChg chg="addSp delSp modSp">
-        <pc:chgData name="ito sh" userId="b72e1b45a6eb2453" providerId="LiveId" clId="{871E63B6-1655-4173-9A82-F7396D0876F0}" dt="2019-09-30T13:39:57.478" v="735" actId="207"/>
-        <pc:sldMkLst>
-          <pc:docMk/>
-          <pc:sldMk cId="2676337646" sldId="299"/>
-        </pc:sldMkLst>
-      </pc:sldChg>
-      <pc:sldChg chg="del">
-        <pc:chgData name="ito sh" userId="b72e1b45a6eb2453" providerId="LiveId" clId="{871E63B6-1655-4173-9A82-F7396D0876F0}" dt="2019-09-07T17:55:33.012" v="520" actId="2696"/>
-        <pc:sldMkLst>
-          <pc:docMk/>
-          <pc:sldMk cId="2346604143" sldId="300"/>
-        </pc:sldMkLst>
-      </pc:sldChg>
-      <pc:sldChg chg="modSp">
-        <pc:chgData name="ito sh" userId="b72e1b45a6eb2453" providerId="LiveId" clId="{871E63B6-1655-4173-9A82-F7396D0876F0}" dt="2019-08-26T14:11:54.039" v="491" actId="207"/>
-        <pc:sldMkLst>
-          <pc:docMk/>
-          <pc:sldMk cId="3292416738" sldId="301"/>
-        </pc:sldMkLst>
-      </pc:sldChg>
-      <pc:sldChg chg="addSp delSp modSp setBg">
-        <pc:chgData name="ito sh" userId="b72e1b45a6eb2453" providerId="LiveId" clId="{871E63B6-1655-4173-9A82-F7396D0876F0}" dt="2019-09-08T01:22:03.951" v="592" actId="171"/>
-        <pc:sldMkLst>
-          <pc:docMk/>
-          <pc:sldMk cId="2020473484" sldId="302"/>
-        </pc:sldMkLst>
-      </pc:sldChg>
-      <pc:sldChg chg="addSp delSp modSp">
-        <pc:chgData name="ito sh" userId="b72e1b45a6eb2453" providerId="LiveId" clId="{871E63B6-1655-4173-9A82-F7396D0876F0}" dt="2019-09-07T18:15:10.366" v="586" actId="165"/>
-        <pc:sldMkLst>
-          <pc:docMk/>
-          <pc:sldMk cId="2112611312" sldId="306"/>
-        </pc:sldMkLst>
-      </pc:sldChg>
-      <pc:sldChg chg="del">
-        <pc:chgData name="ito sh" userId="b72e1b45a6eb2453" providerId="LiveId" clId="{871E63B6-1655-4173-9A82-F7396D0876F0}" dt="2019-09-07T17:55:31.826" v="519" actId="2696"/>
-        <pc:sldMkLst>
-          <pc:docMk/>
-          <pc:sldMk cId="2370953379" sldId="313"/>
-        </pc:sldMkLst>
-      </pc:sldChg>
-      <pc:sldChg chg="modSp">
-        <pc:chgData name="ito sh" userId="b72e1b45a6eb2453" providerId="LiveId" clId="{871E63B6-1655-4173-9A82-F7396D0876F0}" dt="2019-09-07T17:57:09.054" v="524" actId="6549"/>
-        <pc:sldMkLst>
-          <pc:docMk/>
-          <pc:sldMk cId="4291978540" sldId="325"/>
-        </pc:sldMkLst>
-      </pc:sldChg>
-      <pc:sldChg chg="addSp delSp modSp">
-        <pc:chgData name="ito sh" userId="b72e1b45a6eb2453" providerId="LiveId" clId="{871E63B6-1655-4173-9A82-F7396D0876F0}" dt="2019-09-14T03:39:28.556" v="654"/>
+      <pc:sldChg chg="modSp mod">
+        <pc:chgData name="sh ito" userId="b72e1b45a6eb2453" providerId="LiveId" clId="{4A52BE65-D49D-45EA-8A08-CAF35556917D}" dt="2025-11-03T15:57:16.719" v="81" actId="20577"/>
         <pc:sldMkLst>
           <pc:docMk/>
           <pc:sldMk cId="625981191" sldId="326"/>
         </pc:sldMkLst>
+        <pc:graphicFrameChg chg="modGraphic">
+          <ac:chgData name="sh ito" userId="b72e1b45a6eb2453" providerId="LiveId" clId="{4A52BE65-D49D-45EA-8A08-CAF35556917D}" dt="2025-11-03T15:57:16.719" v="81" actId="20577"/>
+          <ac:graphicFrameMkLst>
+            <pc:docMk/>
+            <pc:sldMk cId="625981191" sldId="326"/>
+            <ac:graphicFrameMk id="7" creationId="{749BB436-C47B-43C6-B283-0FDFDFDDF7A2}"/>
+          </ac:graphicFrameMkLst>
+        </pc:graphicFrameChg>
       </pc:sldChg>
-    </pc:docChg>
-  </pc:docChgLst>
-  <pc:docChgLst>
-    <pc:chgData name="ito sh" userId="b72e1b45a6eb2453" providerId="LiveId" clId="{105FA30F-C1AB-4B2C-9DEE-03D8017723E0}"/>
-    <pc:docChg chg="custSel modSld">
-      <pc:chgData name="ito sh" userId="b72e1b45a6eb2453" providerId="LiveId" clId="{105FA30F-C1AB-4B2C-9DEE-03D8017723E0}" dt="2019-12-21T23:35:00.347" v="2" actId="207"/>
-      <pc:docMkLst>
-        <pc:docMk/>
-      </pc:docMkLst>
-      <pc:sldChg chg="modSp">
-        <pc:chgData name="ito sh" userId="b72e1b45a6eb2453" providerId="LiveId" clId="{105FA30F-C1AB-4B2C-9DEE-03D8017723E0}" dt="2019-12-21T23:35:00.347" v="2" actId="207"/>
-        <pc:sldMkLst>
-          <pc:docMk/>
-          <pc:sldMk cId="625981191" sldId="326"/>
-        </pc:sldMkLst>
-      </pc:sldChg>
-    </pc:docChg>
-  </pc:docChgLst>
-  <pc:docChgLst>
-    <pc:chgData name="sh ito" userId="b72e1b45a6eb2453" providerId="LiveId" clId="{472C60E8-F3D3-4523-8EFC-B1958ADD5935}"/>
-    <pc:docChg chg="undo redo custSel modSld">
-      <pc:chgData name="sh ito" userId="b72e1b45a6eb2453" providerId="LiveId" clId="{472C60E8-F3D3-4523-8EFC-B1958ADD5935}" dt="2025-07-20T17:01:29.720" v="81" actId="14100"/>
-      <pc:docMkLst>
-        <pc:docMk/>
-      </pc:docMkLst>
-      <pc:sldChg chg="addSp delSp modSp mod">
-        <pc:chgData name="sh ito" userId="b72e1b45a6eb2453" providerId="LiveId" clId="{472C60E8-F3D3-4523-8EFC-B1958ADD5935}" dt="2025-07-20T17:01:29.720" v="81" actId="14100"/>
-        <pc:sldMkLst>
-          <pc:docMk/>
-          <pc:sldMk cId="3292416738" sldId="301"/>
-        </pc:sldMkLst>
-        <pc:spChg chg="mod">
-          <ac:chgData name="sh ito" userId="b72e1b45a6eb2453" providerId="LiveId" clId="{472C60E8-F3D3-4523-8EFC-B1958ADD5935}" dt="2025-07-20T17:01:22.274" v="80" actId="208"/>
-          <ac:spMkLst>
-            <pc:docMk/>
-            <pc:sldMk cId="3292416738" sldId="301"/>
-            <ac:spMk id="52" creationId="{00000000-0000-0000-0000-000000000000}"/>
-          </ac:spMkLst>
-        </pc:spChg>
-        <pc:spChg chg="mod">
-          <ac:chgData name="sh ito" userId="b72e1b45a6eb2453" providerId="LiveId" clId="{472C60E8-F3D3-4523-8EFC-B1958ADD5935}" dt="2025-07-20T16:51:55.492" v="54" actId="20577"/>
-          <ac:spMkLst>
-            <pc:docMk/>
-            <pc:sldMk cId="3292416738" sldId="301"/>
-            <ac:spMk id="53" creationId="{00000000-0000-0000-0000-000000000000}"/>
-          </ac:spMkLst>
-        </pc:spChg>
-        <pc:spChg chg="mod">
-          <ac:chgData name="sh ito" userId="b72e1b45a6eb2453" providerId="LiveId" clId="{472C60E8-F3D3-4523-8EFC-B1958ADD5935}" dt="2025-07-20T16:57:54.690" v="68" actId="207"/>
-          <ac:spMkLst>
-            <pc:docMk/>
-            <pc:sldMk cId="3292416738" sldId="301"/>
-            <ac:spMk id="77" creationId="{8C0AFCED-7AD3-44F8-BCE8-4F48434AA52C}"/>
-          </ac:spMkLst>
-        </pc:spChg>
-        <pc:spChg chg="mod">
-          <ac:chgData name="sh ito" userId="b72e1b45a6eb2453" providerId="LiveId" clId="{472C60E8-F3D3-4523-8EFC-B1958ADD5935}" dt="2025-07-20T17:01:29.720" v="81" actId="14100"/>
-          <ac:spMkLst>
-            <pc:docMk/>
-            <pc:sldMk cId="3292416738" sldId="301"/>
-            <ac:spMk id="109" creationId="{233B2B10-DDD9-4A6F-B265-F75E79033682}"/>
-          </ac:spMkLst>
-        </pc:spChg>
-        <pc:cxnChg chg="mod">
-          <ac:chgData name="sh ito" userId="b72e1b45a6eb2453" providerId="LiveId" clId="{472C60E8-F3D3-4523-8EFC-B1958ADD5935}" dt="2025-07-20T16:57:57.926" v="69" actId="14100"/>
-          <ac:cxnSpMkLst>
-            <pc:docMk/>
-            <pc:sldMk cId="3292416738" sldId="301"/>
-            <ac:cxnSpMk id="112" creationId="{FA329674-329D-46DB-AAB1-82227956D0BD}"/>
-          </ac:cxnSpMkLst>
-        </pc:cxnChg>
-        <pc:cxnChg chg="mod">
-          <ac:chgData name="sh ito" userId="b72e1b45a6eb2453" providerId="LiveId" clId="{472C60E8-F3D3-4523-8EFC-B1958ADD5935}" dt="2025-07-20T16:58:06.345" v="70" actId="14100"/>
-          <ac:cxnSpMkLst>
-            <pc:docMk/>
-            <pc:sldMk cId="3292416738" sldId="301"/>
-            <ac:cxnSpMk id="117" creationId="{4EB38A1C-E79D-43FB-B8FF-47A05AB06548}"/>
-          </ac:cxnSpMkLst>
-        </pc:cxnChg>
-        <pc:cxnChg chg="add del">
-          <ac:chgData name="sh ito" userId="b72e1b45a6eb2453" providerId="LiveId" clId="{472C60E8-F3D3-4523-8EFC-B1958ADD5935}" dt="2025-07-20T16:57:43.740" v="65" actId="478"/>
-          <ac:cxnSpMkLst>
-            <pc:docMk/>
-            <pc:sldMk cId="3292416738" sldId="301"/>
-            <ac:cxnSpMk id="118" creationId="{481C874C-82B9-4B5C-8435-F841F285D423}"/>
-          </ac:cxnSpMkLst>
-        </pc:cxnChg>
-        <pc:cxnChg chg="add del">
-          <ac:chgData name="sh ito" userId="b72e1b45a6eb2453" providerId="LiveId" clId="{472C60E8-F3D3-4523-8EFC-B1958ADD5935}" dt="2025-07-20T16:57:40.522" v="63" actId="478"/>
-          <ac:cxnSpMkLst>
-            <pc:docMk/>
-            <pc:sldMk cId="3292416738" sldId="301"/>
-            <ac:cxnSpMk id="119" creationId="{48A17A0B-DD89-4F1F-B0D4-31982AD764B3}"/>
-          </ac:cxnSpMkLst>
-        </pc:cxnChg>
-        <pc:cxnChg chg="add del">
-          <ac:chgData name="sh ito" userId="b72e1b45a6eb2453" providerId="LiveId" clId="{472C60E8-F3D3-4523-8EFC-B1958ADD5935}" dt="2025-07-20T16:57:42.137" v="64" actId="478"/>
-          <ac:cxnSpMkLst>
-            <pc:docMk/>
-            <pc:sldMk cId="3292416738" sldId="301"/>
-            <ac:cxnSpMk id="120" creationId="{093F1EA4-C0AB-46CA-A561-C69366828CFC}"/>
-          </ac:cxnSpMkLst>
-        </pc:cxnChg>
-        <pc:cxnChg chg="add del">
-          <ac:chgData name="sh ito" userId="b72e1b45a6eb2453" providerId="LiveId" clId="{472C60E8-F3D3-4523-8EFC-B1958ADD5935}" dt="2025-07-20T16:57:45.213" v="66" actId="478"/>
-          <ac:cxnSpMkLst>
-            <pc:docMk/>
-            <pc:sldMk cId="3292416738" sldId="301"/>
-            <ac:cxnSpMk id="121" creationId="{5E504E43-F97E-4AF8-A83E-A311E381D4A0}"/>
-          </ac:cxnSpMkLst>
-        </pc:cxnChg>
-      </pc:sldChg>
-    </pc:docChg>
-  </pc:docChgLst>
-  <pc:docChgLst>
-    <pc:chgData name="ito sh" userId="b72e1b45a6eb2453" providerId="LiveId" clId="{71BFC6A2-53B5-4E6B-8BE2-264DBB8E2D32}"/>
-    <pc:docChg chg="undo custSel modSld">
-      <pc:chgData name="ito sh" userId="b72e1b45a6eb2453" providerId="LiveId" clId="{71BFC6A2-53B5-4E6B-8BE2-264DBB8E2D32}" dt="2023-03-26T07:46:35.272" v="241" actId="207"/>
-      <pc:docMkLst>
-        <pc:docMk/>
-      </pc:docMkLst>
-      <pc:sldChg chg="modSp mod">
-        <pc:chgData name="ito sh" userId="b72e1b45a6eb2453" providerId="LiveId" clId="{71BFC6A2-53B5-4E6B-8BE2-264DBB8E2D32}" dt="2023-01-02T07:57:44.635" v="147" actId="207"/>
-        <pc:sldMkLst>
-          <pc:docMk/>
-          <pc:sldMk cId="1691482332" sldId="290"/>
-        </pc:sldMkLst>
-      </pc:sldChg>
-      <pc:sldChg chg="delSp modSp mod">
-        <pc:chgData name="ito sh" userId="b72e1b45a6eb2453" providerId="LiveId" clId="{71BFC6A2-53B5-4E6B-8BE2-264DBB8E2D32}" dt="2022-08-07T20:04:35.711" v="90" actId="207"/>
-        <pc:sldMkLst>
-          <pc:docMk/>
-          <pc:sldMk cId="2676337646" sldId="299"/>
-        </pc:sldMkLst>
-      </pc:sldChg>
-      <pc:sldChg chg="modSp mod">
-        <pc:chgData name="ito sh" userId="b72e1b45a6eb2453" providerId="LiveId" clId="{71BFC6A2-53B5-4E6B-8BE2-264DBB8E2D32}" dt="2022-05-06T12:25:10.304" v="84" actId="20577"/>
-        <pc:sldMkLst>
-          <pc:docMk/>
-          <pc:sldMk cId="2043145239" sldId="315"/>
-        </pc:sldMkLst>
-      </pc:sldChg>
-      <pc:sldChg chg="addSp delSp modSp mod">
-        <pc:chgData name="ito sh" userId="b72e1b45a6eb2453" providerId="LiveId" clId="{71BFC6A2-53B5-4E6B-8BE2-264DBB8E2D32}" dt="2023-03-26T07:46:35.272" v="241" actId="207"/>
-        <pc:sldMkLst>
-          <pc:docMk/>
-          <pc:sldMk cId="625981191" sldId="326"/>
-        </pc:sldMkLst>
-      </pc:sldChg>
-    </pc:docChg>
-  </pc:docChgLst>
-  <pc:docChgLst>
-    <pc:chgData name="ito sh" userId="b72e1b45a6eb2453" providerId="LiveId" clId="{75AA17FA-A6ED-4888-9B58-8A66532478ED}"/>
-    <pc:docChg chg="undo redo custSel delSld modSld modSection">
-      <pc:chgData name="ito sh" userId="b72e1b45a6eb2453" providerId="LiveId" clId="{75AA17FA-A6ED-4888-9B58-8A66532478ED}" dt="2020-05-01T04:12:57.372" v="2218" actId="207"/>
-      <pc:docMkLst>
-        <pc:docMk/>
-      </pc:docMkLst>
-      <pc:sldChg chg="addSp modSp mod">
-        <pc:chgData name="ito sh" userId="b72e1b45a6eb2453" providerId="LiveId" clId="{75AA17FA-A6ED-4888-9B58-8A66532478ED}" dt="2020-04-20T16:26:58.439" v="623" actId="20577"/>
-        <pc:sldMkLst>
-          <pc:docMk/>
-          <pc:sldMk cId="3222679408" sldId="256"/>
-        </pc:sldMkLst>
-      </pc:sldChg>
-      <pc:sldChg chg="addSp delSp modSp mod">
-        <pc:chgData name="ito sh" userId="b72e1b45a6eb2453" providerId="LiveId" clId="{75AA17FA-A6ED-4888-9B58-8A66532478ED}" dt="2020-05-01T03:01:38.033" v="1598"/>
-        <pc:sldMkLst>
-          <pc:docMk/>
-          <pc:sldMk cId="2080287932" sldId="257"/>
-        </pc:sldMkLst>
-      </pc:sldChg>
-      <pc:sldChg chg="modSp del mod">
-        <pc:chgData name="ito sh" userId="b72e1b45a6eb2453" providerId="LiveId" clId="{75AA17FA-A6ED-4888-9B58-8A66532478ED}" dt="2020-04-20T16:19:24.427" v="533" actId="47"/>
-        <pc:sldMkLst>
-          <pc:docMk/>
-          <pc:sldMk cId="4111081312" sldId="289"/>
-        </pc:sldMkLst>
-      </pc:sldChg>
-      <pc:sldChg chg="delSp modSp mod">
-        <pc:chgData name="ito sh" userId="b72e1b45a6eb2453" providerId="LiveId" clId="{75AA17FA-A6ED-4888-9B58-8A66532478ED}" dt="2020-05-01T03:58:48.896" v="2160" actId="207"/>
-        <pc:sldMkLst>
-          <pc:docMk/>
-          <pc:sldMk cId="1691482332" sldId="290"/>
-        </pc:sldMkLst>
-      </pc:sldChg>
-      <pc:sldChg chg="addSp delSp modSp mod">
-        <pc:chgData name="ito sh" userId="b72e1b45a6eb2453" providerId="LiveId" clId="{75AA17FA-A6ED-4888-9B58-8A66532478ED}" dt="2020-05-01T03:59:11.260" v="2162"/>
-        <pc:sldMkLst>
-          <pc:docMk/>
-          <pc:sldMk cId="1582896633" sldId="291"/>
-        </pc:sldMkLst>
-      </pc:sldChg>
-      <pc:sldChg chg="addSp delSp modSp mod">
-        <pc:chgData name="ito sh" userId="b72e1b45a6eb2453" providerId="LiveId" clId="{75AA17FA-A6ED-4888-9B58-8A66532478ED}" dt="2020-05-01T04:12:57.372" v="2218" actId="207"/>
-        <pc:sldMkLst>
-          <pc:docMk/>
-          <pc:sldMk cId="1941651198" sldId="294"/>
-        </pc:sldMkLst>
-      </pc:sldChg>
-      <pc:sldChg chg="modSp mod">
-        <pc:chgData name="ito sh" userId="b72e1b45a6eb2453" providerId="LiveId" clId="{75AA17FA-A6ED-4888-9B58-8A66532478ED}" dt="2020-05-01T03:31:36.689" v="1914" actId="20577"/>
-        <pc:sldMkLst>
-          <pc:docMk/>
-          <pc:sldMk cId="715667158" sldId="296"/>
-        </pc:sldMkLst>
-      </pc:sldChg>
-      <pc:sldChg chg="delSp modSp mod">
-        <pc:chgData name="ito sh" userId="b72e1b45a6eb2453" providerId="LiveId" clId="{75AA17FA-A6ED-4888-9B58-8A66532478ED}" dt="2020-05-01T03:33:10.242" v="1945" actId="20577"/>
-        <pc:sldMkLst>
-          <pc:docMk/>
-          <pc:sldMk cId="2173051432" sldId="298"/>
-        </pc:sldMkLst>
-      </pc:sldChg>
-      <pc:sldChg chg="addSp modSp mod">
-        <pc:chgData name="ito sh" userId="b72e1b45a6eb2453" providerId="LiveId" clId="{75AA17FA-A6ED-4888-9B58-8A66532478ED}" dt="2020-05-01T03:32:32.976" v="1928" actId="113"/>
-        <pc:sldMkLst>
-          <pc:docMk/>
-          <pc:sldMk cId="2676337646" sldId="299"/>
-        </pc:sldMkLst>
-      </pc:sldChg>
-      <pc:sldChg chg="addSp delSp modSp mod">
-        <pc:chgData name="ito sh" userId="b72e1b45a6eb2453" providerId="LiveId" clId="{75AA17FA-A6ED-4888-9B58-8A66532478ED}" dt="2020-05-01T04:12:53.294" v="2216" actId="207"/>
-        <pc:sldMkLst>
-          <pc:docMk/>
-          <pc:sldMk cId="3292416738" sldId="301"/>
-        </pc:sldMkLst>
-      </pc:sldChg>
-      <pc:sldChg chg="delSp modSp mod">
-        <pc:chgData name="ito sh" userId="b72e1b45a6eb2453" providerId="LiveId" clId="{75AA17FA-A6ED-4888-9B58-8A66532478ED}" dt="2020-05-01T03:34:27.973" v="1977" actId="14100"/>
-        <pc:sldMkLst>
-          <pc:docMk/>
-          <pc:sldMk cId="2020473484" sldId="302"/>
-        </pc:sldMkLst>
-      </pc:sldChg>
-      <pc:sldChg chg="addSp delSp modSp del mod">
-        <pc:chgData name="ito sh" userId="b72e1b45a6eb2453" providerId="LiveId" clId="{75AA17FA-A6ED-4888-9B58-8A66532478ED}" dt="2020-04-20T16:16:43.941" v="471" actId="47"/>
-        <pc:sldMkLst>
-          <pc:docMk/>
-          <pc:sldMk cId="2112611312" sldId="306"/>
-        </pc:sldMkLst>
-      </pc:sldChg>
-      <pc:sldChg chg="addSp delSp modSp mod">
-        <pc:chgData name="ito sh" userId="b72e1b45a6eb2453" providerId="LiveId" clId="{75AA17FA-A6ED-4888-9B58-8A66532478ED}" dt="2020-05-01T03:59:15.071" v="2166"/>
-        <pc:sldMkLst>
-          <pc:docMk/>
-          <pc:sldMk cId="2043145239" sldId="315"/>
-        </pc:sldMkLst>
-      </pc:sldChg>
-      <pc:sldChg chg="modSp del mod">
-        <pc:chgData name="ito sh" userId="b72e1b45a6eb2453" providerId="LiveId" clId="{75AA17FA-A6ED-4888-9B58-8A66532478ED}" dt="2020-04-20T16:13:06.938" v="396" actId="47"/>
-        <pc:sldMkLst>
-          <pc:docMk/>
-          <pc:sldMk cId="578903446" sldId="318"/>
-        </pc:sldMkLst>
-      </pc:sldChg>
-      <pc:sldChg chg="addSp delSp modSp mod">
-        <pc:chgData name="ito sh" userId="b72e1b45a6eb2453" providerId="LiveId" clId="{75AA17FA-A6ED-4888-9B58-8A66532478ED}" dt="2020-05-01T03:02:13.748" v="1636" actId="1035"/>
-        <pc:sldMkLst>
-          <pc:docMk/>
-          <pc:sldMk cId="625981191" sldId="326"/>
-        </pc:sldMkLst>
-      </pc:sldChg>
-    </pc:docChg>
-  </pc:docChgLst>
-  <pc:docChgLst>
-    <pc:chgData name="ito sh" userId="b72e1b45a6eb2453" providerId="LiveId" clId="{E722F60C-9892-4D1E-A74A-F85C6004BDD3}"/>
-    <pc:docChg chg="custSel modSld">
-      <pc:chgData name="ito sh" userId="b72e1b45a6eb2453" providerId="LiveId" clId="{E722F60C-9892-4D1E-A74A-F85C6004BDD3}" dt="2020-08-27T12:50:29.041" v="19" actId="207"/>
-      <pc:docMkLst>
-        <pc:docMk/>
-      </pc:docMkLst>
-      <pc:sldChg chg="modSp mod">
-        <pc:chgData name="ito sh" userId="b72e1b45a6eb2453" providerId="LiveId" clId="{E722F60C-9892-4D1E-A74A-F85C6004BDD3}" dt="2020-08-27T12:50:29.041" v="19" actId="207"/>
-        <pc:sldMkLst>
-          <pc:docMk/>
-          <pc:sldMk cId="625981191" sldId="326"/>
-        </pc:sldMkLst>
-      </pc:sldChg>
-    </pc:docChg>
-  </pc:docChgLst>
-  <pc:docChgLst>
-    <pc:chgData name="ito sh" userId="b72e1b45a6eb2453" providerId="LiveId" clId="{3EF051DF-D5B8-4EE2-BBBA-DAEBDF5E0208}"/>
-    <pc:docChg chg="modSld">
-      <pc:chgData name="ito sh" userId="b72e1b45a6eb2453" providerId="LiveId" clId="{3EF051DF-D5B8-4EE2-BBBA-DAEBDF5E0208}" dt="2020-03-06T18:48:18.324" v="53" actId="368"/>
-      <pc:docMkLst>
-        <pc:docMk/>
-      </pc:docMkLst>
-      <pc:sldChg chg="modSp">
-        <pc:chgData name="ito sh" userId="b72e1b45a6eb2453" providerId="LiveId" clId="{3EF051DF-D5B8-4EE2-BBBA-DAEBDF5E0208}" dt="2020-01-11T02:31:16.163" v="0" actId="20577"/>
-        <pc:sldMkLst>
-          <pc:docMk/>
-          <pc:sldMk cId="2080287932" sldId="257"/>
-        </pc:sldMkLst>
-      </pc:sldChg>
-      <pc:sldChg chg="addSp modSp mod">
-        <pc:chgData name="ito sh" userId="b72e1b45a6eb2453" providerId="LiveId" clId="{3EF051DF-D5B8-4EE2-BBBA-DAEBDF5E0208}" dt="2020-03-06T18:48:18.324" v="53" actId="368"/>
-        <pc:sldMkLst>
-          <pc:docMk/>
-          <pc:sldMk cId="2676337646" sldId="299"/>
-        </pc:sldMkLst>
-      </pc:sldChg>
-      <pc:sldChg chg="modSp">
-        <pc:chgData name="ito sh" userId="b72e1b45a6eb2453" providerId="LiveId" clId="{3EF051DF-D5B8-4EE2-BBBA-DAEBDF5E0208}" dt="2020-01-24T17:31:57.803" v="38" actId="20577"/>
-        <pc:sldMkLst>
-          <pc:docMk/>
-          <pc:sldMk cId="625981191" sldId="326"/>
-        </pc:sldMkLst>
-      </pc:sldChg>
-    </pc:docChg>
-  </pc:docChgLst>
-  <pc:docChgLst>
-    <pc:chgData name="ito sh" userId="b72e1b45a6eb2453" providerId="LiveId" clId="{544270BD-0634-4704-BA43-0FC31907E366}"/>
-    <pc:docChg chg="undo custSel modSld">
-      <pc:chgData name="ito sh" userId="b72e1b45a6eb2453" providerId="LiveId" clId="{544270BD-0634-4704-BA43-0FC31907E366}" dt="2021-02-04T17:56:57.685" v="10" actId="115"/>
-      <pc:docMkLst>
-        <pc:docMk/>
-      </pc:docMkLst>
-      <pc:sldChg chg="modSp mod">
-        <pc:chgData name="ito sh" userId="b72e1b45a6eb2453" providerId="LiveId" clId="{544270BD-0634-4704-BA43-0FC31907E366}" dt="2021-02-04T17:56:57.685" v="10" actId="115"/>
-        <pc:sldMkLst>
-          <pc:docMk/>
-          <pc:sldMk cId="3222679408" sldId="256"/>
-        </pc:sldMkLst>
-      </pc:sldChg>
-      <pc:sldChg chg="modSp mod">
-        <pc:chgData name="ito sh" userId="b72e1b45a6eb2453" providerId="LiveId" clId="{544270BD-0634-4704-BA43-0FC31907E366}" dt="2021-02-04T17:51:11.046" v="0" actId="207"/>
-        <pc:sldMkLst>
-          <pc:docMk/>
-          <pc:sldMk cId="625981191" sldId="326"/>
-        </pc:sldMkLst>
-      </pc:sldChg>
-    </pc:docChg>
-  </pc:docChgLst>
-  <pc:docChgLst>
-    <pc:chgData name="ito sh" userId="b72e1b45a6eb2453" providerId="LiveId" clId="{BDFAC52C-1089-43AC-9A4E-58C0A13A07DC}"/>
-    <pc:docChg chg="undo redo custSel modSld">
-      <pc:chgData name="ito sh" userId="b72e1b45a6eb2453" providerId="LiveId" clId="{BDFAC52C-1089-43AC-9A4E-58C0A13A07DC}" dt="2019-06-22T20:14:45.007" v="455" actId="478"/>
-      <pc:docMkLst>
-        <pc:docMk/>
-      </pc:docMkLst>
-      <pc:sldChg chg="addSp delSp modSp">
-        <pc:chgData name="ito sh" userId="b72e1b45a6eb2453" providerId="LiveId" clId="{BDFAC52C-1089-43AC-9A4E-58C0A13A07DC}" dt="2019-06-22T20:14:45.007" v="455" actId="478"/>
-        <pc:sldMkLst>
-          <pc:docMk/>
-          <pc:sldMk cId="2676337646" sldId="299"/>
-        </pc:sldMkLst>
-      </pc:sldChg>
-      <pc:sldChg chg="addSp delSp modSp">
-        <pc:chgData name="ito sh" userId="b72e1b45a6eb2453" providerId="LiveId" clId="{BDFAC52C-1089-43AC-9A4E-58C0A13A07DC}" dt="2019-06-20T16:13:11.600" v="451" actId="207"/>
-        <pc:sldMkLst>
-          <pc:docMk/>
-          <pc:sldMk cId="625981191" sldId="326"/>
-        </pc:sldMkLst>
-      </pc:sldChg>
-    </pc:docChg>
-  </pc:docChgLst>
-  <pc:docChgLst>
-    <pc:chgData name="ito sh" userId="b72e1b45a6eb2453" providerId="LiveId" clId="{00E7A615-26D6-4DEC-9FB3-A7A042F428B0}"/>
-    <pc:docChg chg="undo redo custSel addSld delSld modSld">
-      <pc:chgData name="ito sh" userId="b72e1b45a6eb2453" providerId="LiveId" clId="{00E7A615-26D6-4DEC-9FB3-A7A042F428B0}" dt="2021-01-12T03:38:47.848" v="740" actId="207"/>
-      <pc:docMkLst>
-        <pc:docMk/>
-      </pc:docMkLst>
-      <pc:sldChg chg="addSp modSp mod setBg">
-        <pc:chgData name="ito sh" userId="b72e1b45a6eb2453" providerId="LiveId" clId="{00E7A615-26D6-4DEC-9FB3-A7A042F428B0}" dt="2021-01-03T17:04:43.761" v="387" actId="14100"/>
-        <pc:sldMkLst>
-          <pc:docMk/>
-          <pc:sldMk cId="3222679408" sldId="256"/>
-        </pc:sldMkLst>
-      </pc:sldChg>
-      <pc:sldChg chg="modSp mod setBg">
-        <pc:chgData name="ito sh" userId="b72e1b45a6eb2453" providerId="LiveId" clId="{00E7A615-26D6-4DEC-9FB3-A7A042F428B0}" dt="2021-01-04T00:46:39.355" v="696" actId="1076"/>
-        <pc:sldMkLst>
-          <pc:docMk/>
-          <pc:sldMk cId="2080287932" sldId="257"/>
-        </pc:sldMkLst>
-      </pc:sldChg>
-      <pc:sldChg chg="modSp mod setBg">
-        <pc:chgData name="ito sh" userId="b72e1b45a6eb2453" providerId="LiveId" clId="{00E7A615-26D6-4DEC-9FB3-A7A042F428B0}" dt="2021-01-04T15:01:46.365" v="698" actId="1076"/>
-        <pc:sldMkLst>
-          <pc:docMk/>
-          <pc:sldMk cId="1691482332" sldId="290"/>
-        </pc:sldMkLst>
-      </pc:sldChg>
-      <pc:sldChg chg="delSp modSp mod setBg">
-        <pc:chgData name="ito sh" userId="b72e1b45a6eb2453" providerId="LiveId" clId="{00E7A615-26D6-4DEC-9FB3-A7A042F428B0}" dt="2021-01-04T22:31:04.696" v="715" actId="478"/>
-        <pc:sldMkLst>
-          <pc:docMk/>
-          <pc:sldMk cId="1582896633" sldId="291"/>
-        </pc:sldMkLst>
-      </pc:sldChg>
-      <pc:sldChg chg="addSp delSp modSp mod setBg">
-        <pc:chgData name="ito sh" userId="b72e1b45a6eb2453" providerId="LiveId" clId="{00E7A615-26D6-4DEC-9FB3-A7A042F428B0}" dt="2021-01-03T17:23:36.116" v="516"/>
-        <pc:sldMkLst>
-          <pc:docMk/>
-          <pc:sldMk cId="1941651198" sldId="294"/>
-        </pc:sldMkLst>
-      </pc:sldChg>
-      <pc:sldChg chg="modSp mod setBg">
-        <pc:chgData name="ito sh" userId="b72e1b45a6eb2453" providerId="LiveId" clId="{00E7A615-26D6-4DEC-9FB3-A7A042F428B0}" dt="2021-01-03T17:02:50.453" v="373" actId="207"/>
-        <pc:sldMkLst>
-          <pc:docMk/>
-          <pc:sldMk cId="715667158" sldId="296"/>
-        </pc:sldMkLst>
-      </pc:sldChg>
-      <pc:sldChg chg="addSp delSp modSp mod setBg">
-        <pc:chgData name="ito sh" userId="b72e1b45a6eb2453" providerId="LiveId" clId="{00E7A615-26D6-4DEC-9FB3-A7A042F428B0}" dt="2021-01-04T22:17:38.506" v="709" actId="1582"/>
-        <pc:sldMkLst>
-          <pc:docMk/>
-          <pc:sldMk cId="2173051432" sldId="298"/>
-        </pc:sldMkLst>
-      </pc:sldChg>
-      <pc:sldChg chg="delSp modSp mod setBg">
-        <pc:chgData name="ito sh" userId="b72e1b45a6eb2453" providerId="LiveId" clId="{00E7A615-26D6-4DEC-9FB3-A7A042F428B0}" dt="2021-01-04T22:20:18.078" v="711" actId="478"/>
-        <pc:sldMkLst>
-          <pc:docMk/>
-          <pc:sldMk cId="2676337646" sldId="299"/>
-        </pc:sldMkLst>
-      </pc:sldChg>
-      <pc:sldChg chg="addSp delSp modSp mod setBg">
-        <pc:chgData name="ito sh" userId="b72e1b45a6eb2453" providerId="LiveId" clId="{00E7A615-26D6-4DEC-9FB3-A7A042F428B0}" dt="2021-01-03T17:23:48.174" v="518"/>
-        <pc:sldMkLst>
-          <pc:docMk/>
-          <pc:sldMk cId="3292416738" sldId="301"/>
-        </pc:sldMkLst>
-      </pc:sldChg>
-      <pc:sldChg chg="modSp mod setBg">
-        <pc:chgData name="ito sh" userId="b72e1b45a6eb2453" providerId="LiveId" clId="{00E7A615-26D6-4DEC-9FB3-A7A042F428B0}" dt="2021-01-03T17:22:38.375" v="509" actId="207"/>
-        <pc:sldMkLst>
-          <pc:docMk/>
-          <pc:sldMk cId="2020473484" sldId="302"/>
-        </pc:sldMkLst>
-      </pc:sldChg>
-      <pc:sldChg chg="delSp modSp mod setBg">
-        <pc:chgData name="ito sh" userId="b72e1b45a6eb2453" providerId="LiveId" clId="{00E7A615-26D6-4DEC-9FB3-A7A042F428B0}" dt="2021-01-04T22:31:06.542" v="716" actId="478"/>
-        <pc:sldMkLst>
-          <pc:docMk/>
-          <pc:sldMk cId="2043145239" sldId="315"/>
-        </pc:sldMkLst>
-      </pc:sldChg>
-      <pc:sldChg chg="addSp modSp mod setBg">
-        <pc:chgData name="ito sh" userId="b72e1b45a6eb2453" providerId="LiveId" clId="{00E7A615-26D6-4DEC-9FB3-A7A042F428B0}" dt="2021-01-12T03:38:47.848" v="740" actId="207"/>
-        <pc:sldMkLst>
-          <pc:docMk/>
-          <pc:sldMk cId="625981191" sldId="326"/>
-        </pc:sldMkLst>
-      </pc:sldChg>
-      <pc:sldChg chg="add del">
-        <pc:chgData name="ito sh" userId="b72e1b45a6eb2453" providerId="LiveId" clId="{00E7A615-26D6-4DEC-9FB3-A7A042F428B0}" dt="2020-12-24T14:52:12.063" v="51"/>
-        <pc:sldMkLst>
-          <pc:docMk/>
-          <pc:sldMk cId="3921450249" sldId="327"/>
-        </pc:sldMkLst>
-      </pc:sldChg>
-    </pc:docChg>
-  </pc:docChgLst>
-  <pc:docChgLst>
-    <pc:chgData name="ito sh" userId="b72e1b45a6eb2453" providerId="LiveId" clId="{EAE16808-4D66-49B3-AEA4-7473DABA3633}"/>
-    <pc:docChg chg="undo custSel mod modSld">
-      <pc:chgData name="ito sh" userId="b72e1b45a6eb2453" providerId="LiveId" clId="{EAE16808-4D66-49B3-AEA4-7473DABA3633}" dt="2020-10-27T13:51:26.389" v="206" actId="207"/>
-      <pc:docMkLst>
-        <pc:docMk/>
-      </pc:docMkLst>
-      <pc:sldChg chg="addSp delSp modSp mod setBg setClrOvrMap">
-        <pc:chgData name="ito sh" userId="b72e1b45a6eb2453" providerId="LiveId" clId="{EAE16808-4D66-49B3-AEA4-7473DABA3633}" dt="2020-10-11T03:34:51.585" v="79" actId="1076"/>
-        <pc:sldMkLst>
-          <pc:docMk/>
-          <pc:sldMk cId="3222679408" sldId="256"/>
-        </pc:sldMkLst>
-      </pc:sldChg>
-      <pc:sldChg chg="modSp mod">
-        <pc:chgData name="ito sh" userId="b72e1b45a6eb2453" providerId="LiveId" clId="{EAE16808-4D66-49B3-AEA4-7473DABA3633}" dt="2020-10-27T13:51:26.389" v="206" actId="207"/>
-        <pc:sldMkLst>
-          <pc:docMk/>
-          <pc:sldMk cId="2173051432" sldId="298"/>
-        </pc:sldMkLst>
-      </pc:sldChg>
-      <pc:sldChg chg="addSp modSp mod">
-        <pc:chgData name="ito sh" userId="b72e1b45a6eb2453" providerId="LiveId" clId="{EAE16808-4D66-49B3-AEA4-7473DABA3633}" dt="2020-10-11T07:54:09.920" v="150" actId="1076"/>
-        <pc:sldMkLst>
-          <pc:docMk/>
-          <pc:sldMk cId="2676337646" sldId="299"/>
-        </pc:sldMkLst>
-      </pc:sldChg>
-      <pc:sldChg chg="addSp delSp modSp mod">
-        <pc:chgData name="ito sh" userId="b72e1b45a6eb2453" providerId="LiveId" clId="{EAE16808-4D66-49B3-AEA4-7473DABA3633}" dt="2020-10-11T07:36:00.902" v="140" actId="404"/>
-        <pc:sldMkLst>
-          <pc:docMk/>
-          <pc:sldMk cId="2020473484" sldId="302"/>
-        </pc:sldMkLst>
-      </pc:sldChg>
-      <pc:sldChg chg="modSp mod">
-        <pc:chgData name="ito sh" userId="b72e1b45a6eb2453" providerId="LiveId" clId="{EAE16808-4D66-49B3-AEA4-7473DABA3633}" dt="2020-10-11T03:23:08.597" v="19"/>
-        <pc:sldMkLst>
-          <pc:docMk/>
-          <pc:sldMk cId="2043145239" sldId="315"/>
-        </pc:sldMkLst>
-      </pc:sldChg>
-    </pc:docChg>
-  </pc:docChgLst>
-  <pc:docChgLst>
-    <pc:chgData name="sh ito" userId="b72e1b45a6eb2453" providerId="LiveId" clId="{871E63B6-1655-4173-9A82-F7396D0876F0}"/>
-    <pc:docChg chg="custSel modSld">
-      <pc:chgData name="sh ito" userId="b72e1b45a6eb2453" providerId="LiveId" clId="{871E63B6-1655-4173-9A82-F7396D0876F0}" dt="2019-08-05T01:37:20.790" v="8" actId="478"/>
-      <pc:docMkLst>
-        <pc:docMk/>
-      </pc:docMkLst>
-      <pc:sldChg chg="delSp">
-        <pc:chgData name="sh ito" userId="b72e1b45a6eb2453" providerId="LiveId" clId="{871E63B6-1655-4173-9A82-F7396D0876F0}" dt="2019-08-05T01:37:20.790" v="8" actId="478"/>
-        <pc:sldMkLst>
-          <pc:docMk/>
-          <pc:sldMk cId="2080287932" sldId="257"/>
-        </pc:sldMkLst>
-      </pc:sldChg>
-      <pc:sldChg chg="modSp">
-        <pc:chgData name="sh ito" userId="b72e1b45a6eb2453" providerId="LiveId" clId="{871E63B6-1655-4173-9A82-F7396D0876F0}" dt="2019-08-05T01:35:51.899" v="7" actId="1036"/>
-        <pc:sldMkLst>
-          <pc:docMk/>
-          <pc:sldMk cId="2173051432" sldId="298"/>
-        </pc:sldMkLst>
-      </pc:sldChg>
-    </pc:docChg>
-  </pc:docChgLst>
-  <pc:docChgLst>
-    <pc:chgData name="sh ito" userId="b72e1b45a6eb2453" providerId="LiveId" clId="{CDC11600-052D-4471-893E-3145DE225640}"/>
-    <pc:docChg chg="undo redo custSel modSld">
-      <pc:chgData name="sh ito" userId="b72e1b45a6eb2453" providerId="LiveId" clId="{CDC11600-052D-4471-893E-3145DE225640}" dt="2024-06-18T17:20:51.637" v="118" actId="20577"/>
-      <pc:docMkLst>
-        <pc:docMk/>
-      </pc:docMkLst>
-      <pc:sldChg chg="addSp delSp modSp mod">
-        <pc:chgData name="sh ito" userId="b72e1b45a6eb2453" providerId="LiveId" clId="{CDC11600-052D-4471-893E-3145DE225640}" dt="2024-06-18T17:12:54.064" v="85" actId="20577"/>
-        <pc:sldMkLst>
-          <pc:docMk/>
-          <pc:sldMk cId="3222679408" sldId="256"/>
-        </pc:sldMkLst>
-      </pc:sldChg>
-      <pc:sldChg chg="addSp delSp modSp mod">
-        <pc:chgData name="sh ito" userId="b72e1b45a6eb2453" providerId="LiveId" clId="{CDC11600-052D-4471-893E-3145DE225640}" dt="2024-06-18T17:12:51.138" v="78"/>
-        <pc:sldMkLst>
-          <pc:docMk/>
-          <pc:sldMk cId="1691482332" sldId="290"/>
-        </pc:sldMkLst>
-      </pc:sldChg>
-      <pc:sldChg chg="addSp modSp mod">
-        <pc:chgData name="sh ito" userId="b72e1b45a6eb2453" providerId="LiveId" clId="{CDC11600-052D-4471-893E-3145DE225640}" dt="2024-06-18T17:12:14.756" v="70"/>
-        <pc:sldMkLst>
-          <pc:docMk/>
-          <pc:sldMk cId="1582896633" sldId="291"/>
-        </pc:sldMkLst>
-      </pc:sldChg>
-    </pc:docChg>
-  </pc:docChgLst>
-  <pc:docChgLst>
-    <pc:chgData name="sh ito" userId="b72e1b45a6eb2453" providerId="LiveId" clId="{183D64A9-D968-445B-ADEE-EA59FFC52972}"/>
-    <pc:docChg chg="modSld">
-      <pc:chgData name="sh ito" userId="b72e1b45a6eb2453" providerId="LiveId" clId="{183D64A9-D968-445B-ADEE-EA59FFC52972}" dt="2024-01-08T05:50:07.028" v="37" actId="403"/>
-      <pc:docMkLst>
-        <pc:docMk/>
-      </pc:docMkLst>
-      <pc:sldChg chg="modSp mod">
-        <pc:chgData name="sh ito" userId="b72e1b45a6eb2453" providerId="LiveId" clId="{183D64A9-D968-445B-ADEE-EA59FFC52972}" dt="2024-01-08T05:50:07.028" v="37" actId="403"/>
-        <pc:sldMkLst>
-          <pc:docMk/>
-          <pc:sldMk cId="2173051432" sldId="298"/>
-        </pc:sldMkLst>
-      </pc:sldChg>
-    </pc:docChg>
-  </pc:docChgLst>
-  <pc:docChgLst>
-    <pc:chgData name="ito sh" userId="b72e1b45a6eb2453" providerId="LiveId" clId="{A16B41C1-D290-44F0-96E1-68F16E0BE515}"/>
-    <pc:docChg chg="undo redo custSel delSld modSld sldOrd addSection modSection">
-      <pc:chgData name="ito sh" userId="b72e1b45a6eb2453" providerId="LiveId" clId="{A16B41C1-D290-44F0-96E1-68F16E0BE515}" dt="2021-05-31T17:26:32.264" v="933" actId="207"/>
-      <pc:docMkLst>
-        <pc:docMk/>
-      </pc:docMkLst>
-      <pc:sldChg chg="modSp mod">
-        <pc:chgData name="ito sh" userId="b72e1b45a6eb2453" providerId="LiveId" clId="{A16B41C1-D290-44F0-96E1-68F16E0BE515}" dt="2021-05-30T07:30:35.361" v="485" actId="404"/>
-        <pc:sldMkLst>
-          <pc:docMk/>
-          <pc:sldMk cId="3222679408" sldId="256"/>
-        </pc:sldMkLst>
-      </pc:sldChg>
-      <pc:sldChg chg="delSp modSp mod">
-        <pc:chgData name="ito sh" userId="b72e1b45a6eb2453" providerId="LiveId" clId="{A16B41C1-D290-44F0-96E1-68F16E0BE515}" dt="2021-05-30T08:01:43.170" v="868" actId="2711"/>
-        <pc:sldMkLst>
-          <pc:docMk/>
-          <pc:sldMk cId="1691482332" sldId="290"/>
-        </pc:sldMkLst>
-      </pc:sldChg>
-      <pc:sldChg chg="addSp delSp modSp mod">
-        <pc:chgData name="ito sh" userId="b72e1b45a6eb2453" providerId="LiveId" clId="{A16B41C1-D290-44F0-96E1-68F16E0BE515}" dt="2021-05-30T08:02:33.441" v="896" actId="20577"/>
-        <pc:sldMkLst>
-          <pc:docMk/>
-          <pc:sldMk cId="1582896633" sldId="291"/>
-        </pc:sldMkLst>
-      </pc:sldChg>
-      <pc:sldChg chg="modSp del mod">
-        <pc:chgData name="ito sh" userId="b72e1b45a6eb2453" providerId="LiveId" clId="{A16B41C1-D290-44F0-96E1-68F16E0BE515}" dt="2021-05-30T06:33:32.606" v="207" actId="47"/>
-        <pc:sldMkLst>
-          <pc:docMk/>
-          <pc:sldMk cId="1941651198" sldId="294"/>
-        </pc:sldMkLst>
-      </pc:sldChg>
-      <pc:sldChg chg="addSp delSp modSp mod">
-        <pc:chgData name="ito sh" userId="b72e1b45a6eb2453" providerId="LiveId" clId="{A16B41C1-D290-44F0-96E1-68F16E0BE515}" dt="2021-05-30T08:01:43.645" v="869" actId="207"/>
-        <pc:sldMkLst>
-          <pc:docMk/>
-          <pc:sldMk cId="715667158" sldId="296"/>
-        </pc:sldMkLst>
-      </pc:sldChg>
-      <pc:sldChg chg="addSp delSp modSp mod ord">
-        <pc:chgData name="ito sh" userId="b72e1b45a6eb2453" providerId="LiveId" clId="{A16B41C1-D290-44F0-96E1-68F16E0BE515}" dt="2021-05-31T17:26:32.264" v="933" actId="207"/>
-        <pc:sldMkLst>
-          <pc:docMk/>
-          <pc:sldMk cId="2173051432" sldId="298"/>
-        </pc:sldMkLst>
-      </pc:sldChg>
-      <pc:sldChg chg="addSp delSp modSp mod">
-        <pc:chgData name="ito sh" userId="b72e1b45a6eb2453" providerId="LiveId" clId="{A16B41C1-D290-44F0-96E1-68F16E0BE515}" dt="2021-05-30T07:49:34.701" v="841" actId="1076"/>
-        <pc:sldMkLst>
-          <pc:docMk/>
-          <pc:sldMk cId="2676337646" sldId="299"/>
-        </pc:sldMkLst>
-      </pc:sldChg>
-      <pc:sldChg chg="addSp delSp modSp mod">
-        <pc:chgData name="ito sh" userId="b72e1b45a6eb2453" providerId="LiveId" clId="{A16B41C1-D290-44F0-96E1-68F16E0BE515}" dt="2021-05-30T08:01:42.162" v="866" actId="2711"/>
-        <pc:sldMkLst>
-          <pc:docMk/>
-          <pc:sldMk cId="3292416738" sldId="301"/>
-        </pc:sldMkLst>
-      </pc:sldChg>
-      <pc:sldChg chg="addSp delSp modSp mod">
-        <pc:chgData name="ito sh" userId="b72e1b45a6eb2453" providerId="LiveId" clId="{A16B41C1-D290-44F0-96E1-68F16E0BE515}" dt="2021-05-30T07:44:14.809" v="811" actId="207"/>
-        <pc:sldMkLst>
-          <pc:docMk/>
-          <pc:sldMk cId="2020473484" sldId="302"/>
-        </pc:sldMkLst>
-      </pc:sldChg>
-      <pc:sldChg chg="addSp delSp modSp mod">
-        <pc:chgData name="ito sh" userId="b72e1b45a6eb2453" providerId="LiveId" clId="{A16B41C1-D290-44F0-96E1-68F16E0BE515}" dt="2021-05-30T08:08:02.199" v="897" actId="113"/>
-        <pc:sldMkLst>
-          <pc:docMk/>
-          <pc:sldMk cId="2043145239" sldId="315"/>
-        </pc:sldMkLst>
-      </pc:sldChg>
-    </pc:docChg>
-  </pc:docChgLst>
-  <pc:docChgLst>
-    <pc:chgData name="ito sh" userId="b72e1b45a6eb2453" providerId="LiveId" clId="{5D9A5121-CCE2-4949-B75C-E40A6413A828}"/>
-    <pc:docChg chg="modSld">
-      <pc:chgData name="ito sh" userId="b72e1b45a6eb2453" providerId="LiveId" clId="{5D9A5121-CCE2-4949-B75C-E40A6413A828}" dt="2020-08-05T10:14:52.453" v="53" actId="14"/>
-      <pc:docMkLst>
-        <pc:docMk/>
-      </pc:docMkLst>
-      <pc:sldChg chg="modSp mod">
-        <pc:chgData name="ito sh" userId="b72e1b45a6eb2453" providerId="LiveId" clId="{5D9A5121-CCE2-4949-B75C-E40A6413A828}" dt="2020-08-05T10:14:52.453" v="53" actId="14"/>
-        <pc:sldMkLst>
-          <pc:docMk/>
-          <pc:sldMk cId="2080287932" sldId="257"/>
-        </pc:sldMkLst>
-      </pc:sldChg>
-    </pc:docChg>
-  </pc:docChgLst>
-  <pc:docChgLst>
-    <pc:chgData name="ito sh" userId="b72e1b45a6eb2453" providerId="LiveId" clId="{3CCF0F66-34EC-40D4-BD6A-6B718B058E88}"/>
-    <pc:docChg chg="modSld">
-      <pc:chgData name="ito sh" userId="b72e1b45a6eb2453" providerId="LiveId" clId="{3CCF0F66-34EC-40D4-BD6A-6B718B058E88}" dt="2021-03-14T15:03:12.331" v="35" actId="20577"/>
-      <pc:docMkLst>
-        <pc:docMk/>
-      </pc:docMkLst>
     </pc:docChg>
   </pc:docChgLst>
 </pc:chgInfo>
@@ -1041,7 +364,7 @@
           <a:p>
             <a:fld id="{98B15ECE-60C4-45D4-8ABC-DDA7D4F33EF9}" type="datetimeFigureOut">
               <a:rPr kumimoji="1" lang="ja-JP" altLang="en-US" smtClean="0"/>
-              <a:t>2025/7/28</a:t>
+              <a:t>2025/11/4</a:t>
             </a:fld>
             <a:endParaRPr kumimoji="1" lang="ja-JP" altLang="en-US"/>
           </a:p>
@@ -2094,7 +1417,7 @@
           <a:p>
             <a:fld id="{8FB4C7EE-3C5D-4F47-A8DE-21B759CA57C5}" type="datetimeFigureOut">
               <a:rPr kumimoji="1" lang="ja-JP" altLang="en-US" smtClean="0"/>
-              <a:t>2025/7/28</a:t>
+              <a:t>2025/11/4</a:t>
             </a:fld>
             <a:endParaRPr kumimoji="1" lang="ja-JP" altLang="en-US"/>
           </a:p>
@@ -2296,7 +1619,7 @@
           <a:p>
             <a:fld id="{8FB4C7EE-3C5D-4F47-A8DE-21B759CA57C5}" type="datetimeFigureOut">
               <a:rPr kumimoji="1" lang="ja-JP" altLang="en-US" smtClean="0"/>
-              <a:t>2025/7/28</a:t>
+              <a:t>2025/11/4</a:t>
             </a:fld>
             <a:endParaRPr kumimoji="1" lang="ja-JP" altLang="en-US"/>
           </a:p>
@@ -2508,7 +1831,7 @@
           <a:p>
             <a:fld id="{8FB4C7EE-3C5D-4F47-A8DE-21B759CA57C5}" type="datetimeFigureOut">
               <a:rPr kumimoji="1" lang="ja-JP" altLang="en-US" smtClean="0"/>
-              <a:t>2025/7/28</a:t>
+              <a:t>2025/11/4</a:t>
             </a:fld>
             <a:endParaRPr kumimoji="1" lang="ja-JP" altLang="en-US"/>
           </a:p>
@@ -2710,7 +2033,7 @@
           <a:p>
             <a:fld id="{8FB4C7EE-3C5D-4F47-A8DE-21B759CA57C5}" type="datetimeFigureOut">
               <a:rPr kumimoji="1" lang="ja-JP" altLang="en-US" smtClean="0"/>
-              <a:t>2025/7/28</a:t>
+              <a:t>2025/11/4</a:t>
             </a:fld>
             <a:endParaRPr kumimoji="1" lang="ja-JP" altLang="en-US"/>
           </a:p>
@@ -2954,7 +2277,7 @@
           <a:p>
             <a:fld id="{8FB4C7EE-3C5D-4F47-A8DE-21B759CA57C5}" type="datetimeFigureOut">
               <a:rPr kumimoji="1" lang="ja-JP" altLang="en-US" smtClean="0"/>
-              <a:t>2025/7/28</a:t>
+              <a:t>2025/11/4</a:t>
             </a:fld>
             <a:endParaRPr kumimoji="1" lang="ja-JP" altLang="en-US"/>
           </a:p>
@@ -3250,7 +2573,7 @@
           <a:p>
             <a:fld id="{8FB4C7EE-3C5D-4F47-A8DE-21B759CA57C5}" type="datetimeFigureOut">
               <a:rPr kumimoji="1" lang="ja-JP" altLang="en-US" smtClean="0"/>
-              <a:t>2025/7/28</a:t>
+              <a:t>2025/11/4</a:t>
             </a:fld>
             <a:endParaRPr kumimoji="1" lang="ja-JP" altLang="en-US"/>
           </a:p>
@@ -3681,7 +3004,7 @@
           <a:p>
             <a:fld id="{8FB4C7EE-3C5D-4F47-A8DE-21B759CA57C5}" type="datetimeFigureOut">
               <a:rPr kumimoji="1" lang="ja-JP" altLang="en-US" smtClean="0"/>
-              <a:t>2025/7/28</a:t>
+              <a:t>2025/11/4</a:t>
             </a:fld>
             <a:endParaRPr kumimoji="1" lang="ja-JP" altLang="en-US"/>
           </a:p>
@@ -3799,7 +3122,7 @@
           <a:p>
             <a:fld id="{8FB4C7EE-3C5D-4F47-A8DE-21B759CA57C5}" type="datetimeFigureOut">
               <a:rPr kumimoji="1" lang="ja-JP" altLang="en-US" smtClean="0"/>
-              <a:t>2025/7/28</a:t>
+              <a:t>2025/11/4</a:t>
             </a:fld>
             <a:endParaRPr kumimoji="1" lang="ja-JP" altLang="en-US"/>
           </a:p>
@@ -3894,7 +3217,7 @@
           <a:p>
             <a:fld id="{8FB4C7EE-3C5D-4F47-A8DE-21B759CA57C5}" type="datetimeFigureOut">
               <a:rPr kumimoji="1" lang="ja-JP" altLang="en-US" smtClean="0"/>
-              <a:t>2025/7/28</a:t>
+              <a:t>2025/11/4</a:t>
             </a:fld>
             <a:endParaRPr kumimoji="1" lang="ja-JP" altLang="en-US"/>
           </a:p>
@@ -4203,7 +3526,7 @@
           <a:p>
             <a:fld id="{8FB4C7EE-3C5D-4F47-A8DE-21B759CA57C5}" type="datetimeFigureOut">
               <a:rPr kumimoji="1" lang="ja-JP" altLang="en-US" smtClean="0"/>
-              <a:t>2025/7/28</a:t>
+              <a:t>2025/11/4</a:t>
             </a:fld>
             <a:endParaRPr kumimoji="1" lang="ja-JP" altLang="en-US"/>
           </a:p>
@@ -4460,7 +3783,7 @@
           <a:p>
             <a:fld id="{8FB4C7EE-3C5D-4F47-A8DE-21B759CA57C5}" type="datetimeFigureOut">
               <a:rPr kumimoji="1" lang="ja-JP" altLang="en-US" smtClean="0"/>
-              <a:t>2025/7/28</a:t>
+              <a:t>2025/11/4</a:t>
             </a:fld>
             <a:endParaRPr kumimoji="1" lang="ja-JP" altLang="en-US"/>
           </a:p>
@@ -4705,7 +4028,7 @@
           <a:p>
             <a:fld id="{8FB4C7EE-3C5D-4F47-A8DE-21B759CA57C5}" type="datetimeFigureOut">
               <a:rPr kumimoji="1" lang="ja-JP" altLang="en-US" smtClean="0"/>
-              <a:t>2025/7/28</a:t>
+              <a:t>2025/11/4</a:t>
             </a:fld>
             <a:endParaRPr kumimoji="1" lang="ja-JP" altLang="en-US"/>
           </a:p>
@@ -5401,30 +4724,6 @@
               </a:rPr>
               <a:t> GPRO</a:t>
             </a:r>
-            <a:r>
-              <a:rPr lang="ja-JP" altLang="en-US" b="1">
-                <a:solidFill>
-                  <a:schemeClr val="accent5">
-                    <a:lumMod val="60000"/>
-                    <a:lumOff val="40000"/>
-                  </a:schemeClr>
-                </a:solidFill>
-                <a:latin typeface="+mn-ea"/>
-              </a:rPr>
-              <a:t> </a:t>
-            </a:r>
-            <a:r>
-              <a:rPr lang="en-US" altLang="ja-JP" b="1">
-                <a:solidFill>
-                  <a:schemeClr val="accent5">
-                    <a:lumMod val="60000"/>
-                    <a:lumOff val="40000"/>
-                  </a:schemeClr>
-                </a:solidFill>
-                <a:latin typeface="+mn-ea"/>
-              </a:rPr>
-              <a:t>or X2A</a:t>
-            </a:r>
             <a:endParaRPr kumimoji="1" lang="en-US" altLang="ja-JP" b="1" dirty="0">
               <a:solidFill>
                 <a:schemeClr val="accent5">
@@ -5464,7 +4763,7 @@
         </p:blipFill>
         <p:spPr bwMode="auto">
           <a:xfrm>
-            <a:off x="990874" y="4581130"/>
+            <a:off x="1324309" y="4581130"/>
             <a:ext cx="4607426" cy="1694095"/>
           </a:xfrm>
           <a:prstGeom prst="rect">
@@ -5511,55 +4810,8 @@
         </p:blipFill>
         <p:spPr bwMode="auto">
           <a:xfrm>
-            <a:off x="5959426" y="4604944"/>
+            <a:off x="6732240" y="4604944"/>
             <a:ext cx="872194" cy="1720293"/>
-          </a:xfrm>
-          <a:prstGeom prst="rect">
-            <a:avLst/>
-          </a:prstGeom>
-          <a:noFill/>
-          <a:extLst>
-            <a:ext uri="{909E8E84-426E-40DD-AFC4-6F175D3DCCD1}">
-              <a14:hiddenFill xmlns:a14="http://schemas.microsoft.com/office/drawing/2010/main">
-                <a:solidFill>
-                  <a:srgbClr val="FFFFFF"/>
-                </a:solidFill>
-              </a14:hiddenFill>
-            </a:ext>
-          </a:extLst>
-        </p:spPr>
-      </p:pic>
-      <p:pic>
-        <p:nvPicPr>
-          <p:cNvPr id="1026" name="Picture 2" descr="X2A Gaming Mouse">
-            <a:extLst>
-              <a:ext uri="{FF2B5EF4-FFF2-40B4-BE49-F238E27FC236}">
-                <a16:creationId xmlns:a16="http://schemas.microsoft.com/office/drawing/2014/main" id="{C590DD7D-E8C4-1A8D-2A1D-62AA87C4DDAE}"/>
-              </a:ext>
-            </a:extLst>
-          </p:cNvPr>
-          <p:cNvPicPr>
-            <a:picLocks noChangeAspect="1" noChangeArrowheads="1"/>
-          </p:cNvPicPr>
-          <p:nvPr/>
-        </p:nvPicPr>
-        <p:blipFill>
-          <a:blip r:embed="rId5" cstate="print">
-            <a:extLst>
-              <a:ext uri="{28A0092B-C50C-407E-A947-70E740481C1C}">
-                <a14:useLocalDpi xmlns:a14="http://schemas.microsoft.com/office/drawing/2010/main" val="0"/>
-              </a:ext>
-            </a:extLst>
-          </a:blip>
-          <a:srcRect/>
-          <a:stretch>
-            <a:fillRect/>
-          </a:stretch>
-        </p:blipFill>
-        <p:spPr bwMode="auto">
-          <a:xfrm>
-            <a:off x="6516216" y="4293096"/>
-            <a:ext cx="2376264" cy="2376264"/>
           </a:xfrm>
           <a:prstGeom prst="rect">
             <a:avLst/>
@@ -5689,7 +4941,7 @@
           <p:nvPr>
             <p:extLst>
               <p:ext uri="{D42A27DB-BD31-4B8C-83A1-F6EECF244321}">
-                <p14:modId xmlns:p14="http://schemas.microsoft.com/office/powerpoint/2010/main" val="1235002995"/>
+                <p14:modId xmlns:p14="http://schemas.microsoft.com/office/powerpoint/2010/main" val="848915546"/>
               </p:ext>
             </p:extLst>
           </p:nvPr>
@@ -7237,7 +6489,7 @@
                     <a:p>
                       <a:pPr algn="ctr" fontAlgn="ctr"/>
                       <a:r>
-                        <a:rPr lang="en-US" altLang="ja-JP" sz="1100" b="0" i="0" u="none" strike="noStrike">
+                        <a:rPr lang="ja-JP" altLang="en-US" sz="1100" b="0" i="0" u="none" strike="noStrike">
                           <a:solidFill>
                             <a:schemeClr val="bg1"/>
                           </a:solidFill>
@@ -7246,17 +6498,8 @@
                           <a:ea typeface="游ゴシック Medium" panose="020B0500000000000000" pitchFamily="50" charset="-128"/>
                           <a:cs typeface="Courier New" panose="02070309020205020404" pitchFamily="49" charset="0"/>
                         </a:rPr>
-                        <a:t>HUE_ON</a:t>
+                        <a:t>●</a:t>
                       </a:r>
-                      <a:endParaRPr lang="ja-JP" altLang="en-US" sz="1100" b="0" i="0" u="none" strike="noStrike">
-                        <a:solidFill>
-                          <a:schemeClr val="bg1"/>
-                        </a:solidFill>
-                        <a:effectLst/>
-                        <a:latin typeface="Consolas" panose="020B0609020204030204" pitchFamily="49" charset="0"/>
-                        <a:ea typeface="游ゴシック Medium" panose="020B0500000000000000" pitchFamily="50" charset="-128"/>
-                        <a:cs typeface="Courier New" panose="02070309020205020404" pitchFamily="49" charset="0"/>
-                      </a:endParaRPr>
                     </a:p>
                   </a:txBody>
                   <a:tcPr marL="9525" marR="9525" marT="9525" marB="0" anchor="ctr">
@@ -7570,6 +6813,18 @@
                     <a:lstStyle/>
                     <a:p>
                       <a:pPr algn="ctr" fontAlgn="ctr"/>
+                      <a:r>
+                        <a:rPr lang="en-US" altLang="ja-JP" sz="1100" b="0" i="0" u="none" strike="noStrike">
+                          <a:solidFill>
+                            <a:schemeClr val="bg1"/>
+                          </a:solidFill>
+                          <a:effectLst/>
+                          <a:latin typeface="Consolas" panose="020B0609020204030204" pitchFamily="49" charset="0"/>
+                          <a:ea typeface="游ゴシック Medium" panose="020B0500000000000000" pitchFamily="50" charset="-128"/>
+                          <a:cs typeface="Courier New" panose="02070309020205020404" pitchFamily="49" charset="0"/>
+                        </a:rPr>
+                        <a:t>-</a:t>
+                      </a:r>
                       <a:endParaRPr lang="ja-JP" altLang="en-US" sz="1100" b="0" i="0" u="none" strike="noStrike">
                         <a:solidFill>
                           <a:schemeClr val="bg1"/>
@@ -7824,7 +7079,7 @@
                     <a:p>
                       <a:pPr algn="ctr" fontAlgn="ctr"/>
                       <a:r>
-                        <a:rPr lang="ja-JP" altLang="en-US" sz="1100" b="0" i="0" u="none" strike="noStrike">
+                        <a:rPr lang="en-US" altLang="ja-JP" sz="1100" b="0" i="0" u="none" strike="noStrike">
                           <a:solidFill>
                             <a:schemeClr val="accent2"/>
                           </a:solidFill>
@@ -7833,17 +7088,8 @@
                           <a:ea typeface="游ゴシック Medium" panose="020B0500000000000000" pitchFamily="50" charset="-128"/>
                           <a:cs typeface="Courier New" panose="02070309020205020404" pitchFamily="49" charset="0"/>
                         </a:rPr>
-                        <a:t>時刻表示</a:t>
+                        <a:t>Dashboard</a:t>
                       </a:r>
-                      <a:endParaRPr lang="en-US" altLang="ja-JP" sz="1100" b="0" i="0" u="none" strike="noStrike">
-                        <a:solidFill>
-                          <a:schemeClr val="accent2"/>
-                        </a:solidFill>
-                        <a:effectLst/>
-                        <a:latin typeface="Consolas" panose="020B0609020204030204" pitchFamily="49" charset="0"/>
-                        <a:ea typeface="游ゴシック Medium" panose="020B0500000000000000" pitchFamily="50" charset="-128"/>
-                        <a:cs typeface="Courier New" panose="02070309020205020404" pitchFamily="49" charset="0"/>
-                      </a:endParaRPr>
                     </a:p>
                   </a:txBody>
                   <a:tcPr marL="9525" marR="9525" marT="9525" marB="0" anchor="ctr">
@@ -7899,7 +7145,7 @@
                     <a:p>
                       <a:pPr algn="ctr" fontAlgn="ctr"/>
                       <a:r>
-                        <a:rPr lang="en-US" altLang="ja-JP" sz="1100" b="0" i="0" u="none" strike="noStrike">
+                        <a:rPr lang="ja-JP" altLang="en-US" sz="1100" b="0" i="0" u="none" strike="noStrike">
                           <a:solidFill>
                             <a:schemeClr val="bg1"/>
                           </a:solidFill>
@@ -7908,17 +7154,8 @@
                           <a:ea typeface="游ゴシック Medium" panose="020B0500000000000000" pitchFamily="50" charset="-128"/>
                           <a:cs typeface="Courier New" panose="02070309020205020404" pitchFamily="49" charset="0"/>
                         </a:rPr>
-                        <a:t>HUE_OFF</a:t>
+                        <a:t>●</a:t>
                       </a:r>
-                      <a:endParaRPr lang="ja-JP" altLang="en-US" sz="1100" b="0" i="0" u="none" strike="noStrike">
-                        <a:solidFill>
-                          <a:schemeClr val="bg1"/>
-                        </a:solidFill>
-                        <a:effectLst/>
-                        <a:latin typeface="Consolas" panose="020B0609020204030204" pitchFamily="49" charset="0"/>
-                        <a:ea typeface="游ゴシック Medium" panose="020B0500000000000000" pitchFamily="50" charset="-128"/>
-                        <a:cs typeface="Courier New" panose="02070309020205020404" pitchFamily="49" charset="0"/>
-                      </a:endParaRPr>
                     </a:p>
                   </a:txBody>
                   <a:tcPr marL="9525" marR="9525" marT="9525" marB="0" anchor="ctr">
@@ -7992,7 +7229,7 @@
                         <a:defRPr/>
                       </a:pPr>
                       <a:r>
-                        <a:rPr lang="en-US" altLang="ja-JP" sz="1100" b="0" i="0" u="none" strike="noStrike">
+                        <a:rPr lang="ja-JP" altLang="en-US" sz="1100" b="0" i="0" u="none" strike="noStrike">
                           <a:solidFill>
                             <a:schemeClr val="bg1"/>
                           </a:solidFill>
@@ -8001,39 +7238,17 @@
                           <a:ea typeface="游ゴシック Medium" panose="020B0500000000000000" pitchFamily="50" charset="-128"/>
                           <a:cs typeface="Courier New" panose="02070309020205020404" pitchFamily="49" charset="0"/>
                         </a:rPr>
-                        <a:t>CO2</a:t>
+                        <a:t>●</a:t>
                       </a:r>
-                    </a:p>
-                    <a:p>
-                      <a:pPr marL="0" marR="0" lvl="0" indent="0" algn="ctr" defTabSz="914400" rtl="0" eaLnBrk="1" fontAlgn="ctr" latinLnBrk="0" hangingPunct="1">
-                        <a:lnSpc>
-                          <a:spcPct val="100000"/>
-                        </a:lnSpc>
-                        <a:spcBef>
-                          <a:spcPts val="0"/>
-                        </a:spcBef>
-                        <a:spcAft>
-                          <a:spcPts val="0"/>
-                        </a:spcAft>
-                        <a:buClrTx/>
-                        <a:buSzTx/>
-                        <a:buFontTx/>
-                        <a:buNone/>
-                        <a:tabLst/>
-                        <a:defRPr/>
-                      </a:pPr>
-                      <a:r>
-                        <a:rPr lang="en-US" altLang="ja-JP" sz="1100" b="0" i="0" u="none" strike="noStrike">
-                          <a:solidFill>
-                            <a:schemeClr val="bg1"/>
-                          </a:solidFill>
-                          <a:effectLst/>
-                          <a:latin typeface="Consolas" panose="020B0609020204030204" pitchFamily="49" charset="0"/>
-                          <a:ea typeface="游ゴシック Medium" panose="020B0500000000000000" pitchFamily="50" charset="-128"/>
-                          <a:cs typeface="Courier New" panose="02070309020205020404" pitchFamily="49" charset="0"/>
-                        </a:rPr>
-                        <a:t>Monitor</a:t>
-                      </a:r>
+                      <a:endParaRPr lang="en-US" altLang="ja-JP" sz="1100" b="0" i="0" u="none" strike="noStrike">
+                        <a:solidFill>
+                          <a:schemeClr val="bg1"/>
+                        </a:solidFill>
+                        <a:effectLst/>
+                        <a:latin typeface="Consolas" panose="020B0609020204030204" pitchFamily="49" charset="0"/>
+                        <a:ea typeface="游ゴシック Medium" panose="020B0500000000000000" pitchFamily="50" charset="-128"/>
+                        <a:cs typeface="Courier New" panose="02070309020205020404" pitchFamily="49" charset="0"/>
+                      </a:endParaRPr>
                     </a:p>
                   </a:txBody>
                   <a:tcPr marL="9525" marR="9525" marT="9525" marB="0" anchor="ctr">
@@ -8650,7 +7865,7 @@
                     <a:p>
                       <a:pPr algn="ctr" fontAlgn="ctr"/>
                       <a:r>
-                        <a:rPr lang="en-US" altLang="ja-JP" sz="1100" b="0" i="0" u="none" strike="noStrike">
+                        <a:rPr lang="ja-JP" altLang="en-US" sz="1100" b="0" i="0" u="none" strike="noStrike">
                           <a:solidFill>
                             <a:schemeClr val="bg1"/>
                           </a:solidFill>
@@ -8659,17 +7874,8 @@
                           <a:ea typeface="游ゴシック Medium" panose="020B0500000000000000" pitchFamily="50" charset="-128"/>
                           <a:cs typeface="Courier New" panose="02070309020205020404" pitchFamily="49" charset="0"/>
                         </a:rPr>
-                        <a:t>HUE_UP</a:t>
+                        <a:t>●</a:t>
                       </a:r>
-                      <a:endParaRPr lang="ja-JP" altLang="en-US" sz="1100" b="0" i="0" u="none" strike="noStrike">
-                        <a:solidFill>
-                          <a:schemeClr val="bg1"/>
-                        </a:solidFill>
-                        <a:effectLst/>
-                        <a:latin typeface="Consolas" panose="020B0609020204030204" pitchFamily="49" charset="0"/>
-                        <a:ea typeface="游ゴシック Medium" panose="020B0500000000000000" pitchFamily="50" charset="-128"/>
-                        <a:cs typeface="Courier New" panose="02070309020205020404" pitchFamily="49" charset="0"/>
-                      </a:endParaRPr>
                     </a:p>
                   </a:txBody>
                   <a:tcPr marL="9525" marR="9525" marT="9525" marB="0" anchor="ctr">
@@ -9373,7 +8579,7 @@
                     <a:p>
                       <a:pPr algn="ctr" fontAlgn="ctr"/>
                       <a:r>
-                        <a:rPr lang="en-US" altLang="ja-JP" sz="1100" b="0" i="0" u="none" strike="noStrike">
+                        <a:rPr lang="ja-JP" altLang="en-US" sz="1100" b="0" i="0" u="none" strike="noStrike">
                           <a:solidFill>
                             <a:schemeClr val="bg1"/>
                           </a:solidFill>
@@ -9382,17 +8588,8 @@
                           <a:ea typeface="游ゴシック Medium" panose="020B0500000000000000" pitchFamily="50" charset="-128"/>
                           <a:cs typeface="Courier New" panose="02070309020205020404" pitchFamily="49" charset="0"/>
                         </a:rPr>
-                        <a:t>HUE_DOWN</a:t>
+                        <a:t>●</a:t>
                       </a:r>
-                      <a:endParaRPr lang="ja-JP" altLang="en-US" sz="1100" b="0" i="0" u="none" strike="noStrike">
-                        <a:solidFill>
-                          <a:schemeClr val="bg1"/>
-                        </a:solidFill>
-                        <a:effectLst/>
-                        <a:latin typeface="Consolas" panose="020B0609020204030204" pitchFamily="49" charset="0"/>
-                        <a:ea typeface="游ゴシック Medium" panose="020B0500000000000000" pitchFamily="50" charset="-128"/>
-                        <a:cs typeface="Courier New" panose="02070309020205020404" pitchFamily="49" charset="0"/>
-                      </a:endParaRPr>
                     </a:p>
                   </a:txBody>
                   <a:tcPr marL="9525" marR="9525" marT="9525" marB="0" anchor="ctr">
@@ -9770,6 +8967,18 @@
                     <a:lstStyle/>
                     <a:p>
                       <a:pPr algn="ctr" fontAlgn="ctr"/>
+                      <a:r>
+                        <a:rPr lang="en-US" altLang="ja-JP" sz="1100" b="0" i="0" u="none" strike="noStrike">
+                          <a:solidFill>
+                            <a:schemeClr val="bg1"/>
+                          </a:solidFill>
+                          <a:effectLst/>
+                          <a:latin typeface="Consolas" panose="020B0609020204030204" pitchFamily="49" charset="0"/>
+                          <a:ea typeface="游ゴシック Medium" panose="020B0500000000000000" pitchFamily="50" charset="-128"/>
+                          <a:cs typeface="Courier New" panose="02070309020205020404" pitchFamily="49" charset="0"/>
+                        </a:rPr>
+                        <a:t>-</a:t>
+                      </a:r>
                       <a:endParaRPr lang="ja-JP" altLang="en-US" sz="1100" b="0" i="0" u="none" strike="noStrike">
                         <a:solidFill>
                           <a:schemeClr val="bg1"/>
@@ -10024,7 +9233,7 @@
                     <a:p>
                       <a:pPr algn="ctr" fontAlgn="ctr"/>
                       <a:r>
-                        <a:rPr lang="en-US" altLang="ja-JP" sz="1100" b="0" i="0" u="none" strike="noStrike">
+                        <a:rPr lang="ja-JP" altLang="en-US" sz="1100" b="0" i="0" u="none" strike="noStrike">
                           <a:solidFill>
                             <a:schemeClr val="bg1"/>
                           </a:solidFill>
@@ -10033,17 +9242,8 @@
                           <a:ea typeface="游ゴシック Medium" panose="020B0500000000000000" pitchFamily="50" charset="-128"/>
                           <a:cs typeface="Courier New" panose="02070309020205020404" pitchFamily="49" charset="0"/>
                         </a:rPr>
-                        <a:t>HUE_CT</a:t>
+                        <a:t>●</a:t>
                       </a:r>
-                      <a:endParaRPr lang="ja-JP" altLang="en-US" sz="1100" b="0" i="0" u="none" strike="noStrike">
-                        <a:solidFill>
-                          <a:schemeClr val="bg1"/>
-                        </a:solidFill>
-                        <a:effectLst/>
-                        <a:latin typeface="Consolas" panose="020B0609020204030204" pitchFamily="49" charset="0"/>
-                        <a:ea typeface="游ゴシック Medium" panose="020B0500000000000000" pitchFamily="50" charset="-128"/>
-                        <a:cs typeface="Courier New" panose="02070309020205020404" pitchFamily="49" charset="0"/>
-                      </a:endParaRPr>
                     </a:p>
                   </a:txBody>
                   <a:tcPr marL="9525" marR="9525" marT="9525" marB="0" anchor="ctr">
@@ -10119,7 +9319,7 @@
                         <a:defRPr/>
                       </a:pPr>
                       <a:r>
-                        <a:rPr lang="ja-JP" altLang="en-US" sz="1100" b="0" i="0" u="none" strike="noStrike">
+                        <a:rPr lang="en-US" altLang="ja-JP" sz="1100" b="0" i="0" u="none" strike="noStrike">
                           <a:solidFill>
                             <a:schemeClr val="bg1"/>
                           </a:solidFill>
@@ -10128,7 +9328,38 @@
                           <a:ea typeface="游ゴシック Medium" panose="020B0500000000000000" pitchFamily="50" charset="-128"/>
                           <a:cs typeface="Courier New" panose="02070309020205020404" pitchFamily="49" charset="0"/>
                         </a:rPr>
-                        <a:t>●</a:t>
+                        <a:t>Shutdown</a:t>
+                      </a:r>
+                    </a:p>
+                    <a:p>
+                      <a:pPr marL="0" marR="0" lvl="0" indent="0" algn="ctr" defTabSz="914400" rtl="0" eaLnBrk="1" fontAlgn="ctr" latinLnBrk="0" hangingPunct="1">
+                        <a:lnSpc>
+                          <a:spcPct val="100000"/>
+                        </a:lnSpc>
+                        <a:spcBef>
+                          <a:spcPts val="0"/>
+                        </a:spcBef>
+                        <a:spcAft>
+                          <a:spcPts val="0"/>
+                        </a:spcAft>
+                        <a:buClrTx/>
+                        <a:buSzTx/>
+                        <a:buFontTx/>
+                        <a:buNone/>
+                        <a:tabLst/>
+                        <a:defRPr/>
+                      </a:pPr>
+                      <a:r>
+                        <a:rPr lang="en-US" altLang="ja-JP" sz="1100" b="0" i="0" u="none" strike="noStrike">
+                          <a:solidFill>
+                            <a:schemeClr val="bg1"/>
+                          </a:solidFill>
+                          <a:effectLst/>
+                          <a:latin typeface="Consolas" panose="020B0609020204030204" pitchFamily="49" charset="0"/>
+                          <a:ea typeface="游ゴシック Medium" panose="020B0500000000000000" pitchFamily="50" charset="-128"/>
+                          <a:cs typeface="Courier New" panose="02070309020205020404" pitchFamily="49" charset="0"/>
+                        </a:rPr>
+                        <a:t>AHK</a:t>
                       </a:r>
                       <a:endParaRPr lang="ja-JP" altLang="en-US" sz="1100" b="0" i="0" u="none" strike="noStrike" dirty="0">
                         <a:solidFill>
@@ -10183,9 +9414,7 @@
                       <a:prstDash val="solid"/>
                     </a:lnBlToTr>
                     <a:solidFill>
-                      <a:schemeClr val="accent5">
-                        <a:lumMod val="50000"/>
-                      </a:schemeClr>
+                      <a:srgbClr val="7030A0"/>
                     </a:solidFill>
                   </a:tcPr>
                 </a:tc>
@@ -10509,7 +9738,7 @@
                       <a:r>
                         <a:rPr lang="en-US" altLang="ja-JP" sz="1100" b="0" i="0" u="none" strike="noStrike">
                           <a:solidFill>
-                            <a:schemeClr val="accent2"/>
+                            <a:schemeClr val="bg1"/>
                           </a:solidFill>
                           <a:effectLst/>
                           <a:latin typeface="Consolas" panose="020B0609020204030204" pitchFamily="49" charset="0"/>
@@ -10520,7 +9749,7 @@
                       </a:r>
                       <a:endParaRPr lang="ja-JP" altLang="en-US" sz="1100" b="0" i="0" u="none" strike="noStrike">
                         <a:solidFill>
-                          <a:schemeClr val="accent2"/>
+                          <a:schemeClr val="bg1"/>
                         </a:solidFill>
                         <a:effectLst/>
                         <a:latin typeface="Consolas" panose="020B0609020204030204" pitchFamily="49" charset="0"/>
@@ -10586,18 +9815,18 @@
                       <a:r>
                         <a:rPr lang="en-US" altLang="ja-JP" sz="1100" b="0" i="0" u="none" strike="noStrike">
                           <a:solidFill>
-                            <a:schemeClr val="accent2"/>
+                            <a:schemeClr val="bg1"/>
                           </a:solidFill>
                           <a:effectLst/>
                           <a:latin typeface="Consolas" panose="020B0609020204030204" pitchFamily="49" charset="0"/>
                           <a:ea typeface="游ゴシック Medium" panose="020B0500000000000000" pitchFamily="50" charset="-128"/>
                           <a:cs typeface="Courier New" panose="02070309020205020404" pitchFamily="49" charset="0"/>
                         </a:rPr>
-                        <a:t>-</a:t>
+                        <a:t>●</a:t>
                       </a:r>
                       <a:endParaRPr lang="ja-JP" altLang="en-US" sz="1100" b="0" i="0" u="none" strike="noStrike">
                         <a:solidFill>
-                          <a:schemeClr val="accent2"/>
+                          <a:schemeClr val="bg1"/>
                         </a:solidFill>
                         <a:effectLst/>
                         <a:latin typeface="Consolas" panose="020B0609020204030204" pitchFamily="49" charset="0"/>
@@ -10663,7 +9892,7 @@
                       <a:r>
                         <a:rPr lang="ja-JP" altLang="en-US" sz="1100" b="0" i="0" u="none" strike="noStrike">
                           <a:solidFill>
-                            <a:schemeClr val="accent2"/>
+                            <a:schemeClr val="bg1"/>
                           </a:solidFill>
                           <a:effectLst/>
                           <a:latin typeface="Consolas" panose="020B0609020204030204" pitchFamily="49" charset="0"/>
@@ -10674,7 +9903,7 @@
                       </a:r>
                       <a:endParaRPr lang="en-US" altLang="ja-JP" sz="1100" b="0" i="0" u="none" strike="noStrike">
                         <a:solidFill>
-                          <a:schemeClr val="accent2"/>
+                          <a:schemeClr val="bg1"/>
                         </a:solidFill>
                         <a:effectLst/>
                         <a:latin typeface="Consolas" panose="020B0609020204030204" pitchFamily="49" charset="0"/>
@@ -10687,7 +9916,7 @@
                       <a:r>
                         <a:rPr lang="en-US" altLang="ja-JP" sz="1100" b="0" i="0" u="none" strike="noStrike">
                           <a:solidFill>
-                            <a:schemeClr val="accent2"/>
+                            <a:schemeClr val="bg1"/>
                           </a:solidFill>
                           <a:effectLst/>
                           <a:latin typeface="Consolas" panose="020B0609020204030204" pitchFamily="49" charset="0"/>
@@ -10698,7 +9927,7 @@
                       </a:r>
                       <a:endParaRPr lang="ja-JP" altLang="en-US" sz="1100" b="0" i="0" u="none" strike="noStrike">
                         <a:solidFill>
-                          <a:schemeClr val="accent2"/>
+                          <a:schemeClr val="bg1"/>
                         </a:solidFill>
                         <a:effectLst/>
                         <a:latin typeface="Consolas" panose="020B0609020204030204" pitchFamily="49" charset="0"/>
@@ -11169,18 +10398,18 @@
                       <a:r>
                         <a:rPr lang="en-US" altLang="ja-JP" sz="1100" b="0" i="0" u="none" strike="noStrike">
                           <a:solidFill>
-                            <a:schemeClr val="accent2"/>
+                            <a:schemeClr val="bg1"/>
                           </a:solidFill>
                           <a:effectLst/>
                           <a:latin typeface="Consolas" panose="020B0609020204030204" pitchFamily="49" charset="0"/>
                           <a:ea typeface="游ゴシック Medium" panose="020B0500000000000000" pitchFamily="50" charset="-128"/>
                           <a:cs typeface="Courier New" panose="02070309020205020404" pitchFamily="49" charset="0"/>
                         </a:rPr>
-                        <a:t>-</a:t>
+                        <a:t>●</a:t>
                       </a:r>
                       <a:endParaRPr lang="ja-JP" altLang="en-US" sz="1100" b="0" i="0" u="none" strike="noStrike">
                         <a:solidFill>
-                          <a:schemeClr val="accent2"/>
+                          <a:schemeClr val="bg1"/>
                         </a:solidFill>
                         <a:effectLst/>
                         <a:latin typeface="Consolas" panose="020B0609020204030204" pitchFamily="49" charset="0"/>
@@ -11246,7 +10475,7 @@
                       <a:r>
                         <a:rPr lang="en-US" altLang="ja-JP" sz="1100" b="0" i="0" u="none" strike="noStrike">
                           <a:solidFill>
-                            <a:schemeClr val="accent2"/>
+                            <a:schemeClr val="bg1"/>
                           </a:solidFill>
                           <a:effectLst/>
                           <a:latin typeface="Consolas" panose="020B0609020204030204" pitchFamily="49" charset="0"/>
@@ -11257,7 +10486,7 @@
                       </a:r>
                       <a:endParaRPr lang="ja-JP" altLang="en-US" sz="1100" b="0" i="0" u="none" strike="noStrike">
                         <a:solidFill>
-                          <a:schemeClr val="accent2"/>
+                          <a:schemeClr val="bg1"/>
                         </a:solidFill>
                         <a:effectLst/>
                         <a:latin typeface="Consolas" panose="020B0609020204030204" pitchFamily="49" charset="0"/>
@@ -11323,7 +10552,7 @@
                       <a:r>
                         <a:rPr lang="ja-JP" altLang="en-US" sz="1100" b="0" i="0" u="none" strike="noStrike">
                           <a:solidFill>
-                            <a:schemeClr val="accent2"/>
+                            <a:schemeClr val="bg1"/>
                           </a:solidFill>
                           <a:effectLst/>
                           <a:latin typeface="Consolas" panose="020B0609020204030204" pitchFamily="49" charset="0"/>
@@ -11334,7 +10563,7 @@
                       </a:r>
                       <a:endParaRPr lang="en-US" altLang="ja-JP" sz="1100" b="0" i="0" u="none" strike="noStrike">
                         <a:solidFill>
-                          <a:schemeClr val="accent2"/>
+                          <a:schemeClr val="bg1"/>
                         </a:solidFill>
                         <a:effectLst/>
                         <a:latin typeface="Consolas" panose="020B0609020204030204" pitchFamily="49" charset="0"/>
@@ -11347,7 +10576,7 @@
                       <a:r>
                         <a:rPr lang="en-US" altLang="ja-JP" sz="1100" b="0" i="0" u="none" strike="noStrike">
                           <a:solidFill>
-                            <a:schemeClr val="accent2"/>
+                            <a:schemeClr val="bg1"/>
                           </a:solidFill>
                           <a:effectLst/>
                           <a:latin typeface="Consolas" panose="020B0609020204030204" pitchFamily="49" charset="0"/>
@@ -11358,7 +10587,7 @@
                       </a:r>
                       <a:endParaRPr lang="ja-JP" altLang="en-US" sz="1100" b="0" i="0" u="none" strike="noStrike">
                         <a:solidFill>
-                          <a:schemeClr val="accent2"/>
+                          <a:schemeClr val="bg1"/>
                         </a:solidFill>
                         <a:effectLst/>
                         <a:latin typeface="Consolas" panose="020B0609020204030204" pitchFamily="49" charset="0"/>
@@ -11429,7 +10658,7 @@
                           <a:ea typeface="游ゴシック Medium" panose="020B0500000000000000" pitchFamily="50" charset="-128"/>
                           <a:cs typeface="Courier New" panose="02070309020205020404" pitchFamily="49" charset="0"/>
                         </a:rPr>
-                        <a:t>Toggle</a:t>
+                        <a:t>Select</a:t>
                       </a:r>
                     </a:p>
                     <a:p>
